--- a/oouchi/1.2_LogisticRegression/1.2_RogisticRegression.pptx
+++ b/oouchi/1.2_LogisticRegression/1.2_RogisticRegression.pptx
@@ -4096,30 +4096,43 @@
           <a:bodyPr/>
           <a:lstStyle/>
           <a:p>
-            <a:r>
-              <a:rPr kumimoji="1" lang="en-US" altLang="ja-JP" dirty="0"/>
-              <a:t>1.2.Logistic regression</a:t>
-            </a:r>
-            <a:endParaRPr kumimoji="1" lang="ja-JP" altLang="en-US" dirty="0"/>
-          </a:p>
-        </p:txBody>
-      </p:sp>
-      <p:sp>
-        <p:nvSpPr>
-          <p:cNvPr id="3" name="サブタイトル 2"/>
-          <p:cNvSpPr>
-            <a:spLocks noGrp="1"/>
-          </p:cNvSpPr>
-          <p:nvPr>
-            <p:ph type="subTitle" idx="1"/>
-          </p:nvPr>
-        </p:nvSpPr>
-        <p:spPr/>
-        <p:txBody>
-          <a:bodyPr/>
-          <a:lstStyle/>
-          <a:p>
-            <a:endParaRPr kumimoji="1" lang="ja-JP" altLang="en-US"/>
+            <a:br>
+              <a:rPr kumimoji="1" lang="en-US" altLang="ja-JP" sz="4400" dirty="0"/>
+            </a:br>
+            <a:br>
+              <a:rPr kumimoji="1" lang="en-US" altLang="ja-JP" sz="4400" dirty="0"/>
+            </a:br>
+            <a:br>
+              <a:rPr kumimoji="1" lang="en-US" altLang="ja-JP" sz="4400" dirty="0"/>
+            </a:br>
+            <a:r>
+              <a:rPr kumimoji="1" lang="ja-JP" altLang="en-US" sz="4400" dirty="0"/>
+              <a:t>パターンテンプレート　　</a:t>
+            </a:r>
+            <a:br>
+              <a:rPr kumimoji="1" lang="en-US" altLang="ja-JP" sz="4400" dirty="0"/>
+            </a:br>
+            <a:r>
+              <a:rPr kumimoji="1" lang="ja-JP" altLang="en-US" sz="4400" dirty="0"/>
+              <a:t>　</a:t>
+            </a:r>
+            <a:r>
+              <a:rPr kumimoji="1" lang="en-US" altLang="ja-JP" sz="3600" dirty="0"/>
+              <a:t>1.2</a:t>
+            </a:r>
+            <a:r>
+              <a:rPr lang="ja-JP" altLang="en-US" sz="3600" dirty="0"/>
+              <a:t>　</a:t>
+            </a:r>
+            <a:r>
+              <a:rPr kumimoji="1" lang="en-US" altLang="ja-JP" sz="3600" dirty="0"/>
+              <a:t>Logistic </a:t>
+            </a:r>
+            <a:r>
+              <a:rPr kumimoji="1" lang="en-US" altLang="ja-JP" sz="3600" dirty="0" err="1"/>
+              <a:t>regressioN</a:t>
+            </a:r>
+            <a:endParaRPr kumimoji="1" lang="ja-JP" altLang="en-US" sz="4400" dirty="0"/>
           </a:p>
         </p:txBody>
       </p:sp>
@@ -4701,21 +4714,10 @@
           <a:lstStyle/>
           <a:p>
             <a:r>
-              <a:rPr lang="ja-JP" altLang="en-US" dirty="0"/>
-              <a:t>機械学習 </a:t>
-            </a:r>
-            <a:r>
-              <a:rPr lang="en-US" altLang="ja-JP" dirty="0"/>
-              <a:t>〜 </a:t>
-            </a:r>
-            <a:r>
-              <a:rPr lang="ja-JP" altLang="en-US" dirty="0"/>
-              <a:t>線形モデル（回帰） </a:t>
-            </a:r>
-            <a:r>
-              <a:rPr lang="en-US" altLang="ja-JP" dirty="0"/>
-              <a:t>〜</a:t>
-            </a:r>
+              <a:rPr lang="ja-JP" altLang="en-US" b="1" dirty="0"/>
+              <a:t>ロジスティック回帰分析</a:t>
+            </a:r>
+            <a:endParaRPr lang="en-US" altLang="ja-JP" dirty="0"/>
           </a:p>
           <a:p>
             <a:pPr lvl="1"/>
@@ -4725,99 +4727,6 @@
               </a:rPr>
               <a:t>https://qiita.com/fujin/items/7f0a7b6fc8fb662f510d</a:t>
             </a:r>
-            <a:endParaRPr lang="en-US" altLang="ja-JP" dirty="0"/>
-          </a:p>
-          <a:p>
-            <a:r>
-              <a:rPr lang="en-US" altLang="ja-JP" dirty="0"/>
-              <a:t>Lasso </a:t>
-            </a:r>
-            <a:r>
-              <a:rPr lang="en-US" altLang="ja-JP" dirty="0" err="1"/>
-              <a:t>Regressor</a:t>
-            </a:r>
-            <a:r>
-              <a:rPr lang="ja-JP" altLang="en-US" dirty="0"/>
-              <a:t>（回帰分析）</a:t>
-            </a:r>
-            <a:r>
-              <a:rPr lang="en-US" altLang="ja-JP" dirty="0"/>
-              <a:t>【Python</a:t>
-            </a:r>
-            <a:r>
-              <a:rPr lang="ja-JP" altLang="en-US" dirty="0"/>
-              <a:t>と</a:t>
-            </a:r>
-            <a:r>
-              <a:rPr lang="en-US" altLang="ja-JP" dirty="0" err="1"/>
-              <a:t>scikit</a:t>
-            </a:r>
-            <a:r>
-              <a:rPr lang="en-US" altLang="ja-JP" dirty="0"/>
-              <a:t>-learn</a:t>
-            </a:r>
-            <a:r>
-              <a:rPr lang="ja-JP" altLang="en-US" dirty="0"/>
-              <a:t>で機械学習：第</a:t>
-            </a:r>
-            <a:r>
-              <a:rPr lang="en-US" altLang="ja-JP" dirty="0"/>
-              <a:t>15</a:t>
-            </a:r>
-            <a:r>
-              <a:rPr lang="ja-JP" altLang="en-US" dirty="0"/>
-              <a:t>回</a:t>
-            </a:r>
-            <a:r>
-              <a:rPr lang="en-US" altLang="ja-JP" dirty="0"/>
-              <a:t>】</a:t>
-            </a:r>
-          </a:p>
-          <a:p>
-            <a:pPr lvl="1"/>
-            <a:r>
-              <a:rPr lang="en-US" altLang="ja-JP" dirty="0">
-                <a:hlinkClick r:id="rId3"/>
-              </a:rPr>
-              <a:t>http://neuro-educator.com/ml15/</a:t>
-            </a:r>
-            <a:endParaRPr lang="en-US" altLang="ja-JP" dirty="0"/>
-          </a:p>
-          <a:p>
-            <a:r>
-              <a:rPr lang="ja-JP" altLang="en-US" dirty="0"/>
-              <a:t>不動産価格を機械学習で予測する</a:t>
-            </a:r>
-            <a:r>
-              <a:rPr lang="en-US" altLang="ja-JP" dirty="0" err="1"/>
-              <a:t>Kaggle</a:t>
-            </a:r>
-            <a:r>
-              <a:rPr lang="ja-JP" altLang="en-US" dirty="0"/>
-              <a:t>に挑戦する </a:t>
-            </a:r>
-            <a:r>
-              <a:rPr lang="en-US" altLang="ja-JP" dirty="0"/>
-              <a:t>[</a:t>
-            </a:r>
-            <a:r>
-              <a:rPr lang="ja-JP" altLang="en-US" dirty="0"/>
-              <a:t>発展編</a:t>
-            </a:r>
-            <a:endParaRPr lang="en-US" altLang="ja-JP" dirty="0"/>
-          </a:p>
-          <a:p>
-            <a:pPr lvl="1"/>
-            <a:r>
-              <a:rPr lang="en-US" altLang="ja-JP" dirty="0">
-                <a:hlinkClick r:id="rId2"/>
-              </a:rPr>
-              <a:t>https://qiita.com/fujin/items/7f0a7b6fc8fb662f510d</a:t>
-            </a:r>
-            <a:endParaRPr lang="en-US" altLang="ja-JP" dirty="0"/>
-          </a:p>
-          <a:p>
-            <a:pPr lvl="1"/>
             <a:endParaRPr lang="en-US" altLang="ja-JP" dirty="0"/>
           </a:p>
           <a:p>
@@ -5212,7 +5121,12 @@
             <p:ph idx="1"/>
           </p:nvPr>
         </p:nvSpPr>
-        <p:spPr/>
+        <p:spPr>
+          <a:xfrm>
+            <a:off x="457200" y="1504528"/>
+            <a:ext cx="8229600" cy="4876800"/>
+          </a:xfrm>
+        </p:spPr>
         <p:txBody>
           <a:bodyPr/>
           <a:lstStyle/>
@@ -5262,6 +5176,43 @@
               <a:buNone/>
             </a:pPr>
             <a:endParaRPr lang="en-US" altLang="ja-JP" dirty="0"/>
+          </a:p>
+          <a:p>
+            <a:pPr marL="0" indent="0">
+              <a:buNone/>
+            </a:pPr>
+            <a:r>
+              <a:rPr lang="ja-JP" altLang="en-US" sz="2000" dirty="0"/>
+              <a:t>■ロジスティック回帰が適している例</a:t>
+            </a:r>
+            <a:endParaRPr lang="en-US" altLang="ja-JP" sz="2000" dirty="0"/>
+          </a:p>
+          <a:p>
+            <a:r>
+              <a:rPr lang="ja-JP" altLang="en-US" sz="2000" dirty="0"/>
+              <a:t>未知の質的変数（＝目的変数）が、相反関係にあるもの（</a:t>
+            </a:r>
+            <a:r>
+              <a:rPr lang="en-US" altLang="ja-JP" sz="2000" dirty="0"/>
+              <a:t>ON</a:t>
+            </a:r>
+            <a:r>
+              <a:rPr lang="ja-JP" altLang="en-US" sz="2000" dirty="0"/>
+              <a:t>・</a:t>
+            </a:r>
+            <a:r>
+              <a:rPr lang="en-US" altLang="ja-JP" sz="2000" dirty="0"/>
+              <a:t>OFF</a:t>
+            </a:r>
+            <a:r>
+              <a:rPr lang="ja-JP" altLang="en-US" sz="2000" dirty="0" err="1"/>
+              <a:t>、</a:t>
+            </a:r>
+            <a:r>
+              <a:rPr lang="ja-JP" altLang="en-US" sz="2000" dirty="0"/>
+              <a:t>あり・なし、良品・不良品、など）</a:t>
+            </a:r>
+            <a:endParaRPr lang="en-US" altLang="ja-JP" sz="2000" dirty="0"/>
           </a:p>
           <a:p>
             <a:pPr marL="0" indent="0">
@@ -5682,15 +5633,23 @@
           <a:p>
             <a:r>
               <a:rPr lang="ja-JP" altLang="en-US" dirty="0"/>
-              <a:t>目的変数が二値（</a:t>
+              <a:t>目的変数が相反関係にある二値（</a:t>
             </a:r>
             <a:r>
               <a:rPr lang="en-US" altLang="ja-JP" dirty="0"/>
-              <a:t>Yes/No </a:t>
+              <a:t>ON</a:t>
             </a:r>
             <a:r>
               <a:rPr lang="ja-JP" altLang="en-US" dirty="0"/>
-              <a:t>など）であるもの。</a:t>
+              <a:t>・</a:t>
+            </a:r>
+            <a:r>
+              <a:rPr lang="en-US" altLang="ja-JP" dirty="0"/>
+              <a:t>OFF </a:t>
+            </a:r>
+            <a:r>
+              <a:rPr lang="ja-JP" altLang="en-US" dirty="0"/>
+              <a:t>など）に分類される場合に、ロジスティック回帰が適用可能である。</a:t>
             </a:r>
             <a:endParaRPr lang="en-US" altLang="ja-JP" dirty="0"/>
           </a:p>
@@ -5998,7 +5957,15 @@
             </a:pPr>
             <a:r>
               <a:rPr kumimoji="1" lang="ja-JP" altLang="en-US" dirty="0"/>
-              <a:t>＜ロジスティック回帰も含めた、一般的な注意事項＞</a:t>
+              <a:t>＜ロジスティック回帰</a:t>
+            </a:r>
+            <a:r>
+              <a:rPr lang="ja-JP" altLang="en-US" dirty="0"/>
+              <a:t>に限らず</a:t>
+            </a:r>
+            <a:r>
+              <a:rPr kumimoji="1" lang="ja-JP" altLang="en-US" dirty="0"/>
+              <a:t>、一般的な注意事項＞</a:t>
             </a:r>
             <a:endParaRPr kumimoji="1" lang="en-US" altLang="ja-JP" dirty="0"/>
           </a:p>
@@ -6023,7 +5990,19 @@
           <a:p>
             <a:r>
               <a:rPr lang="ja-JP" altLang="en-US" sz="2000" dirty="0"/>
-              <a:t>訓練データと評価データ それぞれに含まれるカテゴリ属性のユニーク値が同じ場合（★本サンプルではこちら）</a:t>
+              <a:t>属性のユニーク値が訓練</a:t>
+            </a:r>
+            <a:r>
+              <a:rPr lang="en-US" altLang="ja-JP" sz="2000" dirty="0"/>
+              <a:t>/</a:t>
+            </a:r>
+            <a:r>
+              <a:rPr lang="ja-JP" altLang="en-US" sz="2000" dirty="0"/>
+              <a:t>評価データで同じ場合</a:t>
+            </a:r>
+            <a:r>
+              <a:rPr lang="ja-JP" altLang="en-US" sz="1400" dirty="0"/>
+              <a:t>（★本サンプルではこちら）</a:t>
             </a:r>
             <a:endParaRPr lang="en-US" altLang="ja-JP" sz="2000" dirty="0"/>
           </a:p>
@@ -6031,7 +6010,15 @@
             <a:pPr lvl="1"/>
             <a:r>
               <a:rPr kumimoji="1" lang="ja-JP" altLang="en-US" sz="1800" dirty="0"/>
-              <a:t>訓練データと評価データのそれぞれに対して、 </a:t>
+              <a:t>訓練</a:t>
+            </a:r>
+            <a:r>
+              <a:rPr lang="en-US" altLang="ja-JP" sz="1800" dirty="0"/>
+              <a:t>/</a:t>
+            </a:r>
+            <a:r>
+              <a:rPr kumimoji="1" lang="ja-JP" altLang="en-US" sz="1800" dirty="0"/>
+              <a:t>評価データに対して、 </a:t>
             </a:r>
             <a:r>
               <a:rPr lang="en-US" altLang="ja-JP" sz="1800" dirty="0"/>
@@ -6051,14 +6038,34 @@
             </a:r>
             <a:r>
               <a:rPr lang="ja-JP" altLang="en-US" sz="1800" dirty="0"/>
-              <a:t>を実行すればよい。（生成されるダミー列が、訓練データと評価データで一致するため）</a:t>
+              <a:t>を実行する。（追加されるダミー列が、訓練データと評価データで一致する為問題なし）</a:t>
             </a:r>
             <a:endParaRPr lang="en-US" altLang="ja-JP" sz="1800" dirty="0"/>
           </a:p>
           <a:p>
             <a:r>
               <a:rPr lang="ja-JP" altLang="en-US" sz="2000" dirty="0"/>
-              <a:t>同じでない場合</a:t>
+              <a:t>属性のユニーク値が訓練</a:t>
+            </a:r>
+            <a:r>
+              <a:rPr lang="en-US" altLang="ja-JP" sz="2000" dirty="0"/>
+              <a:t>/</a:t>
+            </a:r>
+            <a:r>
+              <a:rPr lang="ja-JP" altLang="en-US" sz="2000" dirty="0"/>
+              <a:t>評価データで同じ</a:t>
+            </a:r>
+            <a:r>
+              <a:rPr lang="ja-JP" altLang="en-US" sz="2000" dirty="0">
+                <a:solidFill>
+                  <a:srgbClr val="FF0000"/>
+                </a:solidFill>
+              </a:rPr>
+              <a:t>でない</a:t>
+            </a:r>
+            <a:r>
+              <a:rPr lang="ja-JP" altLang="en-US" sz="2000" dirty="0"/>
+              <a:t>場合</a:t>
             </a:r>
             <a:endParaRPr lang="en-US" altLang="ja-JP" sz="2000" dirty="0"/>
           </a:p>
@@ -6066,7 +6073,15 @@
             <a:pPr lvl="1"/>
             <a:r>
               <a:rPr lang="ja-JP" altLang="en-US" sz="1800" dirty="0"/>
-              <a:t>訓練データと評価データそれぞれに追加されるダミー列が一致するように工夫すること。</a:t>
+              <a:t>訓練</a:t>
+            </a:r>
+            <a:r>
+              <a:rPr lang="en-US" altLang="ja-JP" sz="1800" dirty="0"/>
+              <a:t>/</a:t>
+            </a:r>
+            <a:r>
+              <a:rPr lang="ja-JP" altLang="en-US" sz="1800" dirty="0"/>
+              <a:t>評価データに追加されるダミー列が一致するよう実装する。</a:t>
             </a:r>
             <a:endParaRPr lang="en-US" altLang="ja-JP" sz="1800" dirty="0"/>
           </a:p>
@@ -6087,7 +6102,7 @@
           <a:p>
             <a:r>
               <a:rPr lang="ja-JP" altLang="en-US" sz="2000" dirty="0"/>
-              <a:t>１つの属性をダミー化した結果、</a:t>
+              <a:t>１つの属性が</a:t>
             </a:r>
             <a:r>
               <a:rPr lang="en-US" altLang="ja-JP" sz="2000" dirty="0"/>
@@ -6095,7 +6110,7 @@
             </a:r>
             <a:r>
               <a:rPr lang="ja-JP" altLang="en-US" sz="2000" dirty="0"/>
-              <a:t>列以上になった場合、任意の一列を消すこと。</a:t>
+              <a:t>列以上にダミー化された場合、任意の一列を消すことで、モデルの予測精度向上が期待できる。</a:t>
             </a:r>
             <a:endParaRPr kumimoji="1" lang="en-US" altLang="ja-JP" sz="2000" dirty="0"/>
           </a:p>
@@ -6193,7 +6208,12 @@
             <p:ph idx="1"/>
           </p:nvPr>
         </p:nvSpPr>
-        <p:spPr/>
+        <p:spPr>
+          <a:xfrm>
+            <a:off x="457200" y="1600200"/>
+            <a:ext cx="8229600" cy="1396752"/>
+          </a:xfrm>
+        </p:spPr>
         <p:txBody>
           <a:bodyPr/>
           <a:lstStyle/>
@@ -6210,13 +6230,9 @@
               <a:rPr lang="en-US" altLang="ja-JP" dirty="0">
                 <a:hlinkClick r:id="rId2"/>
               </a:rPr>
-              <a:t>https://github.com/topse2018-kaggle/team/blob/master/misoka/2.3.Lasso/Lasso_study-01.ipynb</a:t>
+              <a:t>https://github.com/topse2018-kaggle/team/tree/master/oouchi/1.2_LogisticRegression</a:t>
             </a:r>
             <a:endParaRPr lang="en-US" altLang="ja-JP" dirty="0"/>
-          </a:p>
-          <a:p>
-            <a:pPr lvl="1"/>
-            <a:endParaRPr kumimoji="1" lang="ja-JP" altLang="en-US" dirty="0"/>
           </a:p>
         </p:txBody>
       </p:sp>
@@ -6243,6 +6259,338 @@
           </a:p>
         </p:txBody>
       </p:sp>
+      <p:graphicFrame>
+        <p:nvGraphicFramePr>
+          <p:cNvPr id="5" name="表 4">
+            <a:extLst>
+              <a:ext uri="{FF2B5EF4-FFF2-40B4-BE49-F238E27FC236}">
+                <a16:creationId xmlns:a16="http://schemas.microsoft.com/office/drawing/2014/main" id="{2D3977C8-1405-4B88-A1E1-BC74AC9546A6}"/>
+              </a:ext>
+            </a:extLst>
+          </p:cNvPr>
+          <p:cNvGraphicFramePr>
+            <a:graphicFrameLocks noGrp="1"/>
+          </p:cNvGraphicFramePr>
+          <p:nvPr>
+            <p:extLst>
+              <p:ext uri="{D42A27DB-BD31-4B8C-83A1-F6EECF244321}">
+                <p14:modId xmlns:p14="http://schemas.microsoft.com/office/powerpoint/2010/main" val="3324494319"/>
+              </p:ext>
+            </p:extLst>
+          </p:nvPr>
+        </p:nvGraphicFramePr>
+        <p:xfrm>
+          <a:off x="611560" y="3212976"/>
+          <a:ext cx="7920880" cy="2595880"/>
+        </p:xfrm>
+        <a:graphic>
+          <a:graphicData uri="http://schemas.openxmlformats.org/drawingml/2006/table">
+            <a:tbl>
+              <a:tblPr firstRow="1" bandRow="1">
+                <a:tableStyleId>{5C22544A-7EE6-4342-B048-85BDC9FD1C3A}</a:tableStyleId>
+              </a:tblPr>
+              <a:tblGrid>
+                <a:gridCol w="3456384">
+                  <a:extLst>
+                    <a:ext uri="{9D8B030D-6E8A-4147-A177-3AD203B41FA5}">
+                      <a16:colId xmlns:a16="http://schemas.microsoft.com/office/drawing/2014/main" val="1485668539"/>
+                    </a:ext>
+                  </a:extLst>
+                </a:gridCol>
+                <a:gridCol w="4464496">
+                  <a:extLst>
+                    <a:ext uri="{9D8B030D-6E8A-4147-A177-3AD203B41FA5}">
+                      <a16:colId xmlns:a16="http://schemas.microsoft.com/office/drawing/2014/main" val="630893975"/>
+                    </a:ext>
+                  </a:extLst>
+                </a:gridCol>
+              </a:tblGrid>
+              <a:tr h="370840">
+                <a:tc>
+                  <a:txBody>
+                    <a:bodyPr/>
+                    <a:lstStyle/>
+                    <a:p>
+                      <a:r>
+                        <a:rPr kumimoji="1" lang="ja-JP" altLang="en-US" dirty="0"/>
+                        <a:t>ファイル名</a:t>
+                      </a:r>
+                    </a:p>
+                  </a:txBody>
+                  <a:tcPr/>
+                </a:tc>
+                <a:tc>
+                  <a:txBody>
+                    <a:bodyPr/>
+                    <a:lstStyle/>
+                    <a:p>
+                      <a:r>
+                        <a:rPr kumimoji="1" lang="ja-JP" altLang="en-US" dirty="0"/>
+                        <a:t>説明</a:t>
+                      </a:r>
+                    </a:p>
+                  </a:txBody>
+                  <a:tcPr/>
+                </a:tc>
+                <a:extLst>
+                  <a:ext uri="{0D108BD9-81ED-4DB2-BD59-A6C34878D82A}">
+                    <a16:rowId xmlns:a16="http://schemas.microsoft.com/office/drawing/2014/main" val="1962282372"/>
+                  </a:ext>
+                </a:extLst>
+              </a:tr>
+              <a:tr h="370840">
+                <a:tc>
+                  <a:txBody>
+                    <a:bodyPr/>
+                    <a:lstStyle/>
+                    <a:p>
+                      <a:r>
+                        <a:rPr kumimoji="1" lang="en-US" altLang="ja-JP" dirty="0" err="1"/>
+                        <a:t>kaggle</a:t>
+                      </a:r>
+                      <a:r>
+                        <a:rPr kumimoji="1" lang="en-US" altLang="ja-JP" dirty="0"/>
+                        <a:t>-titanic-</a:t>
+                      </a:r>
+                      <a:r>
+                        <a:rPr kumimoji="1" lang="en-US" altLang="ja-JP" dirty="0" err="1"/>
+                        <a:t>lg.ipynb</a:t>
+                      </a:r>
+                      <a:endParaRPr kumimoji="1" lang="ja-JP" altLang="en-US" dirty="0"/>
+                    </a:p>
+                  </a:txBody>
+                  <a:tcPr/>
+                </a:tc>
+                <a:tc>
+                  <a:txBody>
+                    <a:bodyPr/>
+                    <a:lstStyle/>
+                    <a:p>
+                      <a:r>
+                        <a:rPr kumimoji="1" lang="ja-JP" altLang="en-US" dirty="0"/>
+                        <a:t>サンプルコード（</a:t>
+                      </a:r>
+                      <a:r>
+                        <a:rPr kumimoji="1" lang="en-US" altLang="ja-JP" dirty="0" err="1"/>
+                        <a:t>IPython</a:t>
+                      </a:r>
+                      <a:r>
+                        <a:rPr kumimoji="1" lang="ja-JP" altLang="en-US" dirty="0"/>
+                        <a:t>）</a:t>
+                      </a:r>
+                    </a:p>
+                  </a:txBody>
+                  <a:tcPr/>
+                </a:tc>
+                <a:extLst>
+                  <a:ext uri="{0D108BD9-81ED-4DB2-BD59-A6C34878D82A}">
+                    <a16:rowId xmlns:a16="http://schemas.microsoft.com/office/drawing/2014/main" val="2381340453"/>
+                  </a:ext>
+                </a:extLst>
+              </a:tr>
+              <a:tr h="370840">
+                <a:tc>
+                  <a:txBody>
+                    <a:bodyPr/>
+                    <a:lstStyle/>
+                    <a:p>
+                      <a:pPr marL="0" marR="0" lvl="0" indent="0" algn="l" defTabSz="914400" rtl="0" eaLnBrk="1" fontAlgn="auto" latinLnBrk="0" hangingPunct="1">
+                        <a:lnSpc>
+                          <a:spcPct val="100000"/>
+                        </a:lnSpc>
+                        <a:spcBef>
+                          <a:spcPts val="0"/>
+                        </a:spcBef>
+                        <a:spcAft>
+                          <a:spcPts val="0"/>
+                        </a:spcAft>
+                        <a:buClrTx/>
+                        <a:buSzTx/>
+                        <a:buFontTx/>
+                        <a:buNone/>
+                        <a:tabLst/>
+                        <a:defRPr/>
+                      </a:pPr>
+                      <a:r>
+                        <a:rPr kumimoji="1" lang="en-US" altLang="ja-JP" dirty="0"/>
+                        <a:t>kaggle-titanic-lg.html</a:t>
+                      </a:r>
+                      <a:endParaRPr kumimoji="1" lang="ja-JP" altLang="en-US" dirty="0"/>
+                    </a:p>
+                  </a:txBody>
+                  <a:tcPr/>
+                </a:tc>
+                <a:tc>
+                  <a:txBody>
+                    <a:bodyPr/>
+                    <a:lstStyle/>
+                    <a:p>
+                      <a:r>
+                        <a:rPr kumimoji="1" lang="ja-JP" altLang="en-US" dirty="0"/>
+                        <a:t>サンプルコード（結果付き）の</a:t>
+                      </a:r>
+                      <a:r>
+                        <a:rPr kumimoji="1" lang="en-US" altLang="ja-JP" dirty="0"/>
+                        <a:t>HTML</a:t>
+                      </a:r>
+                      <a:r>
+                        <a:rPr kumimoji="1" lang="ja-JP" altLang="en-US" dirty="0"/>
+                        <a:t>出力</a:t>
+                      </a:r>
+                    </a:p>
+                  </a:txBody>
+                  <a:tcPr/>
+                </a:tc>
+                <a:extLst>
+                  <a:ext uri="{0D108BD9-81ED-4DB2-BD59-A6C34878D82A}">
+                    <a16:rowId xmlns:a16="http://schemas.microsoft.com/office/drawing/2014/main" val="2141190484"/>
+                  </a:ext>
+                </a:extLst>
+              </a:tr>
+              <a:tr h="370840">
+                <a:tc>
+                  <a:txBody>
+                    <a:bodyPr/>
+                    <a:lstStyle/>
+                    <a:p>
+                      <a:r>
+                        <a:rPr kumimoji="1" lang="en-US" altLang="ja-JP" dirty="0"/>
+                        <a:t>train.csv</a:t>
+                      </a:r>
+                      <a:endParaRPr kumimoji="1" lang="ja-JP" altLang="en-US" dirty="0"/>
+                    </a:p>
+                  </a:txBody>
+                  <a:tcPr/>
+                </a:tc>
+                <a:tc>
+                  <a:txBody>
+                    <a:bodyPr/>
+                    <a:lstStyle/>
+                    <a:p>
+                      <a:r>
+                        <a:rPr kumimoji="1" lang="ja-JP" altLang="en-US" dirty="0"/>
+                        <a:t>訓練データ</a:t>
+                      </a:r>
+                    </a:p>
+                  </a:txBody>
+                  <a:tcPr/>
+                </a:tc>
+                <a:extLst>
+                  <a:ext uri="{0D108BD9-81ED-4DB2-BD59-A6C34878D82A}">
+                    <a16:rowId xmlns:a16="http://schemas.microsoft.com/office/drawing/2014/main" val="4208928511"/>
+                  </a:ext>
+                </a:extLst>
+              </a:tr>
+              <a:tr h="370840">
+                <a:tc>
+                  <a:txBody>
+                    <a:bodyPr/>
+                    <a:lstStyle/>
+                    <a:p>
+                      <a:r>
+                        <a:rPr kumimoji="1" lang="en-US" altLang="ja-JP" dirty="0"/>
+                        <a:t>test.csv</a:t>
+                      </a:r>
+                      <a:endParaRPr kumimoji="1" lang="ja-JP" altLang="en-US" dirty="0"/>
+                    </a:p>
+                  </a:txBody>
+                  <a:tcPr/>
+                </a:tc>
+                <a:tc>
+                  <a:txBody>
+                    <a:bodyPr/>
+                    <a:lstStyle/>
+                    <a:p>
+                      <a:r>
+                        <a:rPr kumimoji="1" lang="ja-JP" altLang="en-US" dirty="0"/>
+                        <a:t>評価データ</a:t>
+                      </a:r>
+                    </a:p>
+                  </a:txBody>
+                  <a:tcPr/>
+                </a:tc>
+                <a:extLst>
+                  <a:ext uri="{0D108BD9-81ED-4DB2-BD59-A6C34878D82A}">
+                    <a16:rowId xmlns:a16="http://schemas.microsoft.com/office/drawing/2014/main" val="1470499847"/>
+                  </a:ext>
+                </a:extLst>
+              </a:tr>
+              <a:tr h="370840">
+                <a:tc>
+                  <a:txBody>
+                    <a:bodyPr/>
+                    <a:lstStyle/>
+                    <a:p>
+                      <a:r>
+                        <a:rPr kumimoji="1" lang="en-US" altLang="ja-JP" dirty="0"/>
+                        <a:t>submission.csv</a:t>
+                      </a:r>
+                      <a:endParaRPr kumimoji="1" lang="ja-JP" altLang="en-US" dirty="0"/>
+                    </a:p>
+                  </a:txBody>
+                  <a:tcPr/>
+                </a:tc>
+                <a:tc>
+                  <a:txBody>
+                    <a:bodyPr/>
+                    <a:lstStyle/>
+                    <a:p>
+                      <a:r>
+                        <a:rPr kumimoji="1" lang="en-US" altLang="ja-JP" dirty="0"/>
+                        <a:t>Kaggle</a:t>
+                      </a:r>
+                      <a:r>
+                        <a:rPr kumimoji="1" lang="ja-JP" altLang="en-US" dirty="0"/>
+                        <a:t>提出用データ</a:t>
+                      </a:r>
+                    </a:p>
+                  </a:txBody>
+                  <a:tcPr/>
+                </a:tc>
+                <a:extLst>
+                  <a:ext uri="{0D108BD9-81ED-4DB2-BD59-A6C34878D82A}">
+                    <a16:rowId xmlns:a16="http://schemas.microsoft.com/office/drawing/2014/main" val="1089966240"/>
+                  </a:ext>
+                </a:extLst>
+              </a:tr>
+              <a:tr h="370840">
+                <a:tc>
+                  <a:txBody>
+                    <a:bodyPr/>
+                    <a:lstStyle/>
+                    <a:p>
+                      <a:r>
+                        <a:rPr kumimoji="1" lang="en-US" altLang="ja-JP" dirty="0"/>
+                        <a:t>1.2_RogisticRegression.pptx</a:t>
+                      </a:r>
+                      <a:endParaRPr kumimoji="1" lang="ja-JP" altLang="en-US" dirty="0"/>
+                    </a:p>
+                  </a:txBody>
+                  <a:tcPr/>
+                </a:tc>
+                <a:tc>
+                  <a:txBody>
+                    <a:bodyPr/>
+                    <a:lstStyle/>
+                    <a:p>
+                      <a:r>
+                        <a:rPr kumimoji="1" lang="ja-JP" altLang="en-US" dirty="0"/>
+                        <a:t>本ファイル</a:t>
+                      </a:r>
+                    </a:p>
+                  </a:txBody>
+                  <a:tcPr/>
+                </a:tc>
+                <a:extLst>
+                  <a:ext uri="{0D108BD9-81ED-4DB2-BD59-A6C34878D82A}">
+                    <a16:rowId xmlns:a16="http://schemas.microsoft.com/office/drawing/2014/main" val="3493202050"/>
+                  </a:ext>
+                </a:extLst>
+              </a:tr>
+            </a:tbl>
+          </a:graphicData>
+        </a:graphic>
+      </p:graphicFrame>
     </p:spTree>
     <p:extLst>
       <p:ext uri="{BB962C8B-B14F-4D97-AF65-F5344CB8AC3E}">
@@ -6292,6 +6640,19 @@
               <a:rPr kumimoji="1" lang="ja-JP" altLang="en-US" dirty="0"/>
               <a:t>適用結果</a:t>
             </a:r>
+            <a:r>
+              <a:rPr kumimoji="1" lang="ja-JP" altLang="en-US" sz="2400" dirty="0"/>
+              <a:t>（</a:t>
+            </a:r>
+            <a:r>
+              <a:rPr kumimoji="1" lang="en-US" altLang="ja-JP" sz="2400" dirty="0"/>
+              <a:t>2018/11/25</a:t>
+            </a:r>
+            <a:r>
+              <a:rPr kumimoji="1" lang="ja-JP" altLang="en-US" sz="2400" dirty="0"/>
+              <a:t>時点）</a:t>
+            </a:r>
+            <a:endParaRPr kumimoji="1" lang="ja-JP" altLang="en-US" dirty="0"/>
           </a:p>
         </p:txBody>
       </p:sp>
@@ -6305,14 +6666,37 @@
             <p:ph idx="1"/>
           </p:nvPr>
         </p:nvSpPr>
-        <p:spPr/>
-        <p:txBody>
-          <a:bodyPr/>
-          <a:lstStyle/>
-          <a:p>
+        <p:spPr>
+          <a:xfrm>
+            <a:off x="457200" y="1700808"/>
+            <a:ext cx="8229600" cy="1440160"/>
+          </a:xfrm>
+        </p:spPr>
+        <p:txBody>
+          <a:bodyPr/>
+          <a:lstStyle/>
+          <a:p>
+            <a:pPr marL="0" indent="0">
+              <a:buNone/>
+            </a:pPr>
+            <a:r>
+              <a:rPr lang="ja-JP" altLang="en-US" dirty="0"/>
+              <a:t>■チュートリアル（</a:t>
+            </a:r>
             <a:r>
               <a:rPr lang="en-US" altLang="ja-JP" dirty="0"/>
-              <a:t>Score: 0.11703</a:t>
+              <a:t>Titanic</a:t>
+            </a:r>
+            <a:r>
+              <a:rPr lang="ja-JP" altLang="en-US" dirty="0"/>
+              <a:t>）コンペの結果</a:t>
+            </a:r>
+            <a:endParaRPr lang="en-US" altLang="ja-JP" dirty="0"/>
+          </a:p>
+          <a:p>
+            <a:r>
+              <a:rPr lang="en-US" altLang="ja-JP" dirty="0"/>
+              <a:t>Score: 0.76076</a:t>
             </a:r>
           </a:p>
           <a:p>
@@ -6322,11 +6706,11 @@
             </a:r>
             <a:r>
               <a:rPr lang="en-US" altLang="ja-JP" dirty="0"/>
-              <a:t>: 712/4154</a:t>
+              <a:t>: 8230/10354</a:t>
             </a:r>
             <a:r>
               <a:rPr lang="ja-JP" altLang="en-US" dirty="0"/>
-              <a:t>位</a:t>
+              <a:t>位 </a:t>
             </a:r>
             <a:r>
               <a:rPr lang="en-US" altLang="ja-JP" dirty="0"/>
@@ -6334,12 +6718,37 @@
             </a:r>
             <a:r>
               <a:rPr lang="ja-JP" altLang="en-US" dirty="0"/>
-              <a:t>上位</a:t>
+              <a:t>下位 約</a:t>
             </a:r>
             <a:r>
               <a:rPr lang="en-US" altLang="ja-JP" dirty="0"/>
-              <a:t>17%)</a:t>
-            </a:r>
+              <a:t>20</a:t>
+            </a:r>
+            <a:r>
+              <a:rPr lang="ja-JP" altLang="en-US" dirty="0"/>
+              <a:t>％</a:t>
+            </a:r>
+            <a:r>
+              <a:rPr lang="en-US" altLang="ja-JP" dirty="0"/>
+              <a:t>)</a:t>
+            </a:r>
+            <a:r>
+              <a:rPr lang="ja-JP" altLang="en-US" dirty="0"/>
+              <a:t> →</a:t>
+            </a:r>
+            <a:r>
+              <a:rPr lang="ja-JP" altLang="en-US" sz="1800" b="1" dirty="0">
+                <a:solidFill>
+                  <a:srgbClr val="0070C0"/>
+                </a:solidFill>
+              </a:rPr>
+              <a:t>スキルアップが必要！</a:t>
+            </a:r>
+            <a:endParaRPr lang="en-US" altLang="ja-JP" b="1" dirty="0">
+              <a:solidFill>
+                <a:srgbClr val="0070C0"/>
+              </a:solidFill>
+            </a:endParaRPr>
           </a:p>
         </p:txBody>
       </p:sp>
@@ -6368,58 +6777,193 @@
       </p:sp>
       <p:pic>
         <p:nvPicPr>
-          <p:cNvPr id="2050" name="Picture 2"/>
+          <p:cNvPr id="6" name="図 5">
+            <a:extLst>
+              <a:ext uri="{FF2B5EF4-FFF2-40B4-BE49-F238E27FC236}">
+                <a16:creationId xmlns:a16="http://schemas.microsoft.com/office/drawing/2014/main" id="{890BF35A-5E74-4260-A328-13F35D7D7675}"/>
+              </a:ext>
+            </a:extLst>
+          </p:cNvPr>
           <p:cNvPicPr>
-            <a:picLocks noChangeAspect="1" noChangeArrowheads="1"/>
+            <a:picLocks noChangeAspect="1"/>
           </p:cNvPicPr>
           <p:nvPr/>
         </p:nvPicPr>
         <p:blipFill>
-          <a:blip r:embed="rId2">
-            <a:extLst>
-              <a:ext uri="{28A0092B-C50C-407E-A947-70E740481C1C}">
-                <a14:useLocalDpi xmlns:a14="http://schemas.microsoft.com/office/drawing/2010/main" val="0"/>
-              </a:ext>
-            </a:extLst>
-          </a:blip>
-          <a:srcRect/>
+          <a:blip r:embed="rId2"/>
           <a:stretch>
             <a:fillRect/>
           </a:stretch>
         </p:blipFill>
-        <p:spPr bwMode="auto">
+        <p:spPr>
           <a:xfrm>
-            <a:off x="57150" y="2924944"/>
-            <a:ext cx="9029700" cy="3295650"/>
+            <a:off x="443945" y="3451076"/>
+            <a:ext cx="7762875" cy="1562100"/>
           </a:xfrm>
           <a:prstGeom prst="rect">
             <a:avLst/>
           </a:prstGeom>
-          <a:noFill/>
-          <a:ln>
-            <a:noFill/>
-          </a:ln>
-          <a:extLst>
-            <a:ext uri="{909E8E84-426E-40DD-AFC4-6F175D3DCCD1}">
-              <a14:hiddenFill xmlns:a14="http://schemas.microsoft.com/office/drawing/2010/main">
-                <a:solidFill>
-                  <a:schemeClr val="accent1"/>
-                </a:solidFill>
-              </a14:hiddenFill>
-            </a:ext>
-            <a:ext uri="{91240B29-F687-4F45-9708-019B960494DF}">
-              <a14:hiddenLine xmlns:a14="http://schemas.microsoft.com/office/drawing/2010/main" w="9525">
-                <a:solidFill>
-                  <a:schemeClr val="tx1"/>
-                </a:solidFill>
-                <a:miter lim="800000"/>
-                <a:headEnd/>
-                <a:tailEnd/>
-              </a14:hiddenLine>
-            </a:ext>
-          </a:extLst>
         </p:spPr>
       </p:pic>
+      <p:pic>
+        <p:nvPicPr>
+          <p:cNvPr id="7" name="図 6">
+            <a:extLst>
+              <a:ext uri="{FF2B5EF4-FFF2-40B4-BE49-F238E27FC236}">
+                <a16:creationId xmlns:a16="http://schemas.microsoft.com/office/drawing/2014/main" id="{2BE74539-E885-41C3-A57E-E291260638CC}"/>
+              </a:ext>
+            </a:extLst>
+          </p:cNvPr>
+          <p:cNvPicPr>
+            <a:picLocks noChangeAspect="1"/>
+          </p:cNvPicPr>
+          <p:nvPr/>
+        </p:nvPicPr>
+        <p:blipFill>
+          <a:blip r:embed="rId3"/>
+          <a:stretch>
+            <a:fillRect/>
+          </a:stretch>
+        </p:blipFill>
+        <p:spPr>
+          <a:xfrm>
+            <a:off x="539552" y="5517232"/>
+            <a:ext cx="5386611" cy="986757"/>
+          </a:xfrm>
+          <a:prstGeom prst="rect">
+            <a:avLst/>
+          </a:prstGeom>
+          <a:ln>
+            <a:solidFill>
+              <a:schemeClr val="accent1"/>
+            </a:solidFill>
+          </a:ln>
+        </p:spPr>
+      </p:pic>
+      <p:sp>
+        <p:nvSpPr>
+          <p:cNvPr id="8" name="四角形: 角を丸くする 7">
+            <a:extLst>
+              <a:ext uri="{FF2B5EF4-FFF2-40B4-BE49-F238E27FC236}">
+                <a16:creationId xmlns:a16="http://schemas.microsoft.com/office/drawing/2014/main" id="{41EAF472-D19F-41A7-A24F-A0D1CAC09BA2}"/>
+              </a:ext>
+            </a:extLst>
+          </p:cNvPr>
+          <p:cNvSpPr/>
+          <p:nvPr/>
+        </p:nvSpPr>
+        <p:spPr>
+          <a:xfrm>
+            <a:off x="457200" y="4492771"/>
+            <a:ext cx="7859216" cy="520405"/>
+          </a:xfrm>
+          <a:prstGeom prst="roundRect">
+            <a:avLst/>
+          </a:prstGeom>
+          <a:noFill/>
+          <a:ln w="57150">
+            <a:solidFill>
+              <a:srgbClr val="FF0000"/>
+            </a:solidFill>
+          </a:ln>
+        </p:spPr>
+        <p:style>
+          <a:lnRef idx="2">
+            <a:schemeClr val="accent6"/>
+          </a:lnRef>
+          <a:fillRef idx="1">
+            <a:schemeClr val="lt1"/>
+          </a:fillRef>
+          <a:effectRef idx="0">
+            <a:schemeClr val="accent6"/>
+          </a:effectRef>
+          <a:fontRef idx="minor">
+            <a:schemeClr val="dk1"/>
+          </a:fontRef>
+        </p:style>
+        <p:txBody>
+          <a:bodyPr rtlCol="0" anchor="ctr"/>
+          <a:lstStyle/>
+          <a:p>
+            <a:pPr algn="ctr"/>
+            <a:endParaRPr kumimoji="1" lang="ja-JP" altLang="en-US" dirty="0"/>
+          </a:p>
+        </p:txBody>
+      </p:sp>
+      <p:sp>
+        <p:nvSpPr>
+          <p:cNvPr id="9" name="吹き出し: 角を丸めた四角形 8">
+            <a:extLst>
+              <a:ext uri="{FF2B5EF4-FFF2-40B4-BE49-F238E27FC236}">
+                <a16:creationId xmlns:a16="http://schemas.microsoft.com/office/drawing/2014/main" id="{CBA43243-11D6-455A-BAC5-CB84DC4405A8}"/>
+              </a:ext>
+            </a:extLst>
+          </p:cNvPr>
+          <p:cNvSpPr/>
+          <p:nvPr/>
+        </p:nvSpPr>
+        <p:spPr>
+          <a:xfrm>
+            <a:off x="6084168" y="5609252"/>
+            <a:ext cx="2736304" cy="802716"/>
+          </a:xfrm>
+          <a:prstGeom prst="wedgeRoundRectCallout">
+            <a:avLst>
+              <a:gd name="adj1" fmla="val -59050"/>
+              <a:gd name="adj2" fmla="val -13644"/>
+              <a:gd name="adj3" fmla="val 16667"/>
+            </a:avLst>
+          </a:prstGeom>
+        </p:spPr>
+        <p:style>
+          <a:lnRef idx="2">
+            <a:schemeClr val="dk1"/>
+          </a:lnRef>
+          <a:fillRef idx="1">
+            <a:schemeClr val="lt1"/>
+          </a:fillRef>
+          <a:effectRef idx="0">
+            <a:schemeClr val="dk1"/>
+          </a:effectRef>
+          <a:fontRef idx="minor">
+            <a:schemeClr val="dk1"/>
+          </a:fontRef>
+        </p:style>
+        <p:txBody>
+          <a:bodyPr rtlCol="0" anchor="t" anchorCtr="0"/>
+          <a:lstStyle/>
+          <a:p>
+            <a:r>
+              <a:rPr kumimoji="1" lang="ja-JP" altLang="en-US" dirty="0"/>
+              <a:t>ちなみに、</a:t>
+            </a:r>
+            <a:r>
+              <a:rPr kumimoji="1" lang="en-US" altLang="ja-JP" dirty="0"/>
+              <a:t>1</a:t>
+            </a:r>
+            <a:r>
+              <a:rPr kumimoji="1" lang="ja-JP" altLang="en-US" dirty="0"/>
+              <a:t>位（</a:t>
+            </a:r>
+            <a:r>
+              <a:rPr kumimoji="1" lang="en-US" altLang="ja-JP" dirty="0"/>
+              <a:t>19</a:t>
+            </a:r>
+            <a:r>
+              <a:rPr kumimoji="1" lang="ja-JP" altLang="en-US" dirty="0"/>
+              <a:t>名）のスコアは</a:t>
+            </a:r>
+            <a:r>
+              <a:rPr kumimoji="1" lang="en-US" altLang="ja-JP" dirty="0"/>
+              <a:t>1.00</a:t>
+            </a:r>
+            <a:r>
+              <a:rPr kumimoji="1" lang="ja-JP" altLang="en-US" dirty="0"/>
+              <a:t>です。</a:t>
+            </a:r>
+          </a:p>
+        </p:txBody>
+      </p:sp>
     </p:spTree>
     <p:extLst>
       <p:ext uri="{BB962C8B-B14F-4D97-AF65-F5344CB8AC3E}">
@@ -6496,27 +7040,6 @@
           </a:p>
         </p:txBody>
       </p:sp>
-      <p:pic>
-        <p:nvPicPr>
-          <p:cNvPr id="5" name="図 4"/>
-          <p:cNvPicPr/>
-          <p:nvPr/>
-        </p:nvPicPr>
-        <p:blipFill rotWithShape="1">
-          <a:blip r:embed="rId2"/>
-          <a:srcRect b="53472"/>
-          <a:stretch/>
-        </p:blipFill>
-        <p:spPr>
-          <a:xfrm>
-            <a:off x="467544" y="1628800"/>
-            <a:ext cx="8136904" cy="4789824"/>
-          </a:xfrm>
-          <a:prstGeom prst="rect">
-            <a:avLst/>
-          </a:prstGeom>
-        </p:spPr>
-      </p:pic>
       <p:sp>
         <p:nvSpPr>
           <p:cNvPr id="6" name="テキスト ボックス 5"/>
@@ -6545,7 +7068,7 @@
             </a:r>
             <a:r>
               <a:rPr lang="en-US" altLang="ja-JP" dirty="0"/>
-              <a:t>https://qiita.com/fujin/items/7f0a7b6fc8fb662f510d</a:t>
+              <a:t> http://data-science.tokyo/ed/edj1-2-2-2.html</a:t>
             </a:r>
             <a:endParaRPr kumimoji="1" lang="ja-JP" altLang="en-US" dirty="0"/>
           </a:p>

--- a/oouchi/1.2_LogisticRegression/1.2_RogisticRegression.pptx
+++ b/oouchi/1.2_LogisticRegression/1.2_RogisticRegression.pptx
@@ -5,7 +5,7 @@
     <p:sldMasterId id="2147483816" r:id="rId1"/>
   </p:sldMasterIdLst>
   <p:notesMasterIdLst>
-    <p:notesMasterId r:id="rId16"/>
+    <p:notesMasterId r:id="rId17"/>
   </p:notesMasterIdLst>
   <p:sldIdLst>
     <p:sldId id="256" r:id="rId2"/>
@@ -17,11 +17,12 @@
     <p:sldId id="263" r:id="rId8"/>
     <p:sldId id="264" r:id="rId9"/>
     <p:sldId id="265" r:id="rId10"/>
-    <p:sldId id="266" r:id="rId11"/>
-    <p:sldId id="267" r:id="rId12"/>
-    <p:sldId id="268" r:id="rId13"/>
-    <p:sldId id="269" r:id="rId14"/>
-    <p:sldId id="270" r:id="rId15"/>
+    <p:sldId id="276" r:id="rId11"/>
+    <p:sldId id="266" r:id="rId12"/>
+    <p:sldId id="273" r:id="rId13"/>
+    <p:sldId id="274" r:id="rId14"/>
+    <p:sldId id="269" r:id="rId15"/>
+    <p:sldId id="270" r:id="rId16"/>
   </p:sldIdLst>
   <p:sldSz cx="9144000" cy="6858000" type="screen4x3"/>
   <p:notesSz cx="6858000" cy="9144000"/>
@@ -4191,6 +4192,121 @@
       </p:grpSpPr>
       <p:sp>
         <p:nvSpPr>
+          <p:cNvPr id="13" name="矢印: 下 12">
+            <a:extLst>
+              <a:ext uri="{FF2B5EF4-FFF2-40B4-BE49-F238E27FC236}">
+                <a16:creationId xmlns:a16="http://schemas.microsoft.com/office/drawing/2014/main" id="{9F8DF372-FD6A-4454-9965-4888D506A455}"/>
+              </a:ext>
+            </a:extLst>
+          </p:cNvPr>
+          <p:cNvSpPr/>
+          <p:nvPr/>
+        </p:nvSpPr>
+        <p:spPr>
+          <a:xfrm>
+            <a:off x="1957574" y="3573016"/>
+            <a:ext cx="1023491" cy="1928446"/>
+          </a:xfrm>
+          <a:prstGeom prst="downArrow">
+            <a:avLst>
+              <a:gd name="adj1" fmla="val 50000"/>
+              <a:gd name="adj2" fmla="val 25634"/>
+            </a:avLst>
+          </a:prstGeom>
+          <a:solidFill>
+            <a:schemeClr val="bg2">
+              <a:lumMod val="90000"/>
+              <a:alpha val="32000"/>
+            </a:schemeClr>
+          </a:solidFill>
+          <a:ln>
+            <a:solidFill>
+              <a:schemeClr val="bg2">
+                <a:lumMod val="75000"/>
+              </a:schemeClr>
+            </a:solidFill>
+          </a:ln>
+        </p:spPr>
+        <p:style>
+          <a:lnRef idx="2">
+            <a:schemeClr val="dk1"/>
+          </a:lnRef>
+          <a:fillRef idx="1">
+            <a:schemeClr val="lt1"/>
+          </a:fillRef>
+          <a:effectRef idx="0">
+            <a:schemeClr val="dk1"/>
+          </a:effectRef>
+          <a:fontRef idx="minor">
+            <a:schemeClr val="dk1"/>
+          </a:fontRef>
+        </p:style>
+        <p:txBody>
+          <a:bodyPr rtlCol="0" anchor="ctr"/>
+          <a:lstStyle/>
+          <a:p>
+            <a:pPr algn="ctr"/>
+            <a:endParaRPr kumimoji="1" lang="ja-JP" altLang="en-US" dirty="0"/>
+          </a:p>
+        </p:txBody>
+      </p:sp>
+      <p:sp>
+        <p:nvSpPr>
+          <p:cNvPr id="14" name="正方形/長方形 13">
+            <a:extLst>
+              <a:ext uri="{FF2B5EF4-FFF2-40B4-BE49-F238E27FC236}">
+                <a16:creationId xmlns:a16="http://schemas.microsoft.com/office/drawing/2014/main" id="{47AEBBAA-EC3E-4DB7-BA9A-A4D76A2E3E56}"/>
+              </a:ext>
+            </a:extLst>
+          </p:cNvPr>
+          <p:cNvSpPr/>
+          <p:nvPr/>
+        </p:nvSpPr>
+        <p:spPr>
+          <a:xfrm>
+            <a:off x="1043608" y="3887438"/>
+            <a:ext cx="2958449" cy="1269754"/>
+          </a:xfrm>
+          <a:prstGeom prst="rect">
+            <a:avLst/>
+          </a:prstGeom>
+          <a:solidFill>
+            <a:schemeClr val="bg1"/>
+          </a:solidFill>
+          <a:ln>
+            <a:solidFill>
+              <a:schemeClr val="accent6">
+                <a:lumMod val="40000"/>
+                <a:lumOff val="60000"/>
+              </a:schemeClr>
+            </a:solidFill>
+          </a:ln>
+        </p:spPr>
+        <p:style>
+          <a:lnRef idx="2">
+            <a:schemeClr val="dk1"/>
+          </a:lnRef>
+          <a:fillRef idx="1">
+            <a:schemeClr val="lt1"/>
+          </a:fillRef>
+          <a:effectRef idx="0">
+            <a:schemeClr val="dk1"/>
+          </a:effectRef>
+          <a:fontRef idx="minor">
+            <a:schemeClr val="dk1"/>
+          </a:fontRef>
+        </p:style>
+        <p:txBody>
+          <a:bodyPr rtlCol="0" anchor="ctr"/>
+          <a:lstStyle/>
+          <a:p>
+            <a:pPr algn="ctr"/>
+            <a:endParaRPr kumimoji="1" lang="ja-JP" altLang="en-US" dirty="0"/>
+          </a:p>
+        </p:txBody>
+      </p:sp>
+      <p:sp>
+        <p:nvSpPr>
           <p:cNvPr id="2" name="タイトル 1"/>
           <p:cNvSpPr>
             <a:spLocks noGrp="1"/>
@@ -4208,6 +4324,19 @@
               <a:rPr kumimoji="1" lang="ja-JP" altLang="en-US" dirty="0"/>
               <a:t>理論的背景</a:t>
             </a:r>
+            <a:r>
+              <a:rPr kumimoji="1" lang="ja-JP" altLang="en-US" sz="3200" dirty="0"/>
+              <a:t>（</a:t>
+            </a:r>
+            <a:r>
+              <a:rPr kumimoji="1" lang="en-US" altLang="ja-JP" sz="3200" dirty="0"/>
+              <a:t>1. </a:t>
+            </a:r>
+            <a:r>
+              <a:rPr kumimoji="1" lang="ja-JP" altLang="en-US" sz="3200" dirty="0"/>
+              <a:t>考え方）</a:t>
+            </a:r>
+            <a:endParaRPr kumimoji="1" lang="ja-JP" altLang="en-US" dirty="0"/>
           </a:p>
         </p:txBody>
       </p:sp>
@@ -4234,65 +4363,631 @@
           </a:p>
         </p:txBody>
       </p:sp>
+      <p:sp>
+        <p:nvSpPr>
+          <p:cNvPr id="8" name="テキスト ボックス 7">
+            <a:extLst>
+              <a:ext uri="{FF2B5EF4-FFF2-40B4-BE49-F238E27FC236}">
+                <a16:creationId xmlns:a16="http://schemas.microsoft.com/office/drawing/2014/main" id="{9F7FE641-12FB-4C99-B192-41150B6E001B}"/>
+              </a:ext>
+            </a:extLst>
+          </p:cNvPr>
+          <p:cNvSpPr txBox="1"/>
+          <p:nvPr/>
+        </p:nvSpPr>
+        <p:spPr>
+          <a:xfrm>
+            <a:off x="402305" y="1636581"/>
+            <a:ext cx="8339390" cy="1144347"/>
+          </a:xfrm>
+          <a:prstGeom prst="rect">
+            <a:avLst/>
+          </a:prstGeom>
+          <a:noFill/>
+        </p:spPr>
+        <p:txBody>
+          <a:bodyPr wrap="square" lIns="36000" tIns="0" rIns="36000" bIns="36000" rtlCol="0">
+            <a:spAutoFit/>
+          </a:bodyPr>
+          <a:lstStyle/>
+          <a:p>
+            <a:pPr marL="342900" indent="-342900">
+              <a:buFont typeface="Arial" panose="020B0604020202020204" pitchFamily="34" charset="0"/>
+              <a:buChar char="•"/>
+            </a:pPr>
+            <a:r>
+              <a:rPr lang="ja-JP" altLang="en-US" sz="2400" dirty="0"/>
+              <a:t>目的変数の予測値</a:t>
+            </a:r>
+            <a:r>
+              <a:rPr lang="en-US" altLang="ja-JP" sz="2400" dirty="0"/>
+              <a:t>Y</a:t>
+            </a:r>
+            <a:r>
+              <a:rPr lang="ja-JP" altLang="en-US" sz="2400" dirty="0"/>
+              <a:t>を表す回帰式（仮定関数 </a:t>
+            </a:r>
+            <a:r>
+              <a:rPr lang="en-US" altLang="ja-JP" sz="2400" dirty="0" err="1"/>
+              <a:t>h</a:t>
+            </a:r>
+            <a:r>
+              <a:rPr lang="en-US" altLang="ja-JP" sz="2000" baseline="-25000" dirty="0" err="1"/>
+              <a:t>θ</a:t>
+            </a:r>
+            <a:r>
+              <a:rPr lang="ja-JP" altLang="en-US" sz="2400" dirty="0"/>
+              <a:t>（</a:t>
+            </a:r>
+            <a:r>
+              <a:rPr lang="en-US" altLang="ja-JP" sz="2400" dirty="0"/>
+              <a:t>x</a:t>
+            </a:r>
+            <a:r>
+              <a:rPr lang="ja-JP" altLang="en-US" sz="2400" dirty="0"/>
+              <a:t>））にシグモイド関数を通すことで、予測値を二値（１－０）として扱うことが可能になる。</a:t>
+            </a:r>
+            <a:endParaRPr lang="en-US" altLang="ja-JP" sz="2400" dirty="0"/>
+          </a:p>
+        </p:txBody>
+      </p:sp>
+      <p:sp>
+        <p:nvSpPr>
+          <p:cNvPr id="9" name="正方形/長方形 8">
+            <a:extLst>
+              <a:ext uri="{FF2B5EF4-FFF2-40B4-BE49-F238E27FC236}">
+                <a16:creationId xmlns:a16="http://schemas.microsoft.com/office/drawing/2014/main" id="{B265CA84-5637-4620-B98D-B02C4CDFC1FB}"/>
+              </a:ext>
+            </a:extLst>
+          </p:cNvPr>
+          <p:cNvSpPr/>
+          <p:nvPr/>
+        </p:nvSpPr>
+        <p:spPr>
+          <a:xfrm>
+            <a:off x="4445559" y="6536377"/>
+            <a:ext cx="4590937" cy="276999"/>
+          </a:xfrm>
+          <a:prstGeom prst="rect">
+            <a:avLst/>
+          </a:prstGeom>
+        </p:spPr>
+        <p:txBody>
+          <a:bodyPr wrap="none">
+            <a:spAutoFit/>
+          </a:bodyPr>
+          <a:lstStyle/>
+          <a:p>
+            <a:r>
+              <a:rPr lang="en-US" altLang="ja-JP" sz="1200" dirty="0"/>
+              <a:t>【</a:t>
+            </a:r>
+            <a:r>
+              <a:rPr lang="ja-JP" altLang="en-US" sz="1200" dirty="0"/>
+              <a:t>引用元</a:t>
+            </a:r>
+            <a:r>
+              <a:rPr lang="en-US" altLang="ja-JP" sz="1200" dirty="0"/>
+              <a:t>】</a:t>
+            </a:r>
+            <a:r>
+              <a:rPr lang="ja-JP" altLang="en-US" sz="1200" dirty="0"/>
+              <a:t>https://qiita.com/katsu1110/items/e4ef613559f02f183af5</a:t>
+            </a:r>
+          </a:p>
+        </p:txBody>
+      </p:sp>
       <p:pic>
         <p:nvPicPr>
-          <p:cNvPr id="4" name="図 3"/>
-          <p:cNvPicPr/>
+          <p:cNvPr id="4" name="図 3">
+            <a:extLst>
+              <a:ext uri="{FF2B5EF4-FFF2-40B4-BE49-F238E27FC236}">
+                <a16:creationId xmlns:a16="http://schemas.microsoft.com/office/drawing/2014/main" id="{0AFFD4E0-D963-4498-9554-263D467876C5}"/>
+              </a:ext>
+            </a:extLst>
+          </p:cNvPr>
+          <p:cNvPicPr>
+            <a:picLocks noChangeAspect="1"/>
+          </p:cNvPicPr>
           <p:nvPr/>
         </p:nvPicPr>
-        <p:blipFill rotWithShape="1">
+        <p:blipFill>
           <a:blip r:embed="rId2"/>
-          <a:srcRect t="55238" b="1369"/>
-          <a:stretch/>
+          <a:stretch>
+            <a:fillRect/>
+          </a:stretch>
         </p:blipFill>
         <p:spPr>
           <a:xfrm>
-            <a:off x="539552" y="1772816"/>
-            <a:ext cx="8136904" cy="4468484"/>
+            <a:off x="779792" y="3056198"/>
+            <a:ext cx="3940778" cy="353816"/>
           </a:xfrm>
           <a:prstGeom prst="rect">
             <a:avLst/>
           </a:prstGeom>
         </p:spPr>
       </p:pic>
-      <p:sp>
-        <p:nvSpPr>
-          <p:cNvPr id="5" name="テキスト ボックス 4"/>
-          <p:cNvSpPr txBox="1"/>
+      <p:pic>
+        <p:nvPicPr>
+          <p:cNvPr id="5" name="図 4">
+            <a:extLst>
+              <a:ext uri="{FF2B5EF4-FFF2-40B4-BE49-F238E27FC236}">
+                <a16:creationId xmlns:a16="http://schemas.microsoft.com/office/drawing/2014/main" id="{B0DA8145-4871-404C-B8BD-38530D790B74}"/>
+              </a:ext>
+            </a:extLst>
+          </p:cNvPr>
+          <p:cNvPicPr>
+            <a:picLocks noChangeAspect="1"/>
+          </p:cNvPicPr>
           <p:nvPr/>
-        </p:nvSpPr>
+        </p:nvPicPr>
+        <p:blipFill>
+          <a:blip r:embed="rId3"/>
+          <a:stretch>
+            <a:fillRect/>
+          </a:stretch>
+        </p:blipFill>
         <p:spPr>
           <a:xfrm>
-            <a:off x="467544" y="1259468"/>
-            <a:ext cx="6048672" cy="369332"/>
+            <a:off x="1240472" y="3951665"/>
+            <a:ext cx="1186667" cy="1201688"/>
           </a:xfrm>
           <a:prstGeom prst="rect">
             <a:avLst/>
           </a:prstGeom>
-          <a:noFill/>
         </p:spPr>
-        <p:txBody>
-          <a:bodyPr wrap="square" rtlCol="0">
+      </p:pic>
+      <p:pic>
+        <p:nvPicPr>
+          <p:cNvPr id="10" name="図 9">
+            <a:extLst>
+              <a:ext uri="{FF2B5EF4-FFF2-40B4-BE49-F238E27FC236}">
+                <a16:creationId xmlns:a16="http://schemas.microsoft.com/office/drawing/2014/main" id="{56DE3DF5-3E69-4519-9426-6B3E5B492F3E}"/>
+              </a:ext>
+            </a:extLst>
+          </p:cNvPr>
+          <p:cNvPicPr>
+            <a:picLocks noChangeAspect="1"/>
+          </p:cNvPicPr>
+          <p:nvPr/>
+        </p:nvPicPr>
+        <p:blipFill>
+          <a:blip r:embed="rId4"/>
+          <a:stretch>
+            <a:fillRect/>
+          </a:stretch>
+        </p:blipFill>
+        <p:spPr>
+          <a:xfrm>
+            <a:off x="754086" y="5524982"/>
+            <a:ext cx="2304256" cy="841674"/>
+          </a:xfrm>
+          <a:prstGeom prst="rect">
+            <a:avLst/>
+          </a:prstGeom>
+        </p:spPr>
+      </p:pic>
+      <p:pic>
+        <p:nvPicPr>
+          <p:cNvPr id="11" name="図 10">
+            <a:extLst>
+              <a:ext uri="{FF2B5EF4-FFF2-40B4-BE49-F238E27FC236}">
+                <a16:creationId xmlns:a16="http://schemas.microsoft.com/office/drawing/2014/main" id="{67DF6CFB-92C4-499E-AB4D-6CBD0FA37F29}"/>
+              </a:ext>
+            </a:extLst>
+          </p:cNvPr>
+          <p:cNvPicPr>
+            <a:picLocks noChangeAspect="1"/>
+          </p:cNvPicPr>
+          <p:nvPr/>
+        </p:nvPicPr>
+        <p:blipFill>
+          <a:blip r:embed="rId5"/>
+          <a:stretch>
+            <a:fillRect/>
+          </a:stretch>
+        </p:blipFill>
+        <p:spPr>
+          <a:xfrm>
+            <a:off x="3205816" y="5718055"/>
+            <a:ext cx="1962150" cy="581025"/>
+          </a:xfrm>
+          <a:prstGeom prst="rect">
+            <a:avLst/>
+          </a:prstGeom>
+        </p:spPr>
+      </p:pic>
+      <p:pic>
+        <p:nvPicPr>
+          <p:cNvPr id="12" name="図 11">
+            <a:extLst>
+              <a:ext uri="{FF2B5EF4-FFF2-40B4-BE49-F238E27FC236}">
+                <a16:creationId xmlns:a16="http://schemas.microsoft.com/office/drawing/2014/main" id="{05142E8E-34D8-4AC0-B79D-8D6D4820D255}"/>
+              </a:ext>
+            </a:extLst>
+          </p:cNvPr>
+          <p:cNvPicPr>
+            <a:picLocks noChangeAspect="1"/>
+          </p:cNvPicPr>
+          <p:nvPr/>
+        </p:nvPicPr>
+        <p:blipFill>
+          <a:blip r:embed="rId6"/>
+          <a:stretch>
+            <a:fillRect/>
+          </a:stretch>
+        </p:blipFill>
+        <p:spPr>
+          <a:xfrm>
+            <a:off x="2558116" y="4291437"/>
+            <a:ext cx="1295400" cy="533400"/>
+          </a:xfrm>
+          <a:prstGeom prst="rect">
+            <a:avLst/>
+          </a:prstGeom>
+        </p:spPr>
+      </p:pic>
+      <p:sp>
+        <p:nvSpPr>
+          <p:cNvPr id="15" name="テキスト ボックス 14">
+            <a:extLst>
+              <a:ext uri="{FF2B5EF4-FFF2-40B4-BE49-F238E27FC236}">
+                <a16:creationId xmlns:a16="http://schemas.microsoft.com/office/drawing/2014/main" id="{6BCE4080-EBD1-4F9F-BC2A-D5B6CA98729E}"/>
+              </a:ext>
+            </a:extLst>
+          </p:cNvPr>
+          <p:cNvSpPr txBox="1"/>
+          <p:nvPr/>
+        </p:nvSpPr>
+        <p:spPr>
+          <a:xfrm>
+            <a:off x="2667310" y="3781746"/>
+            <a:ext cx="1198011" cy="251795"/>
+          </a:xfrm>
+          <a:prstGeom prst="rect">
+            <a:avLst/>
+          </a:prstGeom>
+          <a:solidFill>
+            <a:schemeClr val="tx2">
+              <a:lumMod val="20000"/>
+              <a:lumOff val="80000"/>
+            </a:schemeClr>
+          </a:solidFill>
+        </p:spPr>
+        <p:txBody>
+          <a:bodyPr wrap="none" lIns="36000" tIns="0" rIns="36000" bIns="36000" rtlCol="0">
             <a:spAutoFit/>
           </a:bodyPr>
           <a:lstStyle/>
           <a:p>
-            <a:r>
-              <a:rPr lang="ja-JP" altLang="en-US" dirty="0"/>
-              <a:t>引用元：</a:t>
-            </a:r>
-            <a:r>
-              <a:rPr lang="en-US" altLang="ja-JP" dirty="0"/>
-              <a:t>https://qiita.com/fujin/items/7f0a7b6fc8fb662f510d</a:t>
-            </a:r>
+            <a:pPr algn="ctr"/>
+            <a:r>
+              <a:rPr lang="ja-JP" altLang="en-US" sz="1400" dirty="0">
+                <a:solidFill>
+                  <a:schemeClr val="accent6">
+                    <a:lumMod val="75000"/>
+                  </a:schemeClr>
+                </a:solidFill>
+              </a:rPr>
+              <a:t>シグモイド関数</a:t>
+            </a:r>
+            <a:endParaRPr lang="en-US" altLang="ja-JP" sz="1400" dirty="0">
+              <a:solidFill>
+                <a:schemeClr val="accent6">
+                  <a:lumMod val="75000"/>
+                </a:schemeClr>
+              </a:solidFill>
+            </a:endParaRPr>
+          </a:p>
+        </p:txBody>
+      </p:sp>
+      <p:pic>
+        <p:nvPicPr>
+          <p:cNvPr id="16" name="図 15">
+            <a:extLst>
+              <a:ext uri="{FF2B5EF4-FFF2-40B4-BE49-F238E27FC236}">
+                <a16:creationId xmlns:a16="http://schemas.microsoft.com/office/drawing/2014/main" id="{2BB39E6D-1E99-496C-893B-9CE9009AE9C2}"/>
+              </a:ext>
+            </a:extLst>
+          </p:cNvPr>
+          <p:cNvPicPr>
+            <a:picLocks noChangeAspect="1"/>
+          </p:cNvPicPr>
+          <p:nvPr/>
+        </p:nvPicPr>
+        <p:blipFill>
+          <a:blip r:embed="rId7"/>
+          <a:stretch>
+            <a:fillRect/>
+          </a:stretch>
+        </p:blipFill>
+        <p:spPr>
+          <a:xfrm>
+            <a:off x="5705754" y="2893509"/>
+            <a:ext cx="1509045" cy="1183564"/>
+          </a:xfrm>
+          <a:prstGeom prst="rect">
+            <a:avLst/>
+          </a:prstGeom>
+        </p:spPr>
+      </p:pic>
+      <p:pic>
+        <p:nvPicPr>
+          <p:cNvPr id="17" name="図 16">
+            <a:extLst>
+              <a:ext uri="{FF2B5EF4-FFF2-40B4-BE49-F238E27FC236}">
+                <a16:creationId xmlns:a16="http://schemas.microsoft.com/office/drawing/2014/main" id="{C6EF9002-7588-4386-BB3D-8B6E412551F5}"/>
+              </a:ext>
+            </a:extLst>
+          </p:cNvPr>
+          <p:cNvPicPr>
+            <a:picLocks noChangeAspect="1"/>
+          </p:cNvPicPr>
+          <p:nvPr/>
+        </p:nvPicPr>
+        <p:blipFill>
+          <a:blip r:embed="rId8"/>
+          <a:stretch>
+            <a:fillRect/>
+          </a:stretch>
+        </p:blipFill>
+        <p:spPr>
+          <a:xfrm>
+            <a:off x="5626383" y="5029326"/>
+            <a:ext cx="1661420" cy="1269754"/>
+          </a:xfrm>
+          <a:prstGeom prst="rect">
+            <a:avLst/>
+          </a:prstGeom>
+        </p:spPr>
+      </p:pic>
+      <p:sp>
+        <p:nvSpPr>
+          <p:cNvPr id="18" name="矢印: 下 17">
+            <a:extLst>
+              <a:ext uri="{FF2B5EF4-FFF2-40B4-BE49-F238E27FC236}">
+                <a16:creationId xmlns:a16="http://schemas.microsoft.com/office/drawing/2014/main" id="{924B5767-E993-45EA-A9CB-117898CAFE3F}"/>
+              </a:ext>
+            </a:extLst>
+          </p:cNvPr>
+          <p:cNvSpPr/>
+          <p:nvPr/>
+        </p:nvSpPr>
+        <p:spPr>
+          <a:xfrm>
+            <a:off x="6084145" y="4122195"/>
+            <a:ext cx="745896" cy="862009"/>
+          </a:xfrm>
+          <a:prstGeom prst="downArrow">
+            <a:avLst>
+              <a:gd name="adj1" fmla="val 50000"/>
+              <a:gd name="adj2" fmla="val 25634"/>
+            </a:avLst>
+          </a:prstGeom>
+          <a:solidFill>
+            <a:schemeClr val="bg2">
+              <a:lumMod val="90000"/>
+              <a:alpha val="32000"/>
+            </a:schemeClr>
+          </a:solidFill>
+          <a:ln>
+            <a:solidFill>
+              <a:schemeClr val="bg2">
+                <a:lumMod val="75000"/>
+              </a:schemeClr>
+            </a:solidFill>
+          </a:ln>
+        </p:spPr>
+        <p:style>
+          <a:lnRef idx="2">
+            <a:schemeClr val="dk1"/>
+          </a:lnRef>
+          <a:fillRef idx="1">
+            <a:schemeClr val="lt1"/>
+          </a:fillRef>
+          <a:effectRef idx="0">
+            <a:schemeClr val="dk1"/>
+          </a:effectRef>
+          <a:fontRef idx="minor">
+            <a:schemeClr val="dk1"/>
+          </a:fontRef>
+        </p:style>
+        <p:txBody>
+          <a:bodyPr rtlCol="0" anchor="ctr"/>
+          <a:lstStyle/>
+          <a:p>
+            <a:pPr algn="ctr"/>
             <a:endParaRPr kumimoji="1" lang="ja-JP" altLang="en-US" dirty="0"/>
+          </a:p>
+        </p:txBody>
+      </p:sp>
+      <p:cxnSp>
+        <p:nvCxnSpPr>
+          <p:cNvPr id="20" name="直線コネクタ 19">
+            <a:extLst>
+              <a:ext uri="{FF2B5EF4-FFF2-40B4-BE49-F238E27FC236}">
+                <a16:creationId xmlns:a16="http://schemas.microsoft.com/office/drawing/2014/main" id="{AA04CB92-C0DF-4BF7-BDF9-02E2F4C78845}"/>
+              </a:ext>
+            </a:extLst>
+          </p:cNvPr>
+          <p:cNvCxnSpPr/>
+          <p:nvPr/>
+        </p:nvCxnSpPr>
+        <p:spPr>
+          <a:xfrm>
+            <a:off x="5292080" y="5664203"/>
+            <a:ext cx="2520280" cy="0"/>
+          </a:xfrm>
+          <a:prstGeom prst="line">
+            <a:avLst/>
+          </a:prstGeom>
+          <a:ln w="44450">
+            <a:headEnd type="none" w="med" len="med"/>
+            <a:tailEnd type="none" w="med" len="med"/>
+          </a:ln>
+        </p:spPr>
+        <p:style>
+          <a:lnRef idx="1">
+            <a:schemeClr val="accent1"/>
+          </a:lnRef>
+          <a:fillRef idx="0">
+            <a:schemeClr val="accent1"/>
+          </a:fillRef>
+          <a:effectRef idx="0">
+            <a:schemeClr val="accent1"/>
+          </a:effectRef>
+          <a:fontRef idx="minor">
+            <a:schemeClr val="tx1"/>
+          </a:fontRef>
+        </p:style>
+      </p:cxnSp>
+      <p:sp>
+        <p:nvSpPr>
+          <p:cNvPr id="21" name="テキスト ボックス 20">
+            <a:extLst>
+              <a:ext uri="{FF2B5EF4-FFF2-40B4-BE49-F238E27FC236}">
+                <a16:creationId xmlns:a16="http://schemas.microsoft.com/office/drawing/2014/main" id="{F052F03F-2B89-41CB-AB14-F112E2834B3A}"/>
+              </a:ext>
+            </a:extLst>
+          </p:cNvPr>
+          <p:cNvSpPr txBox="1"/>
+          <p:nvPr/>
+        </p:nvSpPr>
+        <p:spPr>
+          <a:xfrm>
+            <a:off x="7380312" y="5173104"/>
+            <a:ext cx="247431" cy="344128"/>
+          </a:xfrm>
+          <a:prstGeom prst="rect">
+            <a:avLst/>
+          </a:prstGeom>
+          <a:solidFill>
+            <a:schemeClr val="tx2">
+              <a:lumMod val="20000"/>
+              <a:lumOff val="80000"/>
+            </a:schemeClr>
+          </a:solidFill>
+        </p:spPr>
+        <p:txBody>
+          <a:bodyPr wrap="none" lIns="36000" tIns="0" rIns="36000" bIns="36000" rtlCol="0">
+            <a:spAutoFit/>
+          </a:bodyPr>
+          <a:lstStyle/>
+          <a:p>
+            <a:r>
+              <a:rPr lang="ja-JP" altLang="en-US" sz="2000" dirty="0">
+                <a:solidFill>
+                  <a:srgbClr val="FF0000"/>
+                </a:solidFill>
+              </a:rPr>
+              <a:t>１</a:t>
+            </a:r>
+            <a:endParaRPr lang="en-US" altLang="ja-JP" sz="2000" dirty="0">
+              <a:solidFill>
+                <a:srgbClr val="FF0000"/>
+              </a:solidFill>
+            </a:endParaRPr>
+          </a:p>
+        </p:txBody>
+      </p:sp>
+      <p:sp>
+        <p:nvSpPr>
+          <p:cNvPr id="22" name="テキスト ボックス 21">
+            <a:extLst>
+              <a:ext uri="{FF2B5EF4-FFF2-40B4-BE49-F238E27FC236}">
+                <a16:creationId xmlns:a16="http://schemas.microsoft.com/office/drawing/2014/main" id="{13F8CF26-6910-4FB4-89CE-FDDE5894DB9C}"/>
+              </a:ext>
+            </a:extLst>
+          </p:cNvPr>
+          <p:cNvSpPr txBox="1"/>
+          <p:nvPr/>
+        </p:nvSpPr>
+        <p:spPr>
+          <a:xfrm>
+            <a:off x="7380312" y="5821176"/>
+            <a:ext cx="215371" cy="344128"/>
+          </a:xfrm>
+          <a:prstGeom prst="rect">
+            <a:avLst/>
+          </a:prstGeom>
+          <a:solidFill>
+            <a:schemeClr val="accent5">
+              <a:lumMod val="20000"/>
+              <a:lumOff val="80000"/>
+            </a:schemeClr>
+          </a:solidFill>
+        </p:spPr>
+        <p:txBody>
+          <a:bodyPr wrap="none" lIns="36000" tIns="0" rIns="36000" bIns="36000" rtlCol="0">
+            <a:spAutoFit/>
+          </a:bodyPr>
+          <a:lstStyle/>
+          <a:p>
+            <a:r>
+              <a:rPr lang="en-US" altLang="ja-JP" sz="2000" dirty="0">
+                <a:solidFill>
+                  <a:srgbClr val="0070C0"/>
+                </a:solidFill>
+              </a:rPr>
+              <a:t>0</a:t>
+            </a:r>
+          </a:p>
+        </p:txBody>
+      </p:sp>
+      <p:sp>
+        <p:nvSpPr>
+          <p:cNvPr id="23" name="吹き出し: 角を丸めた四角形 22">
+            <a:extLst>
+              <a:ext uri="{FF2B5EF4-FFF2-40B4-BE49-F238E27FC236}">
+                <a16:creationId xmlns:a16="http://schemas.microsoft.com/office/drawing/2014/main" id="{87837BF1-57B8-4B56-B8BE-09F52C27E8DA}"/>
+              </a:ext>
+            </a:extLst>
+          </p:cNvPr>
+          <p:cNvSpPr/>
+          <p:nvPr/>
+        </p:nvSpPr>
+        <p:spPr>
+          <a:xfrm>
+            <a:off x="7727148" y="4193660"/>
+            <a:ext cx="1285028" cy="802716"/>
+          </a:xfrm>
+          <a:prstGeom prst="wedgeRoundRectCallout">
+            <a:avLst>
+              <a:gd name="adj1" fmla="val -76788"/>
+              <a:gd name="adj2" fmla="val 39615"/>
+              <a:gd name="adj3" fmla="val 16667"/>
+            </a:avLst>
+          </a:prstGeom>
+        </p:spPr>
+        <p:style>
+          <a:lnRef idx="2">
+            <a:schemeClr val="dk1"/>
+          </a:lnRef>
+          <a:fillRef idx="1">
+            <a:schemeClr val="lt1"/>
+          </a:fillRef>
+          <a:effectRef idx="0">
+            <a:schemeClr val="dk1"/>
+          </a:effectRef>
+          <a:fontRef idx="minor">
+            <a:schemeClr val="dk1"/>
+          </a:fontRef>
+        </p:style>
+        <p:txBody>
+          <a:bodyPr rtlCol="0" anchor="t" anchorCtr="0"/>
+          <a:lstStyle/>
+          <a:p>
+            <a:r>
+              <a:rPr kumimoji="1" lang="ja-JP" altLang="en-US" dirty="0"/>
+              <a:t>二値扱いが可能</a:t>
+            </a:r>
           </a:p>
         </p:txBody>
       </p:sp>
     </p:spTree>
     <p:extLst>
       <p:ext uri="{BB962C8B-B14F-4D97-AF65-F5344CB8AC3E}">
-        <p14:creationId xmlns:p14="http://schemas.microsoft.com/office/powerpoint/2010/main" val="2289114839"/>
+        <p14:creationId xmlns:p14="http://schemas.microsoft.com/office/powerpoint/2010/main" val="1132047719"/>
       </p:ext>
     </p:extLst>
   </p:cSld>
@@ -4321,6 +5016,63 @@
       </p:grpSpPr>
       <p:sp>
         <p:nvSpPr>
+          <p:cNvPr id="14" name="矢印: 下 13">
+            <a:extLst>
+              <a:ext uri="{FF2B5EF4-FFF2-40B4-BE49-F238E27FC236}">
+                <a16:creationId xmlns:a16="http://schemas.microsoft.com/office/drawing/2014/main" id="{0F90BB75-E1D9-4486-AC49-0108A1BA6EA9}"/>
+              </a:ext>
+            </a:extLst>
+          </p:cNvPr>
+          <p:cNvSpPr/>
+          <p:nvPr/>
+        </p:nvSpPr>
+        <p:spPr>
+          <a:xfrm>
+            <a:off x="1403648" y="4054062"/>
+            <a:ext cx="1512168" cy="1031121"/>
+          </a:xfrm>
+          <a:prstGeom prst="downArrow">
+            <a:avLst/>
+          </a:prstGeom>
+          <a:solidFill>
+            <a:schemeClr val="bg2">
+              <a:lumMod val="90000"/>
+              <a:alpha val="32000"/>
+            </a:schemeClr>
+          </a:solidFill>
+          <a:ln>
+            <a:solidFill>
+              <a:schemeClr val="bg2">
+                <a:lumMod val="75000"/>
+              </a:schemeClr>
+            </a:solidFill>
+          </a:ln>
+        </p:spPr>
+        <p:style>
+          <a:lnRef idx="2">
+            <a:schemeClr val="dk1"/>
+          </a:lnRef>
+          <a:fillRef idx="1">
+            <a:schemeClr val="lt1"/>
+          </a:fillRef>
+          <a:effectRef idx="0">
+            <a:schemeClr val="dk1"/>
+          </a:effectRef>
+          <a:fontRef idx="minor">
+            <a:schemeClr val="dk1"/>
+          </a:fontRef>
+        </p:style>
+        <p:txBody>
+          <a:bodyPr rtlCol="0" anchor="ctr"/>
+          <a:lstStyle/>
+          <a:p>
+            <a:pPr algn="ctr"/>
+            <a:endParaRPr kumimoji="1" lang="ja-JP" altLang="en-US" dirty="0"/>
+          </a:p>
+        </p:txBody>
+      </p:sp>
+      <p:sp>
+        <p:nvSpPr>
           <p:cNvPr id="2" name="タイトル 1"/>
           <p:cNvSpPr>
             <a:spLocks noGrp="1"/>
@@ -4338,6 +5090,27 @@
               <a:rPr kumimoji="1" lang="ja-JP" altLang="en-US" dirty="0"/>
               <a:t>理論的背景</a:t>
             </a:r>
+            <a:r>
+              <a:rPr kumimoji="1" lang="ja-JP" altLang="en-US" sz="3200" dirty="0"/>
+              <a:t>（</a:t>
+            </a:r>
+            <a:r>
+              <a:rPr lang="en-US" altLang="ja-JP" sz="3200" dirty="0"/>
+              <a:t>2</a:t>
+            </a:r>
+            <a:r>
+              <a:rPr kumimoji="1" lang="en-US" altLang="ja-JP" sz="3200" dirty="0"/>
+              <a:t>. </a:t>
+            </a:r>
+            <a:r>
+              <a:rPr lang="ja-JP" altLang="en-US" sz="3200" dirty="0"/>
+              <a:t>目的関数</a:t>
+            </a:r>
+            <a:r>
+              <a:rPr kumimoji="1" lang="ja-JP" altLang="en-US" sz="3200" dirty="0"/>
+              <a:t>）</a:t>
+            </a:r>
+            <a:endParaRPr kumimoji="1" lang="ja-JP" altLang="en-US" dirty="0"/>
           </a:p>
         </p:txBody>
       </p:sp>
@@ -4364,37 +5137,128 @@
           </a:p>
         </p:txBody>
       </p:sp>
+      <p:sp>
+        <p:nvSpPr>
+          <p:cNvPr id="8" name="正方形/長方形 7">
+            <a:extLst>
+              <a:ext uri="{FF2B5EF4-FFF2-40B4-BE49-F238E27FC236}">
+                <a16:creationId xmlns:a16="http://schemas.microsoft.com/office/drawing/2014/main" id="{B3C0AEF3-0957-47A0-AA7F-6EF9F431B35D}"/>
+              </a:ext>
+            </a:extLst>
+          </p:cNvPr>
+          <p:cNvSpPr/>
+          <p:nvPr/>
+        </p:nvSpPr>
+        <p:spPr>
+          <a:xfrm>
+            <a:off x="4445559" y="6536377"/>
+            <a:ext cx="4590937" cy="276999"/>
+          </a:xfrm>
+          <a:prstGeom prst="rect">
+            <a:avLst/>
+          </a:prstGeom>
+        </p:spPr>
+        <p:txBody>
+          <a:bodyPr wrap="none">
+            <a:spAutoFit/>
+          </a:bodyPr>
+          <a:lstStyle/>
+          <a:p>
+            <a:r>
+              <a:rPr lang="en-US" altLang="ja-JP" sz="1200" dirty="0"/>
+              <a:t>【</a:t>
+            </a:r>
+            <a:r>
+              <a:rPr lang="ja-JP" altLang="en-US" sz="1200" dirty="0"/>
+              <a:t>引用元</a:t>
+            </a:r>
+            <a:r>
+              <a:rPr lang="en-US" altLang="ja-JP" sz="1200" dirty="0"/>
+              <a:t>】</a:t>
+            </a:r>
+            <a:r>
+              <a:rPr lang="ja-JP" altLang="en-US" sz="1200" dirty="0"/>
+              <a:t>https://qiita.com/katsu1110/items/e4ef613559f02f183af5</a:t>
+            </a:r>
+          </a:p>
+        </p:txBody>
+      </p:sp>
       <p:pic>
         <p:nvPicPr>
-          <p:cNvPr id="4" name="図 3"/>
-          <p:cNvPicPr/>
+          <p:cNvPr id="10" name="図 9">
+            <a:extLst>
+              <a:ext uri="{FF2B5EF4-FFF2-40B4-BE49-F238E27FC236}">
+                <a16:creationId xmlns:a16="http://schemas.microsoft.com/office/drawing/2014/main" id="{9EFF999A-0DA4-45E3-B233-B7609A349211}"/>
+              </a:ext>
+            </a:extLst>
+          </p:cNvPr>
+          <p:cNvPicPr>
+            <a:picLocks noChangeAspect="1"/>
+          </p:cNvPicPr>
           <p:nvPr/>
         </p:nvPicPr>
-        <p:blipFill rotWithShape="1">
+        <p:blipFill>
           <a:blip r:embed="rId2"/>
-          <a:srcRect t="41801"/>
-          <a:stretch/>
+          <a:stretch>
+            <a:fillRect/>
+          </a:stretch>
         </p:blipFill>
         <p:spPr>
           <a:xfrm>
-            <a:off x="296217" y="1550485"/>
-            <a:ext cx="8596263" cy="4337582"/>
+            <a:off x="618451" y="5212806"/>
+            <a:ext cx="6200215" cy="730919"/>
           </a:xfrm>
           <a:prstGeom prst="rect">
             <a:avLst/>
           </a:prstGeom>
         </p:spPr>
       </p:pic>
-      <p:sp>
-        <p:nvSpPr>
-          <p:cNvPr id="5" name="テキスト ボックス 4"/>
+      <p:pic>
+        <p:nvPicPr>
+          <p:cNvPr id="11" name="図 10">
+            <a:extLst>
+              <a:ext uri="{FF2B5EF4-FFF2-40B4-BE49-F238E27FC236}">
+                <a16:creationId xmlns:a16="http://schemas.microsoft.com/office/drawing/2014/main" id="{1198E00D-75C8-4626-81B3-CEC47C8028D8}"/>
+              </a:ext>
+            </a:extLst>
+          </p:cNvPr>
+          <p:cNvPicPr>
+            <a:picLocks noChangeAspect="1"/>
+          </p:cNvPicPr>
+          <p:nvPr/>
+        </p:nvPicPr>
+        <p:blipFill>
+          <a:blip r:embed="rId3"/>
+          <a:stretch>
+            <a:fillRect/>
+          </a:stretch>
+        </p:blipFill>
+        <p:spPr>
+          <a:xfrm>
+            <a:off x="624279" y="3162300"/>
+            <a:ext cx="3406605" cy="730919"/>
+          </a:xfrm>
+          <a:prstGeom prst="rect">
+            <a:avLst/>
+          </a:prstGeom>
+        </p:spPr>
+      </p:pic>
+      <p:sp>
+        <p:nvSpPr>
+          <p:cNvPr id="12" name="テキスト ボックス 11">
+            <a:extLst>
+              <a:ext uri="{FF2B5EF4-FFF2-40B4-BE49-F238E27FC236}">
+                <a16:creationId xmlns:a16="http://schemas.microsoft.com/office/drawing/2014/main" id="{9259EB41-4769-44B6-9F6D-D4516E9885B4}"/>
+              </a:ext>
+            </a:extLst>
+          </p:cNvPr>
           <p:cNvSpPr txBox="1"/>
           <p:nvPr/>
         </p:nvSpPr>
         <p:spPr>
           <a:xfrm>
-            <a:off x="467544" y="1259468"/>
-            <a:ext cx="6048672" cy="369332"/>
+            <a:off x="402305" y="1699240"/>
+            <a:ext cx="8339390" cy="1144347"/>
           </a:xfrm>
           <a:prstGeom prst="rect">
             <a:avLst/>
@@ -4402,27 +5266,164 @@
           <a:noFill/>
         </p:spPr>
         <p:txBody>
-          <a:bodyPr wrap="square" rtlCol="0">
+          <a:bodyPr wrap="square" lIns="36000" tIns="0" rIns="36000" bIns="36000" rtlCol="0">
             <a:spAutoFit/>
           </a:bodyPr>
           <a:lstStyle/>
           <a:p>
+            <a:pPr marL="342900" indent="-342900">
+              <a:buFont typeface="Arial" panose="020B0604020202020204" pitchFamily="34" charset="0"/>
+              <a:buChar char="•"/>
+            </a:pPr>
+            <a:r>
+              <a:rPr lang="ja-JP" altLang="en-US" sz="2400" dirty="0"/>
+              <a:t>目的関数 </a:t>
+            </a:r>
+            <a:r>
+              <a:rPr lang="en-US" altLang="ja-JP" sz="2400" dirty="0"/>
+              <a:t>J(θ)</a:t>
+            </a:r>
+            <a:r>
+              <a:rPr lang="ja-JP" altLang="en-US" sz="2400" dirty="0"/>
+              <a:t> とは、仮定関数 </a:t>
+            </a:r>
+            <a:r>
+              <a:rPr lang="en-US" altLang="ja-JP" sz="2400" dirty="0" err="1"/>
+              <a:t>h</a:t>
+            </a:r>
+            <a:r>
+              <a:rPr lang="en-US" altLang="ja-JP" sz="2000" baseline="-25000" dirty="0" err="1"/>
+              <a:t>θ</a:t>
+            </a:r>
+            <a:r>
+              <a:rPr lang="ja-JP" altLang="en-US" sz="2400" dirty="0"/>
+              <a:t>（</a:t>
+            </a:r>
+            <a:r>
+              <a:rPr lang="en-US" altLang="ja-JP" sz="2400" dirty="0"/>
+              <a:t>x</a:t>
+            </a:r>
+            <a:r>
+              <a:rPr lang="ja-JP" altLang="en-US" sz="2400" dirty="0"/>
+              <a:t>）と実際のデータ</a:t>
+            </a:r>
+            <a:r>
+              <a:rPr lang="en-US" altLang="ja-JP" sz="2400" dirty="0"/>
+              <a:t>Y</a:t>
+            </a:r>
+            <a:r>
+              <a:rPr lang="ja-JP" altLang="en-US" sz="2400" dirty="0"/>
+              <a:t>との差を関数で示したもの。</a:t>
+            </a:r>
+            <a:endParaRPr lang="en-US" altLang="ja-JP" sz="2400" dirty="0"/>
+          </a:p>
+          <a:p>
+            <a:pPr marL="342900" indent="-342900">
+              <a:buFont typeface="Arial" panose="020B0604020202020204" pitchFamily="34" charset="0"/>
+              <a:buChar char="•"/>
+            </a:pPr>
+            <a:r>
+              <a:rPr lang="ja-JP" altLang="en-US" sz="2400" dirty="0"/>
+              <a:t>差を最小にする重みづけパラメータ</a:t>
+            </a:r>
+            <a:r>
+              <a:rPr lang="en-US" altLang="ja-JP" sz="2400" dirty="0"/>
+              <a:t>θ</a:t>
+            </a:r>
+            <a:r>
+              <a:rPr lang="ja-JP" altLang="en-US" sz="2400" dirty="0"/>
+              <a:t>を求めることがねらい。</a:t>
+            </a:r>
+            <a:endParaRPr lang="en-US" altLang="ja-JP" sz="2400" dirty="0"/>
+          </a:p>
+        </p:txBody>
+      </p:sp>
+      <p:sp>
+        <p:nvSpPr>
+          <p:cNvPr id="13" name="テキスト ボックス 12">
+            <a:extLst>
+              <a:ext uri="{FF2B5EF4-FFF2-40B4-BE49-F238E27FC236}">
+                <a16:creationId xmlns:a16="http://schemas.microsoft.com/office/drawing/2014/main" id="{288727B0-50EC-4A92-A37E-9C10C5F14140}"/>
+              </a:ext>
+            </a:extLst>
+          </p:cNvPr>
+          <p:cNvSpPr txBox="1"/>
+          <p:nvPr/>
+        </p:nvSpPr>
+        <p:spPr>
+          <a:xfrm>
+            <a:off x="827584" y="4212912"/>
+            <a:ext cx="3528392" cy="590349"/>
+          </a:xfrm>
+          <a:prstGeom prst="rect">
+            <a:avLst/>
+          </a:prstGeom>
+          <a:noFill/>
+        </p:spPr>
+        <p:txBody>
+          <a:bodyPr wrap="square" lIns="36000" tIns="0" rIns="36000" bIns="36000" rtlCol="0">
+            <a:spAutoFit/>
+          </a:bodyPr>
+          <a:lstStyle/>
+          <a:p>
             <a:r>
               <a:rPr lang="ja-JP" altLang="en-US" dirty="0"/>
-              <a:t>引用元：</a:t>
-            </a:r>
-            <a:r>
-              <a:rPr lang="en-US" altLang="ja-JP" dirty="0"/>
-              <a:t>https://qiita.com/fujin/items/7f0a7b6fc8fb662f510d</a:t>
-            </a:r>
-            <a:endParaRPr kumimoji="1" lang="ja-JP" altLang="en-US" dirty="0"/>
+              <a:t>ロジスティック回帰の特徴を踏まえ、最終的に以下のように変形</a:t>
+            </a:r>
+            <a:endParaRPr lang="en-US" altLang="ja-JP" dirty="0"/>
+          </a:p>
+        </p:txBody>
+      </p:sp>
+      <p:sp>
+        <p:nvSpPr>
+          <p:cNvPr id="15" name="正方形/長方形 14">
+            <a:extLst>
+              <a:ext uri="{FF2B5EF4-FFF2-40B4-BE49-F238E27FC236}">
+                <a16:creationId xmlns:a16="http://schemas.microsoft.com/office/drawing/2014/main" id="{EEADE2C1-10DF-481A-A7AF-2B8CFA85DC92}"/>
+              </a:ext>
+            </a:extLst>
+          </p:cNvPr>
+          <p:cNvSpPr/>
+          <p:nvPr/>
+        </p:nvSpPr>
+        <p:spPr>
+          <a:xfrm>
+            <a:off x="1307959" y="6004919"/>
+            <a:ext cx="2717411" cy="307777"/>
+          </a:xfrm>
+          <a:prstGeom prst="rect">
+            <a:avLst/>
+          </a:prstGeom>
+        </p:spPr>
+        <p:txBody>
+          <a:bodyPr wrap="none">
+            <a:spAutoFit/>
+          </a:bodyPr>
+          <a:lstStyle/>
+          <a:p>
+            <a:r>
+              <a:rPr lang="en-US" altLang="ja-JP" sz="1400" dirty="0"/>
+              <a:t>m</a:t>
+            </a:r>
+            <a:r>
+              <a:rPr lang="ja-JP" altLang="en-US" sz="1400" dirty="0"/>
+              <a:t> </a:t>
+            </a:r>
+            <a:r>
+              <a:rPr lang="en-US" altLang="ja-JP" sz="1400" dirty="0"/>
+              <a:t>:</a:t>
+            </a:r>
+            <a:r>
+              <a:rPr lang="ja-JP" altLang="en-US" sz="1400" dirty="0"/>
+              <a:t> データのサンプル数（＝行数）</a:t>
+            </a:r>
           </a:p>
         </p:txBody>
       </p:sp>
     </p:spTree>
     <p:extLst>
       <p:ext uri="{BB962C8B-B14F-4D97-AF65-F5344CB8AC3E}">
-        <p14:creationId xmlns:p14="http://schemas.microsoft.com/office/powerpoint/2010/main" val="653085416"/>
+        <p14:creationId xmlns:p14="http://schemas.microsoft.com/office/powerpoint/2010/main" val="2289114839"/>
       </p:ext>
     </p:extLst>
   </p:cSld>
@@ -4468,6 +5469,27 @@
               <a:rPr kumimoji="1" lang="ja-JP" altLang="en-US" dirty="0"/>
               <a:t>理論的背景</a:t>
             </a:r>
+            <a:r>
+              <a:rPr kumimoji="1" lang="ja-JP" altLang="en-US" sz="3200" dirty="0"/>
+              <a:t>（</a:t>
+            </a:r>
+            <a:r>
+              <a:rPr lang="en-US" altLang="ja-JP" sz="3200" dirty="0"/>
+              <a:t>3</a:t>
+            </a:r>
+            <a:r>
+              <a:rPr kumimoji="1" lang="en-US" altLang="ja-JP" sz="3200" dirty="0"/>
+              <a:t>. </a:t>
+            </a:r>
+            <a:r>
+              <a:rPr lang="ja-JP" altLang="en-US" sz="3200" dirty="0"/>
+              <a:t>最急降下法</a:t>
+            </a:r>
+            <a:r>
+              <a:rPr kumimoji="1" lang="ja-JP" altLang="en-US" sz="3200" dirty="0"/>
+              <a:t>）</a:t>
+            </a:r>
+            <a:endParaRPr kumimoji="1" lang="ja-JP" altLang="en-US" dirty="0"/>
           </a:p>
         </p:txBody>
       </p:sp>
@@ -4496,14 +5518,20 @@
       </p:sp>
       <p:sp>
         <p:nvSpPr>
-          <p:cNvPr id="4" name="テキスト ボックス 3"/>
+          <p:cNvPr id="8" name="テキスト ボックス 7">
+            <a:extLst>
+              <a:ext uri="{FF2B5EF4-FFF2-40B4-BE49-F238E27FC236}">
+                <a16:creationId xmlns:a16="http://schemas.microsoft.com/office/drawing/2014/main" id="{C4FEE17C-0030-4494-9888-A62381A10485}"/>
+              </a:ext>
+            </a:extLst>
+          </p:cNvPr>
           <p:cNvSpPr txBox="1"/>
           <p:nvPr/>
         </p:nvSpPr>
         <p:spPr>
           <a:xfrm>
-            <a:off x="467544" y="1259468"/>
-            <a:ext cx="6048672" cy="369332"/>
+            <a:off x="402305" y="1699240"/>
+            <a:ext cx="8339390" cy="1144347"/>
           </a:xfrm>
           <a:prstGeom prst="rect">
             <a:avLst/>
@@ -4511,144 +5539,322 @@
           <a:noFill/>
         </p:spPr>
         <p:txBody>
-          <a:bodyPr wrap="square" rtlCol="0">
+          <a:bodyPr wrap="square" lIns="36000" tIns="0" rIns="36000" bIns="36000" rtlCol="0">
             <a:spAutoFit/>
           </a:bodyPr>
           <a:lstStyle/>
           <a:p>
-            <a:r>
-              <a:rPr lang="ja-JP" altLang="en-US" dirty="0"/>
-              <a:t>引用元：</a:t>
-            </a:r>
-            <a:r>
-              <a:rPr lang="en-US" altLang="ja-JP" dirty="0"/>
-              <a:t>http://neuro-educator.com/ml15/</a:t>
-            </a:r>
-            <a:endParaRPr kumimoji="1" lang="ja-JP" altLang="en-US" dirty="0"/>
+            <a:pPr marL="342900" indent="-342900">
+              <a:buFont typeface="Arial" panose="020B0604020202020204" pitchFamily="34" charset="0"/>
+              <a:buChar char="•"/>
+            </a:pPr>
+            <a:r>
+              <a:rPr lang="ja-JP" altLang="en-US" sz="2400" dirty="0"/>
+              <a:t>目的関数</a:t>
+            </a:r>
+            <a:r>
+              <a:rPr lang="en-US" altLang="ja-JP" sz="2400" dirty="0"/>
+              <a:t>J(θ)</a:t>
+            </a:r>
+            <a:r>
+              <a:rPr lang="ja-JP" altLang="en-US" sz="2400" dirty="0"/>
+              <a:t> は下に凸な曲線であり、微分によって</a:t>
+            </a:r>
+            <a:r>
+              <a:rPr lang="en-US" altLang="ja-JP" sz="2400" dirty="0"/>
+              <a:t> J(θ)</a:t>
+            </a:r>
+            <a:r>
+              <a:rPr lang="ja-JP" altLang="en-US" sz="2400" dirty="0"/>
+              <a:t>の 極小値（最も凸な部分）を求める。</a:t>
+            </a:r>
+            <a:endParaRPr lang="en-US" altLang="ja-JP" sz="2400" dirty="0"/>
+          </a:p>
+          <a:p>
+            <a:pPr marL="342900" indent="-342900">
+              <a:buFont typeface="Arial" panose="020B0604020202020204" pitchFamily="34" charset="0"/>
+              <a:buChar char="•"/>
+            </a:pPr>
+            <a:r>
+              <a:rPr lang="ja-JP" altLang="en-US" sz="2400" dirty="0"/>
+              <a:t>極小値を満たす</a:t>
+            </a:r>
+            <a:r>
+              <a:rPr lang="en-US" altLang="ja-JP" sz="2400" dirty="0"/>
+              <a:t>θ</a:t>
+            </a:r>
+            <a:r>
+              <a:rPr lang="ja-JP" altLang="en-US" sz="2400" dirty="0"/>
+              <a:t>（＝</a:t>
+            </a:r>
+            <a:r>
+              <a:rPr lang="en-US" altLang="ja-JP" sz="2400" dirty="0"/>
+              <a:t>θ</a:t>
+            </a:r>
+            <a:r>
+              <a:rPr lang="en-US" altLang="ja-JP" sz="2400" baseline="30000" dirty="0"/>
+              <a:t>0</a:t>
+            </a:r>
+            <a:r>
+              <a:rPr lang="ja-JP" altLang="en-US" sz="2400" dirty="0" err="1"/>
+              <a:t>、</a:t>
+            </a:r>
+            <a:r>
+              <a:rPr lang="en-US" altLang="ja-JP" sz="2400" dirty="0"/>
+              <a:t>θ</a:t>
+            </a:r>
+            <a:r>
+              <a:rPr lang="en-US" altLang="ja-JP" sz="2400" baseline="30000" dirty="0"/>
+              <a:t>1</a:t>
+            </a:r>
+            <a:r>
+              <a:rPr lang="ja-JP" altLang="en-US" sz="2400" dirty="0" err="1"/>
+              <a:t>、</a:t>
+            </a:r>
+            <a:r>
+              <a:rPr lang="en-US" altLang="ja-JP" sz="2400" dirty="0"/>
+              <a:t>…</a:t>
+            </a:r>
+            <a:r>
+              <a:rPr lang="ja-JP" altLang="en-US" sz="2400" dirty="0"/>
+              <a:t>）が説明変数の係数値となる。</a:t>
+            </a:r>
+            <a:endParaRPr lang="en-US" altLang="ja-JP" sz="2400" dirty="0"/>
+          </a:p>
+        </p:txBody>
+      </p:sp>
+      <p:sp>
+        <p:nvSpPr>
+          <p:cNvPr id="4" name="正方形/長方形 3">
+            <a:extLst>
+              <a:ext uri="{FF2B5EF4-FFF2-40B4-BE49-F238E27FC236}">
+                <a16:creationId xmlns:a16="http://schemas.microsoft.com/office/drawing/2014/main" id="{946EBD3D-44D8-4BB5-9CCB-9C632C9CF25A}"/>
+              </a:ext>
+            </a:extLst>
+          </p:cNvPr>
+          <p:cNvSpPr/>
+          <p:nvPr/>
+        </p:nvSpPr>
+        <p:spPr>
+          <a:xfrm>
+            <a:off x="4370219" y="6536377"/>
+            <a:ext cx="4666277" cy="276999"/>
+          </a:xfrm>
+          <a:prstGeom prst="rect">
+            <a:avLst/>
+          </a:prstGeom>
+        </p:spPr>
+        <p:txBody>
+          <a:bodyPr wrap="none">
+            <a:spAutoFit/>
+          </a:bodyPr>
+          <a:lstStyle/>
+          <a:p>
+            <a:r>
+              <a:rPr lang="en-US" altLang="ja-JP" sz="1200" dirty="0"/>
+              <a:t>【</a:t>
+            </a:r>
+            <a:r>
+              <a:rPr lang="ja-JP" altLang="en-US" sz="1200" dirty="0"/>
+              <a:t>引用元</a:t>
+            </a:r>
+            <a:r>
+              <a:rPr lang="en-US" altLang="ja-JP" sz="1200" dirty="0"/>
+              <a:t>】</a:t>
+            </a:r>
+            <a:r>
+              <a:rPr lang="ja-JP" altLang="en-US" sz="1200" dirty="0"/>
+              <a:t>https://qiita.com/katsu1110/items/fac314996f34540da260</a:t>
+            </a:r>
           </a:p>
         </p:txBody>
       </p:sp>
       <p:pic>
         <p:nvPicPr>
-          <p:cNvPr id="3074" name="Picture 2"/>
+          <p:cNvPr id="5" name="図 4">
+            <a:extLst>
+              <a:ext uri="{FF2B5EF4-FFF2-40B4-BE49-F238E27FC236}">
+                <a16:creationId xmlns:a16="http://schemas.microsoft.com/office/drawing/2014/main" id="{665388AB-F6A3-4992-8C45-85A7993D7DCA}"/>
+              </a:ext>
+            </a:extLst>
+          </p:cNvPr>
           <p:cNvPicPr>
-            <a:picLocks noChangeAspect="1" noChangeArrowheads="1"/>
+            <a:picLocks noChangeAspect="1"/>
           </p:cNvPicPr>
           <p:nvPr/>
         </p:nvPicPr>
         <p:blipFill>
-          <a:blip r:embed="rId2">
-            <a:extLst>
-              <a:ext uri="{28A0092B-C50C-407E-A947-70E740481C1C}">
-                <a14:useLocalDpi xmlns:a14="http://schemas.microsoft.com/office/drawing/2010/main" val="0"/>
-              </a:ext>
-            </a:extLst>
-          </a:blip>
-          <a:srcRect/>
+          <a:blip r:embed="rId2"/>
           <a:stretch>
             <a:fillRect/>
           </a:stretch>
         </p:blipFill>
-        <p:spPr bwMode="auto">
+        <p:spPr>
           <a:xfrm>
-            <a:off x="1403648" y="1674837"/>
-            <a:ext cx="6076950" cy="4562475"/>
+            <a:off x="1187624" y="3018827"/>
+            <a:ext cx="3877047" cy="2744812"/>
           </a:xfrm>
           <a:prstGeom prst="rect">
             <a:avLst/>
           </a:prstGeom>
-          <a:noFill/>
-          <a:ln>
-            <a:noFill/>
-          </a:ln>
-          <a:extLst>
-            <a:ext uri="{909E8E84-426E-40DD-AFC4-6F175D3DCCD1}">
-              <a14:hiddenFill xmlns:a14="http://schemas.microsoft.com/office/drawing/2010/main">
-                <a:solidFill>
-                  <a:schemeClr val="accent1"/>
-                </a:solidFill>
-              </a14:hiddenFill>
-            </a:ext>
-            <a:ext uri="{91240B29-F687-4F45-9708-019B960494DF}">
-              <a14:hiddenLine xmlns:a14="http://schemas.microsoft.com/office/drawing/2010/main" w="9525">
-                <a:solidFill>
-                  <a:schemeClr val="tx1"/>
-                </a:solidFill>
-                <a:miter lim="800000"/>
-                <a:headEnd/>
-                <a:tailEnd/>
-              </a14:hiddenLine>
-            </a:ext>
-          </a:extLst>
         </p:spPr>
       </p:pic>
       <p:sp>
         <p:nvSpPr>
-          <p:cNvPr id="5" name="テキスト ボックス 4"/>
+          <p:cNvPr id="9" name="吹き出し: 角を丸めた四角形 8">
+            <a:extLst>
+              <a:ext uri="{FF2B5EF4-FFF2-40B4-BE49-F238E27FC236}">
+                <a16:creationId xmlns:a16="http://schemas.microsoft.com/office/drawing/2014/main" id="{ED50F273-CC58-49D0-81B8-7CA5EF05D2A8}"/>
+              </a:ext>
+            </a:extLst>
+          </p:cNvPr>
+          <p:cNvSpPr/>
+          <p:nvPr/>
+        </p:nvSpPr>
+        <p:spPr>
+          <a:xfrm>
+            <a:off x="5064671" y="4195355"/>
+            <a:ext cx="2350222" cy="802716"/>
+          </a:xfrm>
+          <a:prstGeom prst="wedgeRoundRectCallout">
+            <a:avLst>
+              <a:gd name="adj1" fmla="val -77712"/>
+              <a:gd name="adj2" fmla="val 1150"/>
+              <a:gd name="adj3" fmla="val 16667"/>
+            </a:avLst>
+          </a:prstGeom>
+        </p:spPr>
+        <p:style>
+          <a:lnRef idx="2">
+            <a:schemeClr val="dk1"/>
+          </a:lnRef>
+          <a:fillRef idx="1">
+            <a:schemeClr val="lt1"/>
+          </a:fillRef>
+          <a:effectRef idx="0">
+            <a:schemeClr val="dk1"/>
+          </a:effectRef>
+          <a:fontRef idx="minor">
+            <a:schemeClr val="dk1"/>
+          </a:fontRef>
+        </p:style>
+        <p:txBody>
+          <a:bodyPr rtlCol="0" anchor="t" anchorCtr="0"/>
+          <a:lstStyle/>
+          <a:p>
+            <a:r>
+              <a:rPr lang="ja-JP" altLang="en-US" dirty="0"/>
+              <a:t>微分を繰り返して極小値を求める。</a:t>
+            </a:r>
+            <a:endParaRPr kumimoji="1" lang="ja-JP" altLang="en-US" dirty="0"/>
+          </a:p>
+        </p:txBody>
+      </p:sp>
+      <p:sp>
+        <p:nvSpPr>
+          <p:cNvPr id="10" name="矢印: 右 9">
+            <a:extLst>
+              <a:ext uri="{FF2B5EF4-FFF2-40B4-BE49-F238E27FC236}">
+                <a16:creationId xmlns:a16="http://schemas.microsoft.com/office/drawing/2014/main" id="{2F6E40AB-EF6D-47F8-BBF8-D501D0AC1847}"/>
+              </a:ext>
+            </a:extLst>
+          </p:cNvPr>
+          <p:cNvSpPr/>
+          <p:nvPr/>
+        </p:nvSpPr>
+        <p:spPr>
+          <a:xfrm rot="14126579">
+            <a:off x="4017896" y="5106477"/>
+            <a:ext cx="704645" cy="220626"/>
+          </a:xfrm>
+          <a:prstGeom prst="rightArrow">
+            <a:avLst/>
+          </a:prstGeom>
+          <a:solidFill>
+            <a:schemeClr val="tx1"/>
+          </a:solidFill>
+          <a:ln>
+            <a:solidFill>
+              <a:schemeClr val="tx1"/>
+            </a:solidFill>
+          </a:ln>
+        </p:spPr>
+        <p:style>
+          <a:lnRef idx="2">
+            <a:schemeClr val="dk1"/>
+          </a:lnRef>
+          <a:fillRef idx="1">
+            <a:schemeClr val="lt1"/>
+          </a:fillRef>
+          <a:effectRef idx="0">
+            <a:schemeClr val="dk1"/>
+          </a:effectRef>
+          <a:fontRef idx="minor">
+            <a:schemeClr val="dk1"/>
+          </a:fontRef>
+        </p:style>
+        <p:txBody>
+          <a:bodyPr rtlCol="0" anchor="ctr"/>
+          <a:lstStyle/>
+          <a:p>
+            <a:pPr algn="ctr"/>
+            <a:endParaRPr kumimoji="1" lang="ja-JP" altLang="en-US" dirty="0"/>
+          </a:p>
+        </p:txBody>
+      </p:sp>
+      <p:sp>
+        <p:nvSpPr>
+          <p:cNvPr id="11" name="テキスト ボックス 10">
+            <a:extLst>
+              <a:ext uri="{FF2B5EF4-FFF2-40B4-BE49-F238E27FC236}">
+                <a16:creationId xmlns:a16="http://schemas.microsoft.com/office/drawing/2014/main" id="{96EE3B05-74BE-47B9-B245-67D098E17C2B}"/>
+              </a:ext>
+            </a:extLst>
+          </p:cNvPr>
           <p:cNvSpPr txBox="1"/>
           <p:nvPr/>
         </p:nvSpPr>
         <p:spPr>
           <a:xfrm>
-            <a:off x="3275856" y="6021288"/>
-            <a:ext cx="4968552" cy="646331"/>
+            <a:off x="4602021" y="5516570"/>
+            <a:ext cx="842145" cy="344128"/>
           </a:xfrm>
           <a:prstGeom prst="rect">
             <a:avLst/>
           </a:prstGeom>
-          <a:noFill/>
+          <a:solidFill>
+            <a:schemeClr val="tx2">
+              <a:lumMod val="20000"/>
+              <a:lumOff val="80000"/>
+            </a:schemeClr>
+          </a:solidFill>
         </p:spPr>
         <p:txBody>
-          <a:bodyPr wrap="square" rtlCol="0">
+          <a:bodyPr wrap="none" lIns="36000" tIns="0" rIns="36000" bIns="36000" rtlCol="0">
             <a:spAutoFit/>
           </a:bodyPr>
           <a:lstStyle/>
           <a:p>
             <a:r>
-              <a:rPr lang="ja-JP" altLang="en-US" dirty="0"/>
-              <a:t>ひし形：</a:t>
-            </a:r>
-            <a:r>
-              <a:rPr lang="en-US" altLang="ja-JP" dirty="0"/>
-              <a:t>|w1+w2|&lt;=r</a:t>
-            </a:r>
-            <a:r>
-              <a:rPr lang="ja-JP" altLang="en-US" dirty="0"/>
-              <a:t>という制約条件</a:t>
-            </a:r>
-          </a:p>
-          <a:p>
-            <a:r>
-              <a:rPr lang="ja-JP" altLang="en-US" dirty="0"/>
-              <a:t>誤差の等高線の中心</a:t>
-            </a:r>
-            <a:r>
-              <a:rPr lang="en-US" altLang="ja-JP" dirty="0"/>
-              <a:t>:</a:t>
-            </a:r>
-            <a:r>
-              <a:rPr lang="ja-JP" altLang="en-US" dirty="0"/>
-              <a:t>損失関数が</a:t>
-            </a:r>
-            <a:r>
-              <a:rPr lang="ja-JP" altLang="en-US" b="1" dirty="0">
+              <a:rPr lang="ja-JP" altLang="en-US" sz="2000" dirty="0">
                 <a:solidFill>
                   <a:srgbClr val="FF0000"/>
                 </a:solidFill>
               </a:rPr>
-              <a:t>最小</a:t>
-            </a:r>
-            <a:r>
-              <a:rPr lang="ja-JP" altLang="en-US" dirty="0"/>
-              <a:t>になる点</a:t>
-            </a:r>
+              <a:t>極小値</a:t>
+            </a:r>
+            <a:endParaRPr lang="en-US" altLang="ja-JP" sz="2000" dirty="0">
+              <a:solidFill>
+                <a:srgbClr val="FF0000"/>
+              </a:solidFill>
+            </a:endParaRPr>
           </a:p>
         </p:txBody>
       </p:sp>
     </p:spTree>
     <p:extLst>
       <p:ext uri="{BB962C8B-B14F-4D97-AF65-F5344CB8AC3E}">
-        <p14:creationId xmlns:p14="http://schemas.microsoft.com/office/powerpoint/2010/main" val="2796524740"/>
+        <p14:creationId xmlns:p14="http://schemas.microsoft.com/office/powerpoint/2010/main" val="867642947"/>
       </p:ext>
     </p:extLst>
   </p:cSld>
@@ -4691,8 +5897,24 @@
           <a:lstStyle/>
           <a:p>
             <a:r>
-              <a:rPr lang="ja-JP" altLang="en-US" dirty="0"/>
-              <a:t>出典</a:t>
+              <a:rPr kumimoji="1" lang="ja-JP" altLang="en-US" dirty="0"/>
+              <a:t>理論的背景</a:t>
+            </a:r>
+            <a:r>
+              <a:rPr kumimoji="1" lang="ja-JP" altLang="en-US" sz="3200" dirty="0"/>
+              <a:t>（</a:t>
+            </a:r>
+            <a:r>
+              <a:rPr kumimoji="1" lang="en-US" altLang="ja-JP" sz="3200" dirty="0"/>
+              <a:t>4. </a:t>
+            </a:r>
+            <a:r>
+              <a:rPr lang="ja-JP" altLang="en-US" sz="3200" dirty="0"/>
+              <a:t>正則化</a:t>
+            </a:r>
+            <a:r>
+              <a:rPr kumimoji="1" lang="ja-JP" altLang="en-US" sz="3200" dirty="0"/>
+              <a:t>）</a:t>
             </a:r>
             <a:endParaRPr kumimoji="1" lang="ja-JP" altLang="en-US" dirty="0"/>
           </a:p>
@@ -4700,43 +5922,7 @@
       </p:sp>
       <p:sp>
         <p:nvSpPr>
-          <p:cNvPr id="3" name="コンテンツ プレースホルダー 2"/>
-          <p:cNvSpPr>
-            <a:spLocks noGrp="1"/>
-          </p:cNvSpPr>
-          <p:nvPr>
-            <p:ph idx="1"/>
-          </p:nvPr>
-        </p:nvSpPr>
-        <p:spPr/>
-        <p:txBody>
-          <a:bodyPr/>
-          <a:lstStyle/>
-          <a:p>
-            <a:r>
-              <a:rPr lang="ja-JP" altLang="en-US" b="1" dirty="0"/>
-              <a:t>ロジスティック回帰分析</a:t>
-            </a:r>
-            <a:endParaRPr lang="en-US" altLang="ja-JP" dirty="0"/>
-          </a:p>
-          <a:p>
-            <a:pPr lvl="1"/>
-            <a:r>
-              <a:rPr lang="en-US" altLang="ja-JP" dirty="0">
-                <a:hlinkClick r:id="rId2"/>
-              </a:rPr>
-              <a:t>https://qiita.com/fujin/items/7f0a7b6fc8fb662f510d</a:t>
-            </a:r>
-            <a:endParaRPr lang="en-US" altLang="ja-JP" dirty="0"/>
-          </a:p>
-          <a:p>
-            <a:endParaRPr kumimoji="1" lang="ja-JP" altLang="en-US" dirty="0"/>
-          </a:p>
-        </p:txBody>
-      </p:sp>
-      <p:sp>
-        <p:nvSpPr>
-          <p:cNvPr id="4" name="スライド番号プレースホルダー 3"/>
+          <p:cNvPr id="3" name="スライド番号プレースホルダー 2"/>
           <p:cNvSpPr>
             <a:spLocks noGrp="1"/>
           </p:cNvSpPr>
@@ -4757,10 +5943,307 @@
           </a:p>
         </p:txBody>
       </p:sp>
+      <p:pic>
+        <p:nvPicPr>
+          <p:cNvPr id="4" name="図 3">
+            <a:extLst>
+              <a:ext uri="{FF2B5EF4-FFF2-40B4-BE49-F238E27FC236}">
+                <a16:creationId xmlns:a16="http://schemas.microsoft.com/office/drawing/2014/main" id="{6729654F-6031-4537-8B96-B7A703958042}"/>
+              </a:ext>
+            </a:extLst>
+          </p:cNvPr>
+          <p:cNvPicPr>
+            <a:picLocks noChangeAspect="1"/>
+          </p:cNvPicPr>
+          <p:nvPr/>
+        </p:nvPicPr>
+        <p:blipFill>
+          <a:blip r:embed="rId2"/>
+          <a:stretch>
+            <a:fillRect/>
+          </a:stretch>
+        </p:blipFill>
+        <p:spPr>
+          <a:xfrm>
+            <a:off x="690337" y="3878701"/>
+            <a:ext cx="4752528" cy="942757"/>
+          </a:xfrm>
+          <a:prstGeom prst="rect">
+            <a:avLst/>
+          </a:prstGeom>
+        </p:spPr>
+      </p:pic>
+      <p:sp>
+        <p:nvSpPr>
+          <p:cNvPr id="8" name="テキスト ボックス 7">
+            <a:extLst>
+              <a:ext uri="{FF2B5EF4-FFF2-40B4-BE49-F238E27FC236}">
+                <a16:creationId xmlns:a16="http://schemas.microsoft.com/office/drawing/2014/main" id="{CC473C90-4D17-4969-9278-597A88E3B0EB}"/>
+              </a:ext>
+            </a:extLst>
+          </p:cNvPr>
+          <p:cNvSpPr txBox="1"/>
+          <p:nvPr/>
+        </p:nvSpPr>
+        <p:spPr>
+          <a:xfrm>
+            <a:off x="402305" y="1699240"/>
+            <a:ext cx="8339390" cy="1144347"/>
+          </a:xfrm>
+          <a:prstGeom prst="rect">
+            <a:avLst/>
+          </a:prstGeom>
+          <a:noFill/>
+        </p:spPr>
+        <p:txBody>
+          <a:bodyPr wrap="square" lIns="36000" tIns="0" rIns="36000" bIns="36000" rtlCol="0">
+            <a:spAutoFit/>
+          </a:bodyPr>
+          <a:lstStyle/>
+          <a:p>
+            <a:pPr marL="342900" indent="-342900">
+              <a:buFont typeface="Arial" panose="020B0604020202020204" pitchFamily="34" charset="0"/>
+              <a:buChar char="•"/>
+            </a:pPr>
+            <a:r>
+              <a:rPr lang="ja-JP" altLang="en-US" sz="2400" dirty="0"/>
+              <a:t>重みづけパラメータ を増やしすぎることによる過学習を防ぐため、目的関数 </a:t>
+            </a:r>
+            <a:r>
+              <a:rPr lang="en-US" altLang="ja-JP" sz="2400" dirty="0"/>
+              <a:t>J</a:t>
+            </a:r>
+            <a:r>
+              <a:rPr lang="ja-JP" altLang="en-US" sz="2400" dirty="0"/>
+              <a:t>（</a:t>
+            </a:r>
+            <a:r>
+              <a:rPr lang="en-US" altLang="ja-JP" sz="2400" dirty="0"/>
+              <a:t>θ</a:t>
+            </a:r>
+            <a:r>
+              <a:rPr lang="ja-JP" altLang="en-US" sz="2400" dirty="0"/>
+              <a:t>）にペナルティ項（点線で囲んだ部分）を追加する。 これを正則化と言う。</a:t>
+            </a:r>
+            <a:endParaRPr lang="en-US" altLang="ja-JP" sz="2400" dirty="0"/>
+          </a:p>
+        </p:txBody>
+      </p:sp>
+      <p:sp>
+        <p:nvSpPr>
+          <p:cNvPr id="9" name="吹き出し: 角を丸めた四角形 8">
+            <a:extLst>
+              <a:ext uri="{FF2B5EF4-FFF2-40B4-BE49-F238E27FC236}">
+                <a16:creationId xmlns:a16="http://schemas.microsoft.com/office/drawing/2014/main" id="{ECEDE30C-F4C2-4306-B2C4-A6A30E36DD54}"/>
+              </a:ext>
+            </a:extLst>
+          </p:cNvPr>
+          <p:cNvSpPr/>
+          <p:nvPr/>
+        </p:nvSpPr>
+        <p:spPr>
+          <a:xfrm>
+            <a:off x="5874913" y="3850137"/>
+            <a:ext cx="2729535" cy="1051556"/>
+          </a:xfrm>
+          <a:prstGeom prst="wedgeRoundRectCallout">
+            <a:avLst>
+              <a:gd name="adj1" fmla="val -62997"/>
+              <a:gd name="adj2" fmla="val -15276"/>
+              <a:gd name="adj3" fmla="val 16667"/>
+            </a:avLst>
+          </a:prstGeom>
+        </p:spPr>
+        <p:style>
+          <a:lnRef idx="2">
+            <a:schemeClr val="dk1"/>
+          </a:lnRef>
+          <a:fillRef idx="1">
+            <a:schemeClr val="lt1"/>
+          </a:fillRef>
+          <a:effectRef idx="0">
+            <a:schemeClr val="dk1"/>
+          </a:effectRef>
+          <a:fontRef idx="minor">
+            <a:schemeClr val="dk1"/>
+          </a:fontRef>
+        </p:style>
+        <p:txBody>
+          <a:bodyPr rtlCol="0" anchor="t" anchorCtr="0"/>
+          <a:lstStyle/>
+          <a:p>
+            <a:pPr marL="285750" indent="-285750">
+              <a:buFont typeface="Arial" panose="020B0604020202020204" pitchFamily="34" charset="0"/>
+              <a:buChar char="•"/>
+            </a:pPr>
+            <a:r>
+              <a:rPr kumimoji="1" lang="en-US" altLang="ja-JP" sz="1400" dirty="0"/>
+              <a:t>L2</a:t>
+            </a:r>
+            <a:r>
+              <a:rPr kumimoji="1" lang="ja-JP" altLang="en-US" sz="1400" dirty="0"/>
+              <a:t>正則化</a:t>
+            </a:r>
+            <a:endParaRPr kumimoji="1" lang="en-US" altLang="ja-JP" sz="1400" dirty="0"/>
+          </a:p>
+          <a:p>
+            <a:pPr marL="285750" indent="-285750">
+              <a:buFont typeface="Arial" panose="020B0604020202020204" pitchFamily="34" charset="0"/>
+              <a:buChar char="•"/>
+            </a:pPr>
+            <a:r>
+              <a:rPr kumimoji="1" lang="en-US" altLang="ja-JP" sz="1400" dirty="0" err="1"/>
+              <a:t>scikit</a:t>
+            </a:r>
+            <a:r>
+              <a:rPr kumimoji="1" lang="en-US" altLang="ja-JP" sz="1400" dirty="0"/>
+              <a:t>-learn</a:t>
+            </a:r>
+            <a:r>
+              <a:rPr lang="ja-JP" altLang="en-US" sz="1400" dirty="0"/>
+              <a:t>の</a:t>
+            </a:r>
+            <a:r>
+              <a:rPr lang="en-US" altLang="ja-JP" sz="1400" dirty="0" err="1"/>
+              <a:t>LogisticRegression</a:t>
+            </a:r>
+            <a:r>
+              <a:rPr lang="ja-JP" altLang="en-US" sz="1400" dirty="0"/>
+              <a:t>のパラメータ </a:t>
+            </a:r>
+            <a:r>
+              <a:rPr lang="en-US" altLang="ja-JP" sz="1400" dirty="0"/>
+              <a:t>C</a:t>
+            </a:r>
+            <a:r>
+              <a:rPr lang="ja-JP" altLang="en-US" sz="1400" dirty="0"/>
+              <a:t>は「</a:t>
+            </a:r>
+            <a:r>
+              <a:rPr lang="en-US" altLang="ja-JP" sz="1400" dirty="0"/>
+              <a:t>1</a:t>
+            </a:r>
+            <a:r>
+              <a:rPr lang="ja-JP" altLang="en-US" sz="1400" dirty="0"/>
+              <a:t>／</a:t>
+            </a:r>
+            <a:r>
+              <a:rPr lang="en-US" altLang="ja-JP" sz="1400" dirty="0"/>
+              <a:t>λ</a:t>
+            </a:r>
+            <a:r>
+              <a:rPr lang="ja-JP" altLang="en-US" sz="1400" dirty="0"/>
+              <a:t>」と同じ。</a:t>
+            </a:r>
+            <a:endParaRPr kumimoji="1" lang="ja-JP" altLang="en-US" sz="1400" dirty="0"/>
+          </a:p>
+        </p:txBody>
+      </p:sp>
+      <p:sp>
+        <p:nvSpPr>
+          <p:cNvPr id="5" name="四角形: 角を丸くする 4">
+            <a:extLst>
+              <a:ext uri="{FF2B5EF4-FFF2-40B4-BE49-F238E27FC236}">
+                <a16:creationId xmlns:a16="http://schemas.microsoft.com/office/drawing/2014/main" id="{80CA99FE-C8C9-4BD5-8D9F-AF25D88D986E}"/>
+              </a:ext>
+            </a:extLst>
+          </p:cNvPr>
+          <p:cNvSpPr/>
+          <p:nvPr/>
+        </p:nvSpPr>
+        <p:spPr>
+          <a:xfrm>
+            <a:off x="4434753" y="3994153"/>
+            <a:ext cx="1008112" cy="827305"/>
+          </a:xfrm>
+          <a:prstGeom prst="roundRect">
+            <a:avLst/>
+          </a:prstGeom>
+          <a:noFill/>
+          <a:ln w="38100">
+            <a:solidFill>
+              <a:srgbClr val="FF0000"/>
+            </a:solidFill>
+            <a:prstDash val="sysDash"/>
+          </a:ln>
+        </p:spPr>
+        <p:style>
+          <a:lnRef idx="2">
+            <a:schemeClr val="accent6"/>
+          </a:lnRef>
+          <a:fillRef idx="1">
+            <a:schemeClr val="lt1"/>
+          </a:fillRef>
+          <a:effectRef idx="0">
+            <a:schemeClr val="accent6"/>
+          </a:effectRef>
+          <a:fontRef idx="minor">
+            <a:schemeClr val="dk1"/>
+          </a:fontRef>
+        </p:style>
+        <p:txBody>
+          <a:bodyPr rtlCol="0" anchor="ctr"/>
+          <a:lstStyle/>
+          <a:p>
+            <a:pPr algn="ctr"/>
+            <a:endParaRPr kumimoji="1" lang="ja-JP" altLang="en-US" dirty="0"/>
+          </a:p>
+        </p:txBody>
+      </p:sp>
+      <p:sp>
+        <p:nvSpPr>
+          <p:cNvPr id="11" name="テキスト ボックス 10">
+            <a:extLst>
+              <a:ext uri="{FF2B5EF4-FFF2-40B4-BE49-F238E27FC236}">
+                <a16:creationId xmlns:a16="http://schemas.microsoft.com/office/drawing/2014/main" id="{FE067F1B-4CEC-406F-9776-ABBCA98EEC26}"/>
+              </a:ext>
+            </a:extLst>
+          </p:cNvPr>
+          <p:cNvSpPr txBox="1"/>
+          <p:nvPr/>
+        </p:nvSpPr>
+        <p:spPr>
+          <a:xfrm>
+            <a:off x="4380949" y="4977405"/>
+            <a:ext cx="1045726" cy="251795"/>
+          </a:xfrm>
+          <a:prstGeom prst="rect">
+            <a:avLst/>
+          </a:prstGeom>
+          <a:solidFill>
+            <a:schemeClr val="tx2">
+              <a:lumMod val="20000"/>
+              <a:lumOff val="80000"/>
+            </a:schemeClr>
+          </a:solidFill>
+        </p:spPr>
+        <p:txBody>
+          <a:bodyPr wrap="none" lIns="36000" tIns="0" rIns="36000" bIns="36000" rtlCol="0">
+            <a:spAutoFit/>
+          </a:bodyPr>
+          <a:lstStyle/>
+          <a:p>
+            <a:pPr algn="ctr"/>
+            <a:r>
+              <a:rPr lang="ja-JP" altLang="en-US" sz="1400" dirty="0">
+                <a:solidFill>
+                  <a:srgbClr val="FF0000"/>
+                </a:solidFill>
+              </a:rPr>
+              <a:t>ペナルティ項</a:t>
+            </a:r>
+            <a:endParaRPr lang="en-US" altLang="ja-JP" sz="1400" dirty="0">
+              <a:solidFill>
+                <a:srgbClr val="FF0000"/>
+              </a:solidFill>
+            </a:endParaRPr>
+          </a:p>
+        </p:txBody>
+      </p:sp>
     </p:spTree>
     <p:extLst>
       <p:ext uri="{BB962C8B-B14F-4D97-AF65-F5344CB8AC3E}">
-        <p14:creationId xmlns:p14="http://schemas.microsoft.com/office/powerpoint/2010/main" val="621174911"/>
+        <p14:creationId xmlns:p14="http://schemas.microsoft.com/office/powerpoint/2010/main" val="1181839971"/>
       </p:ext>
     </p:extLst>
   </p:cSld>
@@ -4803,6 +6286,139 @@
           <a:lstStyle/>
           <a:p>
             <a:r>
+              <a:rPr lang="ja-JP" altLang="en-US" dirty="0"/>
+              <a:t>出典</a:t>
+            </a:r>
+            <a:endParaRPr kumimoji="1" lang="ja-JP" altLang="en-US" dirty="0"/>
+          </a:p>
+        </p:txBody>
+      </p:sp>
+      <p:sp>
+        <p:nvSpPr>
+          <p:cNvPr id="3" name="コンテンツ プレースホルダー 2"/>
+          <p:cNvSpPr>
+            <a:spLocks noGrp="1"/>
+          </p:cNvSpPr>
+          <p:nvPr>
+            <p:ph idx="1"/>
+          </p:nvPr>
+        </p:nvSpPr>
+        <p:spPr/>
+        <p:txBody>
+          <a:bodyPr/>
+          <a:lstStyle/>
+          <a:p>
+            <a:r>
+              <a:rPr lang="ja-JP" altLang="en-US" b="1" dirty="0"/>
+              <a:t>ロジスティック回帰分析</a:t>
+            </a:r>
+            <a:endParaRPr lang="en-US" altLang="ja-JP" dirty="0"/>
+          </a:p>
+          <a:p>
+            <a:pPr lvl="1"/>
+            <a:r>
+              <a:rPr lang="en-US" altLang="ja-JP" dirty="0">
+                <a:hlinkClick r:id="rId2"/>
+              </a:rPr>
+              <a:t>https://qiita.com/fujin/items/7f0a7b6fc8fb662f510d</a:t>
+            </a:r>
+            <a:endParaRPr lang="en-US" altLang="ja-JP" dirty="0"/>
+          </a:p>
+          <a:p>
+            <a:r>
+              <a:rPr lang="en-US" altLang="ja-JP" sz="2000" dirty="0"/>
+              <a:t>Coursera Machine Learning (3): </a:t>
+            </a:r>
+            <a:r>
+              <a:rPr lang="ja-JP" altLang="en-US" sz="2000" dirty="0"/>
+              <a:t>ロジスティック回帰、正則化</a:t>
+            </a:r>
+            <a:endParaRPr lang="en-US" altLang="ja-JP" sz="2000" dirty="0"/>
+          </a:p>
+          <a:p>
+            <a:pPr lvl="1"/>
+            <a:r>
+              <a:rPr lang="en-US" altLang="ja-JP" dirty="0">
+                <a:hlinkClick r:id="rId3"/>
+              </a:rPr>
+              <a:t>https://qiita.com/katsu1110/items/e4ef613559f02f183af5</a:t>
+            </a:r>
+            <a:endParaRPr lang="en-US" altLang="ja-JP" dirty="0"/>
+          </a:p>
+          <a:p>
+            <a:endParaRPr kumimoji="1" lang="ja-JP" altLang="en-US" dirty="0"/>
+          </a:p>
+        </p:txBody>
+      </p:sp>
+      <p:sp>
+        <p:nvSpPr>
+          <p:cNvPr id="4" name="スライド番号プレースホルダー 3"/>
+          <p:cNvSpPr>
+            <a:spLocks noGrp="1"/>
+          </p:cNvSpPr>
+          <p:nvPr>
+            <p:ph type="sldNum" sz="quarter" idx="12"/>
+          </p:nvPr>
+        </p:nvSpPr>
+        <p:spPr/>
+        <p:txBody>
+          <a:bodyPr/>
+          <a:lstStyle/>
+          <a:p>
+            <a:fld id="{D2D8002D-B5B0-4BAC-B1F6-782DDCCE6D9C}" type="slidenum">
+              <a:rPr kumimoji="1" lang="ja-JP" altLang="en-US" smtClean="0"/>
+              <a:t>14</a:t>
+            </a:fld>
+            <a:endParaRPr kumimoji="1" lang="ja-JP" altLang="en-US"/>
+          </a:p>
+        </p:txBody>
+      </p:sp>
+    </p:spTree>
+    <p:extLst>
+      <p:ext uri="{BB962C8B-B14F-4D97-AF65-F5344CB8AC3E}">
+        <p14:creationId xmlns:p14="http://schemas.microsoft.com/office/powerpoint/2010/main" val="621174911"/>
+      </p:ext>
+    </p:extLst>
+  </p:cSld>
+  <p:clrMapOvr>
+    <a:masterClrMapping/>
+  </p:clrMapOvr>
+</p:sld>
+</file>
+
+<file path=ppt/slides/slide15.xml><?xml version="1.0" encoding="utf-8"?>
+<p:sld xmlns:a="http://schemas.openxmlformats.org/drawingml/2006/main" xmlns:r="http://schemas.openxmlformats.org/officeDocument/2006/relationships" xmlns:p="http://schemas.openxmlformats.org/presentationml/2006/main">
+  <p:cSld>
+    <p:spTree>
+      <p:nvGrpSpPr>
+        <p:cNvPr id="1" name=""/>
+        <p:cNvGrpSpPr/>
+        <p:nvPr/>
+      </p:nvGrpSpPr>
+      <p:grpSpPr>
+        <a:xfrm>
+          <a:off x="0" y="0"/>
+          <a:ext cx="0" cy="0"/>
+          <a:chOff x="0" y="0"/>
+          <a:chExt cx="0" cy="0"/>
+        </a:xfrm>
+      </p:grpSpPr>
+      <p:sp>
+        <p:nvSpPr>
+          <p:cNvPr id="2" name="タイトル 1"/>
+          <p:cNvSpPr>
+            <a:spLocks noGrp="1"/>
+          </p:cNvSpPr>
+          <p:nvPr>
+            <p:ph type="title"/>
+          </p:nvPr>
+        </p:nvSpPr>
+        <p:spPr/>
+        <p:txBody>
+          <a:bodyPr/>
+          <a:lstStyle/>
+          <a:p>
+            <a:r>
               <a:rPr kumimoji="1" lang="ja-JP" altLang="en-US" dirty="0"/>
               <a:t>関連するパターン</a:t>
             </a:r>
@@ -5053,7 +6669,7 @@
           <a:p>
             <a:fld id="{D2D8002D-B5B0-4BAC-B1F6-782DDCCE6D9C}" type="slidenum">
               <a:rPr kumimoji="1" lang="ja-JP" altLang="en-US" smtClean="0"/>
-              <a:t>14</a:t>
+              <a:t>15</a:t>
             </a:fld>
             <a:endParaRPr kumimoji="1" lang="ja-JP" altLang="en-US"/>
           </a:p>
@@ -7011,7 +8627,7 @@
           <a:p>
             <a:r>
               <a:rPr lang="ja-JP" altLang="en-US" dirty="0"/>
-              <a:t>理論的背景</a:t>
+              <a:t>理論的背景（目次）</a:t>
             </a:r>
             <a:endParaRPr kumimoji="1" lang="ja-JP" altLang="en-US" dirty="0"/>
           </a:p>
@@ -7042,14 +8658,20 @@
       </p:sp>
       <p:sp>
         <p:nvSpPr>
-          <p:cNvPr id="6" name="テキスト ボックス 5"/>
+          <p:cNvPr id="3" name="テキスト ボックス 2">
+            <a:extLst>
+              <a:ext uri="{FF2B5EF4-FFF2-40B4-BE49-F238E27FC236}">
+                <a16:creationId xmlns:a16="http://schemas.microsoft.com/office/drawing/2014/main" id="{667B49C2-E67A-42DD-A915-D509CF0C8C99}"/>
+              </a:ext>
+            </a:extLst>
+          </p:cNvPr>
           <p:cNvSpPr txBox="1"/>
           <p:nvPr/>
         </p:nvSpPr>
         <p:spPr>
           <a:xfrm>
-            <a:off x="467544" y="1259468"/>
-            <a:ext cx="6048672" cy="369332"/>
+            <a:off x="755576" y="1568355"/>
+            <a:ext cx="2214315" cy="1759900"/>
           </a:xfrm>
           <a:prstGeom prst="rect">
             <a:avLst/>
@@ -7057,20 +8679,52 @@
           <a:noFill/>
         </p:spPr>
         <p:txBody>
-          <a:bodyPr wrap="square" rtlCol="0">
+          <a:bodyPr wrap="none" lIns="36000" tIns="0" rIns="36000" bIns="36000" rtlCol="0">
             <a:spAutoFit/>
           </a:bodyPr>
           <a:lstStyle/>
           <a:p>
-            <a:r>
-              <a:rPr lang="ja-JP" altLang="en-US" dirty="0"/>
-              <a:t>引用元：</a:t>
-            </a:r>
-            <a:r>
-              <a:rPr lang="en-US" altLang="ja-JP" dirty="0"/>
-              <a:t> http://data-science.tokyo/ed/edj1-2-2-2.html</a:t>
-            </a:r>
-            <a:endParaRPr kumimoji="1" lang="ja-JP" altLang="en-US" dirty="0"/>
+            <a:pPr marL="342900" indent="-342900">
+              <a:buFont typeface="+mj-lt"/>
+              <a:buAutoNum type="arabicPeriod"/>
+            </a:pPr>
+            <a:r>
+              <a:rPr lang="ja-JP" altLang="en-US" sz="2800" dirty="0"/>
+              <a:t>考え方</a:t>
+            </a:r>
+            <a:endParaRPr lang="en-US" altLang="ja-JP" sz="2800" dirty="0"/>
+          </a:p>
+          <a:p>
+            <a:pPr marL="342900" indent="-342900">
+              <a:buFont typeface="+mj-lt"/>
+              <a:buAutoNum type="arabicPeriod"/>
+            </a:pPr>
+            <a:r>
+              <a:rPr kumimoji="1" lang="ja-JP" altLang="en-US" sz="2800" dirty="0"/>
+              <a:t>目的関数</a:t>
+            </a:r>
+            <a:endParaRPr kumimoji="1" lang="en-US" altLang="ja-JP" sz="2800" dirty="0"/>
+          </a:p>
+          <a:p>
+            <a:pPr marL="342900" indent="-342900">
+              <a:buFont typeface="+mj-lt"/>
+              <a:buAutoNum type="arabicPeriod"/>
+            </a:pPr>
+            <a:r>
+              <a:rPr lang="ja-JP" altLang="en-US" sz="2800" dirty="0"/>
+              <a:t>最急降下法</a:t>
+            </a:r>
+            <a:endParaRPr lang="en-US" altLang="ja-JP" sz="2800" dirty="0"/>
+          </a:p>
+          <a:p>
+            <a:pPr marL="342900" indent="-342900">
+              <a:buFont typeface="+mj-lt"/>
+              <a:buAutoNum type="arabicPeriod"/>
+            </a:pPr>
+            <a:r>
+              <a:rPr kumimoji="1" lang="ja-JP" altLang="en-US" sz="2800" dirty="0"/>
+              <a:t>正則化</a:t>
+            </a:r>
           </a:p>
         </p:txBody>
       </p:sp>

--- a/oouchi/1.2_LogisticRegression/1.2_RogisticRegression.pptx
+++ b/oouchi/1.2_LogisticRegression/1.2_RogisticRegression.pptx
@@ -222,7 +222,7 @@
           <a:p>
             <a:fld id="{35AF1AB0-152F-4944-8B0B-D6AC80456478}" type="datetimeFigureOut">
               <a:rPr kumimoji="1" lang="ja-JP" altLang="en-US" smtClean="0"/>
-              <a:t>2018/11/25</a:t>
+              <a:t>2018/11/28</a:t>
             </a:fld>
             <a:endParaRPr kumimoji="1" lang="ja-JP" altLang="en-US"/>
           </a:p>
@@ -709,7 +709,7 @@
           <a:p>
             <a:fld id="{9162DFDF-7161-450E-AA25-87B734D9927A}" type="datetime1">
               <a:rPr kumimoji="1" lang="ja-JP" altLang="en-US" smtClean="0"/>
-              <a:t>2018/11/25</a:t>
+              <a:t>2018/11/28</a:t>
             </a:fld>
             <a:endParaRPr kumimoji="1" lang="ja-JP" altLang="en-US"/>
           </a:p>
@@ -941,7 +941,7 @@
           <a:p>
             <a:fld id="{05170B31-FCB0-4503-B8DD-4901361C2F6F}" type="datetime1">
               <a:rPr kumimoji="1" lang="ja-JP" altLang="en-US" smtClean="0"/>
-              <a:t>2018/11/25</a:t>
+              <a:t>2018/11/28</a:t>
             </a:fld>
             <a:endParaRPr kumimoji="1" lang="ja-JP" altLang="en-US"/>
           </a:p>
@@ -1148,7 +1148,7 @@
           <a:p>
             <a:fld id="{A285A42D-9368-4BB8-90BE-0F899494FD93}" type="datetime1">
               <a:rPr kumimoji="1" lang="ja-JP" altLang="en-US" smtClean="0"/>
-              <a:t>2018/11/25</a:t>
+              <a:t>2018/11/28</a:t>
             </a:fld>
             <a:endParaRPr kumimoji="1" lang="ja-JP" altLang="en-US"/>
           </a:p>
@@ -1345,7 +1345,7 @@
           <a:p>
             <a:fld id="{AC56DD09-0C5E-431E-AADA-074A2AD145DD}" type="datetime1">
               <a:rPr kumimoji="1" lang="ja-JP" altLang="en-US" smtClean="0"/>
-              <a:t>2018/11/25</a:t>
+              <a:t>2018/11/28</a:t>
             </a:fld>
             <a:endParaRPr kumimoji="1" lang="ja-JP" altLang="en-US"/>
           </a:p>
@@ -1593,7 +1593,7 @@
           <a:p>
             <a:fld id="{E3F455DD-B8CA-4C30-97FD-952368997C4F}" type="datetime1">
               <a:rPr kumimoji="1" lang="ja-JP" altLang="en-US" smtClean="0"/>
-              <a:t>2018/11/25</a:t>
+              <a:t>2018/11/28</a:t>
             </a:fld>
             <a:endParaRPr kumimoji="1" lang="ja-JP" altLang="en-US"/>
           </a:p>
@@ -1975,7 +1975,7 @@
           <a:p>
             <a:fld id="{6AD42BE7-B330-4BC3-BB4C-EE0029A16A41}" type="datetime1">
               <a:rPr kumimoji="1" lang="ja-JP" altLang="en-US" smtClean="0"/>
-              <a:t>2018/11/25</a:t>
+              <a:t>2018/11/28</a:t>
             </a:fld>
             <a:endParaRPr kumimoji="1" lang="ja-JP" altLang="en-US"/>
           </a:p>
@@ -2505,7 +2505,7 @@
           <a:p>
             <a:fld id="{68A324F7-1AF9-496C-9147-148D735ACB58}" type="datetime1">
               <a:rPr kumimoji="1" lang="ja-JP" altLang="en-US" smtClean="0"/>
-              <a:t>2018/11/25</a:t>
+              <a:t>2018/11/28</a:t>
             </a:fld>
             <a:endParaRPr kumimoji="1" lang="ja-JP" altLang="en-US"/>
           </a:p>
@@ -2653,7 +2653,7 @@
           <a:p>
             <a:fld id="{27AA0BA3-AB01-4609-88A0-55AAC0CC76BD}" type="datetime1">
               <a:rPr kumimoji="1" lang="ja-JP" altLang="en-US" smtClean="0"/>
-              <a:t>2018/11/25</a:t>
+              <a:t>2018/11/28</a:t>
             </a:fld>
             <a:endParaRPr kumimoji="1" lang="ja-JP" altLang="en-US"/>
           </a:p>
@@ -2743,7 +2743,7 @@
           <a:p>
             <a:fld id="{0CFBF5D4-B5CC-4467-B796-C67F515DE3C5}" type="datetime1">
               <a:rPr kumimoji="1" lang="ja-JP" altLang="en-US" smtClean="0"/>
-              <a:t>2018/11/25</a:t>
+              <a:t>2018/11/28</a:t>
             </a:fld>
             <a:endParaRPr kumimoji="1" lang="ja-JP" altLang="en-US"/>
           </a:p>
@@ -3049,7 +3049,7 @@
           <a:p>
             <a:fld id="{A0163980-AAA3-47F9-A262-0D3864F1B223}" type="datetime1">
               <a:rPr kumimoji="1" lang="ja-JP" altLang="en-US" smtClean="0"/>
-              <a:t>2018/11/25</a:t>
+              <a:t>2018/11/28</a:t>
             </a:fld>
             <a:endParaRPr kumimoji="1" lang="ja-JP" altLang="en-US"/>
           </a:p>
@@ -3354,7 +3354,7 @@
           <a:p>
             <a:fld id="{848859B9-DC56-434E-8346-7979ED5DF987}" type="datetime1">
               <a:rPr kumimoji="1" lang="ja-JP" altLang="en-US" smtClean="0"/>
-              <a:t>2018/11/25</a:t>
+              <a:t>2018/11/28</a:t>
             </a:fld>
             <a:endParaRPr kumimoji="1" lang="ja-JP" altLang="en-US"/>
           </a:p>
@@ -3684,7 +3684,7 @@
           <a:p>
             <a:fld id="{8A9F02A4-63CC-4654-A6E7-8D37C032D0CA}" type="datetime1">
               <a:rPr kumimoji="1" lang="ja-JP" altLang="en-US" smtClean="0"/>
-              <a:t>2018/11/25</a:t>
+              <a:t>2018/11/28</a:t>
             </a:fld>
             <a:endParaRPr kumimoji="1" lang="ja-JP" altLang="en-US"/>
           </a:p>
@@ -5909,12 +5909,8 @@
               <a:t>4. </a:t>
             </a:r>
             <a:r>
-              <a:rPr lang="ja-JP" altLang="en-US" sz="3200" dirty="0"/>
-              <a:t>正則化</a:t>
-            </a:r>
-            <a:r>
               <a:rPr kumimoji="1" lang="ja-JP" altLang="en-US" sz="3200" dirty="0"/>
-              <a:t>）</a:t>
+              <a:t>コスト関数）</a:t>
             </a:r>
             <a:endParaRPr kumimoji="1" lang="ja-JP" altLang="en-US" dirty="0"/>
           </a:p>
@@ -6023,7 +6019,7 @@
             </a:r>
             <a:r>
               <a:rPr lang="ja-JP" altLang="en-US" sz="2400" dirty="0"/>
-              <a:t>）にペナルティ項（点線で囲んだ部分）を追加する。 これを正則化と言う。</a:t>
+              <a:t>）にコスト関数（点線で囲んだ部分）を追加する。</a:t>
             </a:r>
             <a:endParaRPr lang="en-US" altLang="ja-JP" sz="2400" dirty="0"/>
           </a:p>
@@ -6043,8 +6039,8 @@
         </p:nvSpPr>
         <p:spPr>
           <a:xfrm>
-            <a:off x="5874913" y="3850137"/>
-            <a:ext cx="2729535" cy="1051556"/>
+            <a:off x="5874913" y="3850136"/>
+            <a:ext cx="2729535" cy="1739103"/>
           </a:xfrm>
           <a:prstGeom prst="wedgeRoundRectCallout">
             <a:avLst>
@@ -6077,14 +6073,50 @@
               <a:buChar char="•"/>
             </a:pPr>
             <a:r>
+              <a:rPr kumimoji="1" lang="en-US" altLang="ja-JP" sz="1400" dirty="0" err="1"/>
+              <a:t>scikit</a:t>
+            </a:r>
+            <a:r>
               <a:rPr kumimoji="1" lang="en-US" altLang="ja-JP" sz="1400" dirty="0"/>
-              <a:t>L2</a:t>
-            </a:r>
-            <a:r>
-              <a:rPr kumimoji="1" lang="ja-JP" altLang="en-US" sz="1400" dirty="0"/>
-              <a:t>正則化</a:t>
-            </a:r>
-            <a:endParaRPr kumimoji="1" lang="en-US" altLang="ja-JP" sz="1400" dirty="0"/>
+              <a:t>-learn</a:t>
+            </a:r>
+            <a:r>
+              <a:rPr lang="ja-JP" altLang="en-US" sz="1400" dirty="0"/>
+              <a:t>の</a:t>
+            </a:r>
+            <a:r>
+              <a:rPr lang="en-US" altLang="ja-JP" sz="1400" dirty="0" err="1"/>
+              <a:t>LogisticRegression</a:t>
+            </a:r>
+            <a:r>
+              <a:rPr lang="ja-JP" altLang="en-US" sz="1400" dirty="0"/>
+              <a:t>のパラメータ </a:t>
+            </a:r>
+            <a:r>
+              <a:rPr lang="en-US" altLang="ja-JP" sz="1400" dirty="0"/>
+              <a:t>C</a:t>
+            </a:r>
+            <a:r>
+              <a:rPr lang="ja-JP" altLang="en-US" sz="1400" dirty="0"/>
+              <a:t>は「</a:t>
+            </a:r>
+            <a:r>
+              <a:rPr lang="en-US" altLang="ja-JP" sz="1400" dirty="0"/>
+              <a:t>1</a:t>
+            </a:r>
+            <a:r>
+              <a:rPr lang="ja-JP" altLang="en-US" sz="1400" dirty="0"/>
+              <a:t>／</a:t>
+            </a:r>
+            <a:r>
+              <a:rPr lang="en-US" altLang="ja-JP" sz="1400" dirty="0"/>
+              <a:t>λ</a:t>
+            </a:r>
+            <a:r>
+              <a:rPr lang="ja-JP" altLang="en-US" sz="1400" dirty="0"/>
+              <a:t>」と同じ。</a:t>
+            </a:r>
+            <a:endParaRPr lang="en-US" altLang="ja-JP" sz="1400" dirty="0"/>
           </a:p>
           <a:p>
             <a:pPr marL="285750" indent="-285750">
@@ -6092,48 +6124,16 @@
               <a:buChar char="•"/>
             </a:pPr>
             <a:r>
-              <a:rPr kumimoji="1" lang="en-US" altLang="ja-JP" sz="1400" dirty="0" err="1"/>
-              <a:t>scikit</a:t>
-            </a:r>
-            <a:r>
-              <a:rPr kumimoji="1" lang="en-US" altLang="ja-JP" sz="1400" dirty="0"/>
-              <a:t>-learn</a:t>
+              <a:rPr kumimoji="1" lang="ja-JP" altLang="en-US" sz="1400" dirty="0"/>
+              <a:t>考え方は</a:t>
+            </a:r>
+            <a:r>
+              <a:rPr lang="en-US" altLang="ja-JP" sz="1400" dirty="0"/>
+              <a:t>L2</a:t>
             </a:r>
             <a:r>
               <a:rPr lang="ja-JP" altLang="en-US" sz="1400" dirty="0"/>
-              <a:t>の</a:t>
-            </a:r>
-            <a:r>
-              <a:rPr lang="en-US" altLang="ja-JP" sz="1400" dirty="0" err="1"/>
-              <a:t>LogisticRegression</a:t>
-            </a:r>
-            <a:r>
-              <a:rPr lang="ja-JP" altLang="en-US" sz="1400" dirty="0"/>
-              <a:t>のパラメータ </a:t>
-            </a:r>
-            <a:r>
-              <a:rPr lang="en-US" altLang="ja-JP" sz="1400" dirty="0"/>
-              <a:t>C</a:t>
-            </a:r>
-            <a:r>
-              <a:rPr lang="ja-JP" altLang="en-US" sz="1400" dirty="0"/>
-              <a:t>は「</a:t>
-            </a:r>
-            <a:r>
-              <a:rPr lang="en-US" altLang="ja-JP" sz="1400" dirty="0"/>
-              <a:t>1</a:t>
-            </a:r>
-            <a:r>
-              <a:rPr lang="ja-JP" altLang="en-US" sz="1400" dirty="0"/>
-              <a:t>／</a:t>
-            </a:r>
-            <a:r>
-              <a:rPr lang="en-US" altLang="ja-JP" sz="1400" dirty="0"/>
-              <a:t>λ</a:t>
-            </a:r>
-            <a:r>
-              <a:rPr lang="ja-JP" altLang="en-US" sz="1400" dirty="0"/>
-              <a:t>」と同じ。</a:t>
+              <a:t>正則化と同じ（本ファイルでは詳細説明を省略する）</a:t>
             </a:r>
             <a:endParaRPr kumimoji="1" lang="ja-JP" altLang="en-US" sz="1400" dirty="0"/>
           </a:p>
@@ -6204,8 +6204,8 @@
         </p:nvSpPr>
         <p:spPr>
           <a:xfrm>
-            <a:off x="4380949" y="4977405"/>
-            <a:ext cx="1045726" cy="251795"/>
+            <a:off x="4477130" y="4977405"/>
+            <a:ext cx="853365" cy="251795"/>
           </a:xfrm>
           <a:prstGeom prst="rect">
             <a:avLst/>
@@ -6230,13 +6230,76 @@
                   <a:srgbClr val="FF0000"/>
                 </a:solidFill>
               </a:rPr>
-              <a:t>ペナルティ項</a:t>
+              <a:t>コスト関数</a:t>
             </a:r>
             <a:endParaRPr lang="en-US" altLang="ja-JP" sz="1400" dirty="0">
               <a:solidFill>
                 <a:srgbClr val="FF0000"/>
               </a:solidFill>
             </a:endParaRPr>
+          </a:p>
+        </p:txBody>
+      </p:sp>
+      <p:sp>
+        <p:nvSpPr>
+          <p:cNvPr id="6" name="四角形: 角を丸くする 5">
+            <a:extLst>
+              <a:ext uri="{FF2B5EF4-FFF2-40B4-BE49-F238E27FC236}">
+                <a16:creationId xmlns:a16="http://schemas.microsoft.com/office/drawing/2014/main" id="{F9B1233C-94A3-4BD9-8743-5E9F193F882D}"/>
+              </a:ext>
+            </a:extLst>
+          </p:cNvPr>
+          <p:cNvSpPr/>
+          <p:nvPr/>
+        </p:nvSpPr>
+        <p:spPr>
+          <a:xfrm>
+            <a:off x="5845950" y="548674"/>
+            <a:ext cx="3213063" cy="990600"/>
+          </a:xfrm>
+          <a:prstGeom prst="roundRect">
+            <a:avLst/>
+          </a:prstGeom>
+        </p:spPr>
+        <p:style>
+          <a:lnRef idx="2">
+            <a:schemeClr val="dk1"/>
+          </a:lnRef>
+          <a:fillRef idx="1">
+            <a:schemeClr val="lt1"/>
+          </a:fillRef>
+          <a:effectRef idx="0">
+            <a:schemeClr val="dk1"/>
+          </a:effectRef>
+          <a:fontRef idx="minor">
+            <a:schemeClr val="dk1"/>
+          </a:fontRef>
+        </p:style>
+        <p:txBody>
+          <a:bodyPr rtlCol="0" anchor="ctr"/>
+          <a:lstStyle/>
+          <a:p>
+            <a:pPr algn="ctr"/>
+            <a:r>
+              <a:rPr kumimoji="1" lang="ja-JP" altLang="en-US" dirty="0"/>
+              <a:t>本ページを削除し、別パターンとして作成する予定（詳細は</a:t>
+            </a:r>
+            <a:r>
+              <a:rPr kumimoji="1" lang="en-US" altLang="ja-JP" dirty="0"/>
+              <a:t>11</a:t>
+            </a:r>
+            <a:r>
+              <a:rPr kumimoji="1" lang="ja-JP" altLang="en-US" dirty="0"/>
+              <a:t>月</a:t>
+            </a:r>
+            <a:r>
+              <a:rPr kumimoji="1" lang="en-US" altLang="ja-JP" dirty="0"/>
+              <a:t>29</a:t>
+            </a:r>
+            <a:r>
+              <a:rPr kumimoji="1" lang="ja-JP" altLang="en-US" dirty="0"/>
+              <a:t>日に確認）</a:t>
+            </a:r>
           </a:p>
         </p:txBody>
       </p:sp>
@@ -6978,9 +7041,12 @@
           <a:p>
             <a:pPr lvl="1"/>
             <a:r>
-              <a:rPr lang="en-US" altLang="ja-JP" dirty="0"/>
+              <a:rPr lang="en-US" altLang="ja-JP" dirty="0">
+                <a:hlinkClick r:id="rId2"/>
+              </a:rPr>
               <a:t>https://www.kaggle.com/c/titanic</a:t>
             </a:r>
+            <a:endParaRPr lang="en-US" altLang="ja-JP" dirty="0"/>
           </a:p>
           <a:p>
             <a:pPr lvl="1"/>
@@ -7147,7 +7213,7 @@
           <p:nvPr/>
         </p:nvPicPr>
         <p:blipFill>
-          <a:blip r:embed="rId2" cstate="print">
+          <a:blip r:embed="rId3" cstate="print">
             <a:alphaModFix/>
             <a:extLst>
               <a:ext uri="{28A0092B-C50C-407E-A947-70E740481C1C}">
@@ -8722,9 +8788,10 @@
               <a:buAutoNum type="arabicPeriod"/>
             </a:pPr>
             <a:r>
-              <a:rPr kumimoji="1" lang="ja-JP" altLang="en-US" sz="2800" dirty="0"/>
-              <a:t>正則化</a:t>
-            </a:r>
+              <a:rPr lang="ja-JP" altLang="en-US" sz="2800" dirty="0"/>
+              <a:t>コスト関数</a:t>
+            </a:r>
+            <a:endParaRPr kumimoji="1" lang="ja-JP" altLang="en-US" sz="2800" dirty="0"/>
           </a:p>
         </p:txBody>
       </p:sp>

--- a/oouchi/1.2_LogisticRegression/1.2_RogisticRegression.pptx
+++ b/oouchi/1.2_LogisticRegression/1.2_RogisticRegression.pptx
@@ -16,13 +16,13 @@
     <p:sldId id="262" r:id="rId7"/>
     <p:sldId id="263" r:id="rId8"/>
     <p:sldId id="264" r:id="rId9"/>
-    <p:sldId id="265" r:id="rId10"/>
-    <p:sldId id="276" r:id="rId11"/>
-    <p:sldId id="266" r:id="rId12"/>
-    <p:sldId id="273" r:id="rId13"/>
-    <p:sldId id="274" r:id="rId14"/>
-    <p:sldId id="269" r:id="rId15"/>
-    <p:sldId id="270" r:id="rId16"/>
+    <p:sldId id="270" r:id="rId10"/>
+    <p:sldId id="269" r:id="rId11"/>
+    <p:sldId id="265" r:id="rId12"/>
+    <p:sldId id="276" r:id="rId13"/>
+    <p:sldId id="266" r:id="rId14"/>
+    <p:sldId id="273" r:id="rId15"/>
+    <p:sldId id="274" r:id="rId16"/>
   </p:sldIdLst>
   <p:sldSz cx="9144000" cy="6858000" type="screen4x3"/>
   <p:notesSz cx="6858000" cy="9144000"/>
@@ -222,7 +222,7 @@
           <a:p>
             <a:fld id="{35AF1AB0-152F-4944-8B0B-D6AC80456478}" type="datetimeFigureOut">
               <a:rPr kumimoji="1" lang="ja-JP" altLang="en-US" smtClean="0"/>
-              <a:t>2018/11/28</a:t>
+              <a:t>2018/12/7</a:t>
             </a:fld>
             <a:endParaRPr kumimoji="1" lang="ja-JP" altLang="en-US"/>
           </a:p>
@@ -709,7 +709,7 @@
           <a:p>
             <a:fld id="{9162DFDF-7161-450E-AA25-87B734D9927A}" type="datetime1">
               <a:rPr kumimoji="1" lang="ja-JP" altLang="en-US" smtClean="0"/>
-              <a:t>2018/11/28</a:t>
+              <a:t>2018/12/7</a:t>
             </a:fld>
             <a:endParaRPr kumimoji="1" lang="ja-JP" altLang="en-US"/>
           </a:p>
@@ -941,7 +941,7 @@
           <a:p>
             <a:fld id="{05170B31-FCB0-4503-B8DD-4901361C2F6F}" type="datetime1">
               <a:rPr kumimoji="1" lang="ja-JP" altLang="en-US" smtClean="0"/>
-              <a:t>2018/11/28</a:t>
+              <a:t>2018/12/7</a:t>
             </a:fld>
             <a:endParaRPr kumimoji="1" lang="ja-JP" altLang="en-US"/>
           </a:p>
@@ -1148,7 +1148,7 @@
           <a:p>
             <a:fld id="{A285A42D-9368-4BB8-90BE-0F899494FD93}" type="datetime1">
               <a:rPr kumimoji="1" lang="ja-JP" altLang="en-US" smtClean="0"/>
-              <a:t>2018/11/28</a:t>
+              <a:t>2018/12/7</a:t>
             </a:fld>
             <a:endParaRPr kumimoji="1" lang="ja-JP" altLang="en-US"/>
           </a:p>
@@ -1345,7 +1345,7 @@
           <a:p>
             <a:fld id="{AC56DD09-0C5E-431E-AADA-074A2AD145DD}" type="datetime1">
               <a:rPr kumimoji="1" lang="ja-JP" altLang="en-US" smtClean="0"/>
-              <a:t>2018/11/28</a:t>
+              <a:t>2018/12/7</a:t>
             </a:fld>
             <a:endParaRPr kumimoji="1" lang="ja-JP" altLang="en-US"/>
           </a:p>
@@ -1593,7 +1593,7 @@
           <a:p>
             <a:fld id="{E3F455DD-B8CA-4C30-97FD-952368997C4F}" type="datetime1">
               <a:rPr kumimoji="1" lang="ja-JP" altLang="en-US" smtClean="0"/>
-              <a:t>2018/11/28</a:t>
+              <a:t>2018/12/7</a:t>
             </a:fld>
             <a:endParaRPr kumimoji="1" lang="ja-JP" altLang="en-US"/>
           </a:p>
@@ -1975,7 +1975,7 @@
           <a:p>
             <a:fld id="{6AD42BE7-B330-4BC3-BB4C-EE0029A16A41}" type="datetime1">
               <a:rPr kumimoji="1" lang="ja-JP" altLang="en-US" smtClean="0"/>
-              <a:t>2018/11/28</a:t>
+              <a:t>2018/12/7</a:t>
             </a:fld>
             <a:endParaRPr kumimoji="1" lang="ja-JP" altLang="en-US"/>
           </a:p>
@@ -2505,7 +2505,7 @@
           <a:p>
             <a:fld id="{68A324F7-1AF9-496C-9147-148D735ACB58}" type="datetime1">
               <a:rPr kumimoji="1" lang="ja-JP" altLang="en-US" smtClean="0"/>
-              <a:t>2018/11/28</a:t>
+              <a:t>2018/12/7</a:t>
             </a:fld>
             <a:endParaRPr kumimoji="1" lang="ja-JP" altLang="en-US"/>
           </a:p>
@@ -2653,7 +2653,7 @@
           <a:p>
             <a:fld id="{27AA0BA3-AB01-4609-88A0-55AAC0CC76BD}" type="datetime1">
               <a:rPr kumimoji="1" lang="ja-JP" altLang="en-US" smtClean="0"/>
-              <a:t>2018/11/28</a:t>
+              <a:t>2018/12/7</a:t>
             </a:fld>
             <a:endParaRPr kumimoji="1" lang="ja-JP" altLang="en-US"/>
           </a:p>
@@ -2743,7 +2743,7 @@
           <a:p>
             <a:fld id="{0CFBF5D4-B5CC-4467-B796-C67F515DE3C5}" type="datetime1">
               <a:rPr kumimoji="1" lang="ja-JP" altLang="en-US" smtClean="0"/>
-              <a:t>2018/11/28</a:t>
+              <a:t>2018/12/7</a:t>
             </a:fld>
             <a:endParaRPr kumimoji="1" lang="ja-JP" altLang="en-US"/>
           </a:p>
@@ -3049,7 +3049,7 @@
           <a:p>
             <a:fld id="{A0163980-AAA3-47F9-A262-0D3864F1B223}" type="datetime1">
               <a:rPr kumimoji="1" lang="ja-JP" altLang="en-US" smtClean="0"/>
-              <a:t>2018/11/28</a:t>
+              <a:t>2018/12/7</a:t>
             </a:fld>
             <a:endParaRPr kumimoji="1" lang="ja-JP" altLang="en-US"/>
           </a:p>
@@ -3354,7 +3354,7 @@
           <a:p>
             <a:fld id="{848859B9-DC56-434E-8346-7979ED5DF987}" type="datetime1">
               <a:rPr kumimoji="1" lang="ja-JP" altLang="en-US" smtClean="0"/>
-              <a:t>2018/11/28</a:t>
+              <a:t>2018/12/7</a:t>
             </a:fld>
             <a:endParaRPr kumimoji="1" lang="ja-JP" altLang="en-US"/>
           </a:p>
@@ -3684,7 +3684,7 @@
           <a:p>
             <a:fld id="{8A9F02A4-63CC-4654-A6E7-8D37C032D0CA}" type="datetime1">
               <a:rPr kumimoji="1" lang="ja-JP" altLang="en-US" smtClean="0"/>
-              <a:t>2018/11/28</a:t>
+              <a:t>2018/12/7</a:t>
             </a:fld>
             <a:endParaRPr kumimoji="1" lang="ja-JP" altLang="en-US"/>
           </a:p>
@@ -4192,6 +4192,288 @@
       </p:grpSpPr>
       <p:sp>
         <p:nvSpPr>
+          <p:cNvPr id="2" name="タイトル 1"/>
+          <p:cNvSpPr>
+            <a:spLocks noGrp="1"/>
+          </p:cNvSpPr>
+          <p:nvPr>
+            <p:ph type="title"/>
+          </p:nvPr>
+        </p:nvSpPr>
+        <p:spPr/>
+        <p:txBody>
+          <a:bodyPr/>
+          <a:lstStyle/>
+          <a:p>
+            <a:r>
+              <a:rPr lang="ja-JP" altLang="en-US" dirty="0"/>
+              <a:t>出典</a:t>
+            </a:r>
+            <a:endParaRPr kumimoji="1" lang="ja-JP" altLang="en-US" dirty="0"/>
+          </a:p>
+        </p:txBody>
+      </p:sp>
+      <p:sp>
+        <p:nvSpPr>
+          <p:cNvPr id="3" name="コンテンツ プレースホルダー 2"/>
+          <p:cNvSpPr>
+            <a:spLocks noGrp="1"/>
+          </p:cNvSpPr>
+          <p:nvPr>
+            <p:ph idx="1"/>
+          </p:nvPr>
+        </p:nvSpPr>
+        <p:spPr/>
+        <p:txBody>
+          <a:bodyPr/>
+          <a:lstStyle/>
+          <a:p>
+            <a:r>
+              <a:rPr lang="ja-JP" altLang="en-US" b="1" dirty="0"/>
+              <a:t>ロジスティック回帰分析</a:t>
+            </a:r>
+            <a:endParaRPr lang="en-US" altLang="ja-JP" dirty="0"/>
+          </a:p>
+          <a:p>
+            <a:pPr lvl="1"/>
+            <a:r>
+              <a:rPr lang="en-US" altLang="ja-JP" dirty="0">
+                <a:hlinkClick r:id="rId2"/>
+              </a:rPr>
+              <a:t>https://qiita.com/fujin/items/7f0a7b6fc8fb662f510d</a:t>
+            </a:r>
+            <a:endParaRPr lang="en-US" altLang="ja-JP" dirty="0"/>
+          </a:p>
+          <a:p>
+            <a:r>
+              <a:rPr lang="en-US" altLang="ja-JP" sz="2000" dirty="0"/>
+              <a:t>Coursera Machine Learning (3): </a:t>
+            </a:r>
+            <a:r>
+              <a:rPr lang="ja-JP" altLang="en-US" sz="2000" dirty="0"/>
+              <a:t>ロジスティック回帰、正則化</a:t>
+            </a:r>
+            <a:endParaRPr lang="en-US" altLang="ja-JP" sz="2000" dirty="0"/>
+          </a:p>
+          <a:p>
+            <a:pPr lvl="1"/>
+            <a:r>
+              <a:rPr lang="en-US" altLang="ja-JP" dirty="0">
+                <a:hlinkClick r:id="rId3"/>
+              </a:rPr>
+              <a:t>https://qiita.com/katsu1110/items/e4ef613559f02f183af5</a:t>
+            </a:r>
+            <a:endParaRPr lang="en-US" altLang="ja-JP" dirty="0"/>
+          </a:p>
+          <a:p>
+            <a:endParaRPr kumimoji="1" lang="ja-JP" altLang="en-US" dirty="0"/>
+          </a:p>
+        </p:txBody>
+      </p:sp>
+      <p:sp>
+        <p:nvSpPr>
+          <p:cNvPr id="4" name="スライド番号プレースホルダー 3"/>
+          <p:cNvSpPr>
+            <a:spLocks noGrp="1"/>
+          </p:cNvSpPr>
+          <p:nvPr>
+            <p:ph type="sldNum" sz="quarter" idx="12"/>
+          </p:nvPr>
+        </p:nvSpPr>
+        <p:spPr/>
+        <p:txBody>
+          <a:bodyPr/>
+          <a:lstStyle/>
+          <a:p>
+            <a:fld id="{D2D8002D-B5B0-4BAC-B1F6-782DDCCE6D9C}" type="slidenum">
+              <a:rPr kumimoji="1" lang="ja-JP" altLang="en-US" smtClean="0"/>
+              <a:t>10</a:t>
+            </a:fld>
+            <a:endParaRPr kumimoji="1" lang="ja-JP" altLang="en-US"/>
+          </a:p>
+        </p:txBody>
+      </p:sp>
+    </p:spTree>
+    <p:extLst>
+      <p:ext uri="{BB962C8B-B14F-4D97-AF65-F5344CB8AC3E}">
+        <p14:creationId xmlns:p14="http://schemas.microsoft.com/office/powerpoint/2010/main" val="621174911"/>
+      </p:ext>
+    </p:extLst>
+  </p:cSld>
+  <p:clrMapOvr>
+    <a:masterClrMapping/>
+  </p:clrMapOvr>
+</p:sld>
+</file>
+
+<file path=ppt/slides/slide11.xml><?xml version="1.0" encoding="utf-8"?>
+<p:sld xmlns:a="http://schemas.openxmlformats.org/drawingml/2006/main" xmlns:r="http://schemas.openxmlformats.org/officeDocument/2006/relationships" xmlns:p="http://schemas.openxmlformats.org/presentationml/2006/main">
+  <p:cSld>
+    <p:spTree>
+      <p:nvGrpSpPr>
+        <p:cNvPr id="1" name=""/>
+        <p:cNvGrpSpPr/>
+        <p:nvPr/>
+      </p:nvGrpSpPr>
+      <p:grpSpPr>
+        <a:xfrm>
+          <a:off x="0" y="0"/>
+          <a:ext cx="0" cy="0"/>
+          <a:chOff x="0" y="0"/>
+          <a:chExt cx="0" cy="0"/>
+        </a:xfrm>
+      </p:grpSpPr>
+      <p:sp>
+        <p:nvSpPr>
+          <p:cNvPr id="2" name="タイトル 1"/>
+          <p:cNvSpPr>
+            <a:spLocks noGrp="1"/>
+          </p:cNvSpPr>
+          <p:nvPr>
+            <p:ph type="title"/>
+          </p:nvPr>
+        </p:nvSpPr>
+        <p:spPr/>
+        <p:txBody>
+          <a:bodyPr/>
+          <a:lstStyle/>
+          <a:p>
+            <a:r>
+              <a:rPr lang="ja-JP" altLang="en-US" dirty="0"/>
+              <a:t>理論的背景（目次）</a:t>
+            </a:r>
+            <a:endParaRPr kumimoji="1" lang="ja-JP" altLang="en-US" dirty="0"/>
+          </a:p>
+        </p:txBody>
+      </p:sp>
+      <p:sp>
+        <p:nvSpPr>
+          <p:cNvPr id="4" name="スライド番号プレースホルダー 3"/>
+          <p:cNvSpPr>
+            <a:spLocks noGrp="1"/>
+          </p:cNvSpPr>
+          <p:nvPr>
+            <p:ph type="sldNum" sz="quarter" idx="12"/>
+          </p:nvPr>
+        </p:nvSpPr>
+        <p:spPr/>
+        <p:txBody>
+          <a:bodyPr/>
+          <a:lstStyle/>
+          <a:p>
+            <a:fld id="{D2D8002D-B5B0-4BAC-B1F6-782DDCCE6D9C}" type="slidenum">
+              <a:rPr kumimoji="1" lang="ja-JP" altLang="en-US" smtClean="0"/>
+              <a:t>11</a:t>
+            </a:fld>
+            <a:endParaRPr kumimoji="1" lang="ja-JP" altLang="en-US"/>
+          </a:p>
+        </p:txBody>
+      </p:sp>
+      <p:sp>
+        <p:nvSpPr>
+          <p:cNvPr id="3" name="テキスト ボックス 2">
+            <a:extLst>
+              <a:ext uri="{FF2B5EF4-FFF2-40B4-BE49-F238E27FC236}">
+                <a16:creationId xmlns:a16="http://schemas.microsoft.com/office/drawing/2014/main" id="{667B49C2-E67A-42DD-A915-D509CF0C8C99}"/>
+              </a:ext>
+            </a:extLst>
+          </p:cNvPr>
+          <p:cNvSpPr txBox="1"/>
+          <p:nvPr/>
+        </p:nvSpPr>
+        <p:spPr>
+          <a:xfrm>
+            <a:off x="755576" y="1568355"/>
+            <a:ext cx="2214315" cy="1759900"/>
+          </a:xfrm>
+          <a:prstGeom prst="rect">
+            <a:avLst/>
+          </a:prstGeom>
+          <a:noFill/>
+        </p:spPr>
+        <p:txBody>
+          <a:bodyPr wrap="none" lIns="36000" tIns="0" rIns="36000" bIns="36000" rtlCol="0">
+            <a:spAutoFit/>
+          </a:bodyPr>
+          <a:lstStyle/>
+          <a:p>
+            <a:pPr marL="342900" indent="-342900">
+              <a:buFont typeface="+mj-lt"/>
+              <a:buAutoNum type="arabicPeriod"/>
+            </a:pPr>
+            <a:r>
+              <a:rPr lang="ja-JP" altLang="en-US" sz="2800" dirty="0"/>
+              <a:t>考え方</a:t>
+            </a:r>
+            <a:endParaRPr lang="en-US" altLang="ja-JP" sz="2800" dirty="0"/>
+          </a:p>
+          <a:p>
+            <a:pPr marL="342900" indent="-342900">
+              <a:buFont typeface="+mj-lt"/>
+              <a:buAutoNum type="arabicPeriod"/>
+            </a:pPr>
+            <a:r>
+              <a:rPr kumimoji="1" lang="ja-JP" altLang="en-US" sz="2800" dirty="0"/>
+              <a:t>目的関数</a:t>
+            </a:r>
+            <a:endParaRPr kumimoji="1" lang="en-US" altLang="ja-JP" sz="2800" dirty="0"/>
+          </a:p>
+          <a:p>
+            <a:pPr marL="342900" indent="-342900">
+              <a:buFont typeface="+mj-lt"/>
+              <a:buAutoNum type="arabicPeriod"/>
+            </a:pPr>
+            <a:r>
+              <a:rPr lang="ja-JP" altLang="en-US" sz="2800" dirty="0"/>
+              <a:t>最急降下法</a:t>
+            </a:r>
+            <a:endParaRPr lang="en-US" altLang="ja-JP" sz="2800" dirty="0"/>
+          </a:p>
+          <a:p>
+            <a:pPr marL="342900" indent="-342900">
+              <a:buFont typeface="+mj-lt"/>
+              <a:buAutoNum type="arabicPeriod"/>
+            </a:pPr>
+            <a:r>
+              <a:rPr lang="ja-JP" altLang="en-US" sz="2800" dirty="0"/>
+              <a:t>コスト関数</a:t>
+            </a:r>
+            <a:endParaRPr kumimoji="1" lang="ja-JP" altLang="en-US" sz="2800" dirty="0"/>
+          </a:p>
+        </p:txBody>
+      </p:sp>
+    </p:spTree>
+    <p:extLst>
+      <p:ext uri="{BB962C8B-B14F-4D97-AF65-F5344CB8AC3E}">
+        <p14:creationId xmlns:p14="http://schemas.microsoft.com/office/powerpoint/2010/main" val="3303200950"/>
+      </p:ext>
+    </p:extLst>
+  </p:cSld>
+  <p:clrMapOvr>
+    <a:masterClrMapping/>
+  </p:clrMapOvr>
+</p:sld>
+</file>
+
+<file path=ppt/slides/slide12.xml><?xml version="1.0" encoding="utf-8"?>
+<p:sld xmlns:a="http://schemas.openxmlformats.org/drawingml/2006/main" xmlns:r="http://schemas.openxmlformats.org/officeDocument/2006/relationships" xmlns:p="http://schemas.openxmlformats.org/presentationml/2006/main">
+  <p:cSld>
+    <p:spTree>
+      <p:nvGrpSpPr>
+        <p:cNvPr id="1" name=""/>
+        <p:cNvGrpSpPr/>
+        <p:nvPr/>
+      </p:nvGrpSpPr>
+      <p:grpSpPr>
+        <a:xfrm>
+          <a:off x="0" y="0"/>
+          <a:ext cx="0" cy="0"/>
+          <a:chOff x="0" y="0"/>
+          <a:chExt cx="0" cy="0"/>
+        </a:xfrm>
+      </p:grpSpPr>
+      <p:sp>
+        <p:nvSpPr>
           <p:cNvPr id="13" name="矢印: 下 12">
             <a:extLst>
               <a:ext uri="{FF2B5EF4-FFF2-40B4-BE49-F238E27FC236}">
@@ -4357,7 +4639,7 @@
           <a:p>
             <a:fld id="{D2D8002D-B5B0-4BAC-B1F6-782DDCCE6D9C}" type="slidenum">
               <a:rPr kumimoji="1" lang="ja-JP" altLang="en-US" smtClean="0"/>
-              <a:t>10</a:t>
+              <a:t>12</a:t>
             </a:fld>
             <a:endParaRPr kumimoji="1" lang="ja-JP" altLang="en-US"/>
           </a:p>
@@ -4997,7 +5279,7 @@
 </p:sld>
 </file>
 
-<file path=ppt/slides/slide11.xml><?xml version="1.0" encoding="utf-8"?>
+<file path=ppt/slides/slide13.xml><?xml version="1.0" encoding="utf-8"?>
 <p:sld xmlns:a="http://schemas.openxmlformats.org/drawingml/2006/main" xmlns:r="http://schemas.openxmlformats.org/officeDocument/2006/relationships" xmlns:p="http://schemas.openxmlformats.org/presentationml/2006/main">
   <p:cSld>
     <p:spTree>
@@ -5131,7 +5413,7 @@
           <a:p>
             <a:fld id="{D2D8002D-B5B0-4BAC-B1F6-782DDCCE6D9C}" type="slidenum">
               <a:rPr kumimoji="1" lang="ja-JP" altLang="en-US" smtClean="0"/>
-              <a:t>11</a:t>
+              <a:t>13</a:t>
             </a:fld>
             <a:endParaRPr kumimoji="1" lang="ja-JP" altLang="en-US"/>
           </a:p>
@@ -5433,7 +5715,7 @@
 </p:sld>
 </file>
 
-<file path=ppt/slides/slide12.xml><?xml version="1.0" encoding="utf-8"?>
+<file path=ppt/slides/slide14.xml><?xml version="1.0" encoding="utf-8"?>
 <p:sld xmlns:a="http://schemas.openxmlformats.org/drawingml/2006/main" xmlns:r="http://schemas.openxmlformats.org/officeDocument/2006/relationships" xmlns:p="http://schemas.openxmlformats.org/presentationml/2006/main">
   <p:cSld>
     <p:spTree>
@@ -5510,7 +5792,7 @@
           <a:p>
             <a:fld id="{D2D8002D-B5B0-4BAC-B1F6-782DDCCE6D9C}" type="slidenum">
               <a:rPr kumimoji="1" lang="ja-JP" altLang="en-US" smtClean="0"/>
-              <a:t>12</a:t>
+              <a:t>14</a:t>
             </a:fld>
             <a:endParaRPr kumimoji="1" lang="ja-JP" altLang="en-US"/>
           </a:p>
@@ -5864,7 +6146,7 @@
 </p:sld>
 </file>
 
-<file path=ppt/slides/slide13.xml><?xml version="1.0" encoding="utf-8"?>
+<file path=ppt/slides/slide15.xml><?xml version="1.0" encoding="utf-8"?>
 <p:sld xmlns:a="http://schemas.openxmlformats.org/drawingml/2006/main" xmlns:r="http://schemas.openxmlformats.org/officeDocument/2006/relationships" xmlns:p="http://schemas.openxmlformats.org/presentationml/2006/main">
   <p:cSld>
     <p:spTree>
@@ -5933,7 +6215,7 @@
           <a:p>
             <a:fld id="{D2D8002D-B5B0-4BAC-B1F6-782DDCCE6D9C}" type="slidenum">
               <a:rPr kumimoji="1" lang="ja-JP" altLang="en-US" smtClean="0"/>
-              <a:t>13</a:t>
+              <a:t>15</a:t>
             </a:fld>
             <a:endParaRPr kumimoji="1" lang="ja-JP" altLang="en-US"/>
           </a:p>
@@ -6307,441 +6589,6 @@
     <p:extLst>
       <p:ext uri="{BB962C8B-B14F-4D97-AF65-F5344CB8AC3E}">
         <p14:creationId xmlns:p14="http://schemas.microsoft.com/office/powerpoint/2010/main" val="1181839971"/>
-      </p:ext>
-    </p:extLst>
-  </p:cSld>
-  <p:clrMapOvr>
-    <a:masterClrMapping/>
-  </p:clrMapOvr>
-</p:sld>
-</file>
-
-<file path=ppt/slides/slide14.xml><?xml version="1.0" encoding="utf-8"?>
-<p:sld xmlns:a="http://schemas.openxmlformats.org/drawingml/2006/main" xmlns:r="http://schemas.openxmlformats.org/officeDocument/2006/relationships" xmlns:p="http://schemas.openxmlformats.org/presentationml/2006/main">
-  <p:cSld>
-    <p:spTree>
-      <p:nvGrpSpPr>
-        <p:cNvPr id="1" name=""/>
-        <p:cNvGrpSpPr/>
-        <p:nvPr/>
-      </p:nvGrpSpPr>
-      <p:grpSpPr>
-        <a:xfrm>
-          <a:off x="0" y="0"/>
-          <a:ext cx="0" cy="0"/>
-          <a:chOff x="0" y="0"/>
-          <a:chExt cx="0" cy="0"/>
-        </a:xfrm>
-      </p:grpSpPr>
-      <p:sp>
-        <p:nvSpPr>
-          <p:cNvPr id="2" name="タイトル 1"/>
-          <p:cNvSpPr>
-            <a:spLocks noGrp="1"/>
-          </p:cNvSpPr>
-          <p:nvPr>
-            <p:ph type="title"/>
-          </p:nvPr>
-        </p:nvSpPr>
-        <p:spPr/>
-        <p:txBody>
-          <a:bodyPr/>
-          <a:lstStyle/>
-          <a:p>
-            <a:r>
-              <a:rPr lang="ja-JP" altLang="en-US" dirty="0"/>
-              <a:t>出典</a:t>
-            </a:r>
-            <a:endParaRPr kumimoji="1" lang="ja-JP" altLang="en-US" dirty="0"/>
-          </a:p>
-        </p:txBody>
-      </p:sp>
-      <p:sp>
-        <p:nvSpPr>
-          <p:cNvPr id="3" name="コンテンツ プレースホルダー 2"/>
-          <p:cNvSpPr>
-            <a:spLocks noGrp="1"/>
-          </p:cNvSpPr>
-          <p:nvPr>
-            <p:ph idx="1"/>
-          </p:nvPr>
-        </p:nvSpPr>
-        <p:spPr/>
-        <p:txBody>
-          <a:bodyPr/>
-          <a:lstStyle/>
-          <a:p>
-            <a:r>
-              <a:rPr lang="ja-JP" altLang="en-US" b="1" dirty="0"/>
-              <a:t>ロジスティック回帰分析</a:t>
-            </a:r>
-            <a:endParaRPr lang="en-US" altLang="ja-JP" dirty="0"/>
-          </a:p>
-          <a:p>
-            <a:pPr lvl="1"/>
-            <a:r>
-              <a:rPr lang="en-US" altLang="ja-JP" dirty="0">
-                <a:hlinkClick r:id="rId2"/>
-              </a:rPr>
-              <a:t>https://qiita.com/fujin/items/7f0a7b6fc8fb662f510d</a:t>
-            </a:r>
-            <a:endParaRPr lang="en-US" altLang="ja-JP" dirty="0"/>
-          </a:p>
-          <a:p>
-            <a:r>
-              <a:rPr lang="en-US" altLang="ja-JP" sz="2000" dirty="0"/>
-              <a:t>Coursera Machine Learning (3): </a:t>
-            </a:r>
-            <a:r>
-              <a:rPr lang="ja-JP" altLang="en-US" sz="2000" dirty="0"/>
-              <a:t>ロジスティック回帰、正則化</a:t>
-            </a:r>
-            <a:endParaRPr lang="en-US" altLang="ja-JP" sz="2000" dirty="0"/>
-          </a:p>
-          <a:p>
-            <a:pPr lvl="1"/>
-            <a:r>
-              <a:rPr lang="en-US" altLang="ja-JP" dirty="0">
-                <a:hlinkClick r:id="rId3"/>
-              </a:rPr>
-              <a:t>https://qiita.com/katsu1110/items/e4ef613559f02f183af5</a:t>
-            </a:r>
-            <a:endParaRPr lang="en-US" altLang="ja-JP" dirty="0"/>
-          </a:p>
-          <a:p>
-            <a:endParaRPr kumimoji="1" lang="ja-JP" altLang="en-US" dirty="0"/>
-          </a:p>
-        </p:txBody>
-      </p:sp>
-      <p:sp>
-        <p:nvSpPr>
-          <p:cNvPr id="4" name="スライド番号プレースホルダー 3"/>
-          <p:cNvSpPr>
-            <a:spLocks noGrp="1"/>
-          </p:cNvSpPr>
-          <p:nvPr>
-            <p:ph type="sldNum" sz="quarter" idx="12"/>
-          </p:nvPr>
-        </p:nvSpPr>
-        <p:spPr/>
-        <p:txBody>
-          <a:bodyPr/>
-          <a:lstStyle/>
-          <a:p>
-            <a:fld id="{D2D8002D-B5B0-4BAC-B1F6-782DDCCE6D9C}" type="slidenum">
-              <a:rPr kumimoji="1" lang="ja-JP" altLang="en-US" smtClean="0"/>
-              <a:t>14</a:t>
-            </a:fld>
-            <a:endParaRPr kumimoji="1" lang="ja-JP" altLang="en-US"/>
-          </a:p>
-        </p:txBody>
-      </p:sp>
-    </p:spTree>
-    <p:extLst>
-      <p:ext uri="{BB962C8B-B14F-4D97-AF65-F5344CB8AC3E}">
-        <p14:creationId xmlns:p14="http://schemas.microsoft.com/office/powerpoint/2010/main" val="621174911"/>
-      </p:ext>
-    </p:extLst>
-  </p:cSld>
-  <p:clrMapOvr>
-    <a:masterClrMapping/>
-  </p:clrMapOvr>
-</p:sld>
-</file>
-
-<file path=ppt/slides/slide15.xml><?xml version="1.0" encoding="utf-8"?>
-<p:sld xmlns:a="http://schemas.openxmlformats.org/drawingml/2006/main" xmlns:r="http://schemas.openxmlformats.org/officeDocument/2006/relationships" xmlns:p="http://schemas.openxmlformats.org/presentationml/2006/main">
-  <p:cSld>
-    <p:spTree>
-      <p:nvGrpSpPr>
-        <p:cNvPr id="1" name=""/>
-        <p:cNvGrpSpPr/>
-        <p:nvPr/>
-      </p:nvGrpSpPr>
-      <p:grpSpPr>
-        <a:xfrm>
-          <a:off x="0" y="0"/>
-          <a:ext cx="0" cy="0"/>
-          <a:chOff x="0" y="0"/>
-          <a:chExt cx="0" cy="0"/>
-        </a:xfrm>
-      </p:grpSpPr>
-      <p:sp>
-        <p:nvSpPr>
-          <p:cNvPr id="2" name="タイトル 1"/>
-          <p:cNvSpPr>
-            <a:spLocks noGrp="1"/>
-          </p:cNvSpPr>
-          <p:nvPr>
-            <p:ph type="title"/>
-          </p:nvPr>
-        </p:nvSpPr>
-        <p:spPr/>
-        <p:txBody>
-          <a:bodyPr/>
-          <a:lstStyle/>
-          <a:p>
-            <a:r>
-              <a:rPr kumimoji="1" lang="ja-JP" altLang="en-US" dirty="0"/>
-              <a:t>関連するパターン</a:t>
-            </a:r>
-          </a:p>
-        </p:txBody>
-      </p:sp>
-      <p:sp>
-        <p:nvSpPr>
-          <p:cNvPr id="3" name="コンテンツ プレースホルダー 2"/>
-          <p:cNvSpPr>
-            <a:spLocks noGrp="1"/>
-          </p:cNvSpPr>
-          <p:nvPr>
-            <p:ph idx="1"/>
-          </p:nvPr>
-        </p:nvSpPr>
-        <p:spPr/>
-        <p:txBody>
-          <a:bodyPr/>
-          <a:lstStyle/>
-          <a:p>
-            <a:r>
-              <a:rPr lang="ja-JP" altLang="en-US" dirty="0"/>
-              <a:t>線形分離可能な観点</a:t>
-            </a:r>
-            <a:endParaRPr kumimoji="1" lang="en-US" altLang="ja-JP" dirty="0"/>
-          </a:p>
-          <a:p>
-            <a:pPr lvl="1"/>
-            <a:r>
-              <a:rPr lang="ja-JP" altLang="en-US" dirty="0"/>
-              <a:t>線形回帰</a:t>
-            </a:r>
-            <a:r>
-              <a:rPr lang="en-US" altLang="ja-JP" dirty="0"/>
-              <a:t>			</a:t>
-            </a:r>
-            <a:r>
-              <a:rPr lang="en-US" altLang="ja-JP" dirty="0" err="1"/>
-              <a:t>LinearRegression</a:t>
-            </a:r>
-            <a:endParaRPr lang="en-US" altLang="ja-JP" dirty="0"/>
-          </a:p>
-          <a:p>
-            <a:pPr lvl="1"/>
-            <a:r>
-              <a:rPr lang="en-US" altLang="ja-JP" dirty="0"/>
-              <a:t>Lasso</a:t>
-            </a:r>
-            <a:r>
-              <a:rPr lang="ja-JP" altLang="en-US" dirty="0"/>
-              <a:t>回帰（</a:t>
-            </a:r>
-            <a:r>
-              <a:rPr lang="en-US" altLang="ja-JP" dirty="0"/>
-              <a:t>L1</a:t>
-            </a:r>
-            <a:r>
-              <a:rPr lang="ja-JP" altLang="en-US" dirty="0"/>
-              <a:t>正則化）</a:t>
-            </a:r>
-            <a:r>
-              <a:rPr lang="en-US" altLang="ja-JP" dirty="0"/>
-              <a:t>	Lasso</a:t>
-            </a:r>
-          </a:p>
-          <a:p>
-            <a:pPr lvl="1"/>
-            <a:r>
-              <a:rPr kumimoji="1" lang="en-US" altLang="ja-JP" dirty="0"/>
-              <a:t>Lasso</a:t>
-            </a:r>
-            <a:r>
-              <a:rPr kumimoji="1" lang="ja-JP" altLang="en-US" dirty="0"/>
-              <a:t>回帰（</a:t>
-            </a:r>
-            <a:r>
-              <a:rPr kumimoji="1" lang="en-US" altLang="ja-JP" dirty="0"/>
-              <a:t>L2</a:t>
-            </a:r>
-            <a:r>
-              <a:rPr kumimoji="1" lang="ja-JP" altLang="en-US" dirty="0"/>
-              <a:t>正則化）</a:t>
-            </a:r>
-            <a:r>
-              <a:rPr kumimoji="1" lang="en-US" altLang="ja-JP" dirty="0"/>
-              <a:t>	Ridge</a:t>
-            </a:r>
-          </a:p>
-          <a:p>
-            <a:r>
-              <a:rPr kumimoji="1" lang="ja-JP" altLang="en-US" dirty="0"/>
-              <a:t>「分類」観点</a:t>
-            </a:r>
-            <a:endParaRPr kumimoji="1" lang="en-US" altLang="ja-JP" dirty="0"/>
-          </a:p>
-          <a:p>
-            <a:pPr lvl="1"/>
-            <a:r>
-              <a:rPr lang="ja-JP" altLang="en-US" dirty="0"/>
-              <a:t>線形サポートベクターマシン</a:t>
-            </a:r>
-            <a:r>
-              <a:rPr lang="en-US" altLang="ja-JP" dirty="0"/>
-              <a:t>	</a:t>
-            </a:r>
-            <a:r>
-              <a:rPr lang="en-US" altLang="ja-JP" dirty="0" err="1"/>
-              <a:t>LinearSVC</a:t>
-            </a:r>
-            <a:endParaRPr lang="en-US" altLang="ja-JP" dirty="0"/>
-          </a:p>
-          <a:p>
-            <a:pPr lvl="1"/>
-            <a:r>
-              <a:rPr kumimoji="1" lang="ja-JP" altLang="en-US" dirty="0"/>
-              <a:t>決定木</a:t>
-            </a:r>
-            <a:r>
-              <a:rPr lang="en-US" altLang="ja-JP" dirty="0"/>
-              <a:t>			</a:t>
-            </a:r>
-            <a:r>
-              <a:rPr lang="en-US" altLang="ja-JP" dirty="0" err="1"/>
-              <a:t>DecisionTreeClassifier</a:t>
-            </a:r>
-            <a:endParaRPr lang="en-US" altLang="ja-JP" dirty="0"/>
-          </a:p>
-          <a:p>
-            <a:pPr lvl="1"/>
-            <a:r>
-              <a:rPr kumimoji="1" lang="ja-JP" altLang="en-US" dirty="0"/>
-              <a:t>サポートベクターマシン</a:t>
-            </a:r>
-            <a:r>
-              <a:rPr kumimoji="1" lang="en-US" altLang="ja-JP" dirty="0"/>
-              <a:t>	SVC</a:t>
-            </a:r>
-          </a:p>
-          <a:p>
-            <a:pPr lvl="1"/>
-            <a:r>
-              <a:rPr kumimoji="1" lang="ja-JP" altLang="en-US" dirty="0"/>
-              <a:t>ニューラルネットワーク </a:t>
-            </a:r>
-            <a:r>
-              <a:rPr lang="en-US" altLang="ja-JP" dirty="0"/>
-              <a:t>※	</a:t>
-            </a:r>
-            <a:r>
-              <a:rPr lang="ja-JP" altLang="en-US" dirty="0"/>
-              <a:t>パーセプトロン、</a:t>
-            </a:r>
-            <a:r>
-              <a:rPr lang="en-US" altLang="ja-JP" dirty="0"/>
-              <a:t>CNN</a:t>
-            </a:r>
-            <a:r>
-              <a:rPr lang="ja-JP" altLang="en-US" dirty="0" err="1"/>
-              <a:t>、</a:t>
-            </a:r>
-            <a:r>
-              <a:rPr lang="en-US" altLang="ja-JP" dirty="0"/>
-              <a:t>RNN</a:t>
-            </a:r>
-            <a:r>
-              <a:rPr lang="ja-JP" altLang="en-US" dirty="0"/>
-              <a:t>など</a:t>
-            </a:r>
-            <a:endParaRPr lang="en-US" altLang="ja-JP" dirty="0"/>
-          </a:p>
-          <a:p>
-            <a:pPr lvl="1"/>
-            <a:r>
-              <a:rPr kumimoji="1" lang="en-US" altLang="ja-JP" dirty="0"/>
-              <a:t>K</a:t>
-            </a:r>
-            <a:r>
-              <a:rPr kumimoji="1" lang="ja-JP" altLang="en-US" dirty="0"/>
-              <a:t>近傍法</a:t>
-            </a:r>
-            <a:r>
-              <a:rPr lang="en-US" altLang="ja-JP" dirty="0"/>
-              <a:t>			</a:t>
-            </a:r>
-            <a:r>
-              <a:rPr lang="en-US" altLang="ja-JP" dirty="0" err="1"/>
-              <a:t>KNeighborsClassifier</a:t>
-            </a:r>
-            <a:endParaRPr lang="en-US" altLang="ja-JP" dirty="0"/>
-          </a:p>
-          <a:p>
-            <a:pPr marL="274320" lvl="1" indent="0">
-              <a:buNone/>
-            </a:pPr>
-            <a:endParaRPr lang="en-US" altLang="ja-JP" dirty="0"/>
-          </a:p>
-          <a:p>
-            <a:pPr marL="0" indent="0">
-              <a:buNone/>
-            </a:pPr>
-            <a:r>
-              <a:rPr kumimoji="1" lang="en-US" altLang="ja-JP" sz="1800" dirty="0"/>
-              <a:t>※</a:t>
-            </a:r>
-            <a:r>
-              <a:rPr kumimoji="1" lang="ja-JP" altLang="en-US" sz="1800" dirty="0"/>
-              <a:t> </a:t>
-            </a:r>
-            <a:r>
-              <a:rPr kumimoji="1" lang="en-US" altLang="ja-JP" sz="1800" dirty="0"/>
-              <a:t>TensorFlow/</a:t>
-            </a:r>
-            <a:r>
-              <a:rPr kumimoji="1" lang="en-US" altLang="ja-JP" sz="1800" dirty="0" err="1"/>
-              <a:t>Keras</a:t>
-            </a:r>
-            <a:r>
-              <a:rPr kumimoji="1" lang="en-US" altLang="ja-JP" sz="1800" dirty="0"/>
-              <a:t> </a:t>
-            </a:r>
-            <a:r>
-              <a:rPr kumimoji="1" lang="ja-JP" altLang="en-US" sz="1800" dirty="0"/>
-              <a:t>のみ</a:t>
-            </a:r>
-            <a:endParaRPr kumimoji="1" lang="en-US" altLang="ja-JP" sz="1800" dirty="0"/>
-          </a:p>
-          <a:p>
-            <a:pPr lvl="1"/>
-            <a:endParaRPr lang="en-US" altLang="ja-JP" dirty="0"/>
-          </a:p>
-        </p:txBody>
-      </p:sp>
-      <p:sp>
-        <p:nvSpPr>
-          <p:cNvPr id="4" name="スライド番号プレースホルダー 3"/>
-          <p:cNvSpPr>
-            <a:spLocks noGrp="1"/>
-          </p:cNvSpPr>
-          <p:nvPr>
-            <p:ph type="sldNum" sz="quarter" idx="12"/>
-          </p:nvPr>
-        </p:nvSpPr>
-        <p:spPr/>
-        <p:txBody>
-          <a:bodyPr/>
-          <a:lstStyle/>
-          <a:p>
-            <a:fld id="{D2D8002D-B5B0-4BAC-B1F6-782DDCCE6D9C}" type="slidenum">
-              <a:rPr kumimoji="1" lang="ja-JP" altLang="en-US" smtClean="0"/>
-              <a:t>15</a:t>
-            </a:fld>
-            <a:endParaRPr kumimoji="1" lang="ja-JP" altLang="en-US"/>
-          </a:p>
-        </p:txBody>
-      </p:sp>
-    </p:spTree>
-    <p:extLst>
-      <p:ext uri="{BB962C8B-B14F-4D97-AF65-F5344CB8AC3E}">
-        <p14:creationId xmlns:p14="http://schemas.microsoft.com/office/powerpoint/2010/main" val="1627899226"/>
       </p:ext>
     </p:extLst>
   </p:cSld>
@@ -8692,10 +8539,236 @@
           <a:lstStyle/>
           <a:p>
             <a:r>
+              <a:rPr kumimoji="1" lang="ja-JP" altLang="en-US" dirty="0"/>
+              <a:t>関連するパターン</a:t>
+            </a:r>
+          </a:p>
+        </p:txBody>
+      </p:sp>
+      <p:sp>
+        <p:nvSpPr>
+          <p:cNvPr id="3" name="コンテンツ プレースホルダー 2"/>
+          <p:cNvSpPr>
+            <a:spLocks noGrp="1"/>
+          </p:cNvSpPr>
+          <p:nvPr>
+            <p:ph idx="1"/>
+          </p:nvPr>
+        </p:nvSpPr>
+        <p:spPr/>
+        <p:txBody>
+          <a:bodyPr/>
+          <a:lstStyle/>
+          <a:p>
+            <a:r>
               <a:rPr lang="ja-JP" altLang="en-US" dirty="0"/>
-              <a:t>理論的背景（目次）</a:t>
-            </a:r>
-            <a:endParaRPr kumimoji="1" lang="ja-JP" altLang="en-US" dirty="0"/>
+              <a:t>線形分離可能な観点</a:t>
+            </a:r>
+            <a:endParaRPr kumimoji="1" lang="en-US" altLang="ja-JP" dirty="0"/>
+          </a:p>
+          <a:p>
+            <a:pPr lvl="1"/>
+            <a:r>
+              <a:rPr lang="ja-JP" altLang="en-US" dirty="0"/>
+              <a:t>線形回帰</a:t>
+            </a:r>
+            <a:r>
+              <a:rPr lang="en-US" altLang="ja-JP" dirty="0"/>
+              <a:t>			</a:t>
+            </a:r>
+            <a:r>
+              <a:rPr lang="en-US" altLang="ja-JP" dirty="0" err="1"/>
+              <a:t>LinearRegression</a:t>
+            </a:r>
+            <a:endParaRPr lang="en-US" altLang="ja-JP" dirty="0"/>
+          </a:p>
+          <a:p>
+            <a:pPr lvl="1"/>
+            <a:r>
+              <a:rPr lang="en-US" altLang="ja-JP" dirty="0"/>
+              <a:t>Lasso</a:t>
+            </a:r>
+            <a:r>
+              <a:rPr lang="ja-JP" altLang="en-US" dirty="0"/>
+              <a:t>回帰（</a:t>
+            </a:r>
+            <a:r>
+              <a:rPr lang="en-US" altLang="ja-JP" dirty="0"/>
+              <a:t>L1</a:t>
+            </a:r>
+            <a:r>
+              <a:rPr lang="ja-JP" altLang="en-US" dirty="0"/>
+              <a:t>正則化）</a:t>
+            </a:r>
+            <a:r>
+              <a:rPr lang="en-US" altLang="ja-JP" dirty="0"/>
+              <a:t>	Lasso</a:t>
+            </a:r>
+          </a:p>
+          <a:p>
+            <a:pPr lvl="1"/>
+            <a:r>
+              <a:rPr kumimoji="1" lang="en-US" altLang="ja-JP" dirty="0"/>
+              <a:t>Lasso</a:t>
+            </a:r>
+            <a:r>
+              <a:rPr kumimoji="1" lang="ja-JP" altLang="en-US" dirty="0"/>
+              <a:t>回帰（</a:t>
+            </a:r>
+            <a:r>
+              <a:rPr kumimoji="1" lang="en-US" altLang="ja-JP" dirty="0"/>
+              <a:t>L2</a:t>
+            </a:r>
+            <a:r>
+              <a:rPr kumimoji="1" lang="ja-JP" altLang="en-US" dirty="0"/>
+              <a:t>正則化）</a:t>
+            </a:r>
+            <a:r>
+              <a:rPr kumimoji="1" lang="en-US" altLang="ja-JP" dirty="0"/>
+              <a:t>	Ridge</a:t>
+            </a:r>
+          </a:p>
+          <a:p>
+            <a:r>
+              <a:rPr kumimoji="1" lang="ja-JP" altLang="en-US" dirty="0"/>
+              <a:t>「分類」観点</a:t>
+            </a:r>
+            <a:endParaRPr kumimoji="1" lang="en-US" altLang="ja-JP" dirty="0"/>
+          </a:p>
+          <a:p>
+            <a:pPr lvl="1"/>
+            <a:r>
+              <a:rPr lang="ja-JP" altLang="en-US" dirty="0"/>
+              <a:t>線形サポートベクターマシン</a:t>
+            </a:r>
+            <a:r>
+              <a:rPr lang="en-US" altLang="ja-JP" dirty="0"/>
+              <a:t>	</a:t>
+            </a:r>
+            <a:r>
+              <a:rPr lang="en-US" altLang="ja-JP" dirty="0" err="1"/>
+              <a:t>LinearSVC</a:t>
+            </a:r>
+            <a:endParaRPr lang="en-US" altLang="ja-JP" dirty="0"/>
+          </a:p>
+          <a:p>
+            <a:pPr lvl="1"/>
+            <a:r>
+              <a:rPr kumimoji="1" lang="ja-JP" altLang="en-US" dirty="0"/>
+              <a:t>決定木</a:t>
+            </a:r>
+            <a:r>
+              <a:rPr lang="en-US" altLang="ja-JP" dirty="0"/>
+              <a:t>			</a:t>
+            </a:r>
+            <a:r>
+              <a:rPr lang="en-US" altLang="ja-JP" dirty="0" err="1"/>
+              <a:t>DecisionTreeClassifier</a:t>
+            </a:r>
+            <a:endParaRPr lang="en-US" altLang="ja-JP" dirty="0"/>
+          </a:p>
+          <a:p>
+            <a:pPr lvl="1"/>
+            <a:r>
+              <a:rPr kumimoji="1" lang="ja-JP" altLang="en-US" dirty="0"/>
+              <a:t>サポートベクターマシン</a:t>
+            </a:r>
+            <a:r>
+              <a:rPr kumimoji="1" lang="en-US" altLang="ja-JP" dirty="0"/>
+              <a:t>	SVC</a:t>
+            </a:r>
+          </a:p>
+          <a:p>
+            <a:pPr lvl="1"/>
+            <a:r>
+              <a:rPr kumimoji="1" lang="ja-JP" altLang="en-US" dirty="0"/>
+              <a:t>ニューラルネットワーク </a:t>
+            </a:r>
+            <a:r>
+              <a:rPr lang="en-US" altLang="ja-JP" dirty="0"/>
+              <a:t>※	</a:t>
+            </a:r>
+            <a:r>
+              <a:rPr lang="ja-JP" altLang="en-US" dirty="0"/>
+              <a:t>パーセプトロン、</a:t>
+            </a:r>
+            <a:r>
+              <a:rPr lang="en-US" altLang="ja-JP" dirty="0"/>
+              <a:t>CNN</a:t>
+            </a:r>
+            <a:r>
+              <a:rPr lang="ja-JP" altLang="en-US" dirty="0" err="1"/>
+              <a:t>、</a:t>
+            </a:r>
+            <a:r>
+              <a:rPr lang="en-US" altLang="ja-JP" dirty="0"/>
+              <a:t>RNN</a:t>
+            </a:r>
+            <a:r>
+              <a:rPr lang="ja-JP" altLang="en-US" dirty="0"/>
+              <a:t>など</a:t>
+            </a:r>
+            <a:endParaRPr lang="en-US" altLang="ja-JP" dirty="0"/>
+          </a:p>
+          <a:p>
+            <a:pPr lvl="1"/>
+            <a:r>
+              <a:rPr kumimoji="1" lang="en-US" altLang="ja-JP" dirty="0"/>
+              <a:t>K</a:t>
+            </a:r>
+            <a:r>
+              <a:rPr kumimoji="1" lang="ja-JP" altLang="en-US" dirty="0"/>
+              <a:t>近傍法</a:t>
+            </a:r>
+            <a:r>
+              <a:rPr lang="en-US" altLang="ja-JP" dirty="0"/>
+              <a:t>			</a:t>
+            </a:r>
+            <a:r>
+              <a:rPr lang="en-US" altLang="ja-JP" dirty="0" err="1"/>
+              <a:t>KNeighborsClassifier</a:t>
+            </a:r>
+            <a:endParaRPr lang="en-US" altLang="ja-JP" dirty="0"/>
+          </a:p>
+          <a:p>
+            <a:pPr marL="274320" lvl="1" indent="0">
+              <a:buNone/>
+            </a:pPr>
+            <a:endParaRPr lang="en-US" altLang="ja-JP" dirty="0"/>
+          </a:p>
+          <a:p>
+            <a:pPr marL="0" indent="0">
+              <a:buNone/>
+            </a:pPr>
+            <a:r>
+              <a:rPr kumimoji="1" lang="en-US" altLang="ja-JP" sz="1800" dirty="0"/>
+              <a:t>※</a:t>
+            </a:r>
+            <a:r>
+              <a:rPr kumimoji="1" lang="ja-JP" altLang="en-US" sz="1800" dirty="0"/>
+              <a:t> </a:t>
+            </a:r>
+            <a:r>
+              <a:rPr kumimoji="1" lang="en-US" altLang="ja-JP" sz="1800" dirty="0"/>
+              <a:t>TensorFlow/</a:t>
+            </a:r>
+            <a:r>
+              <a:rPr kumimoji="1" lang="en-US" altLang="ja-JP" sz="1800" dirty="0" err="1"/>
+              <a:t>Keras</a:t>
+            </a:r>
+            <a:r>
+              <a:rPr kumimoji="1" lang="en-US" altLang="ja-JP" sz="1800" dirty="0"/>
+              <a:t> </a:t>
+            </a:r>
+            <a:r>
+              <a:rPr kumimoji="1" lang="ja-JP" altLang="en-US" sz="1800" dirty="0"/>
+              <a:t>のみ</a:t>
+            </a:r>
+            <a:endParaRPr kumimoji="1" lang="en-US" altLang="ja-JP" sz="1800" dirty="0"/>
+          </a:p>
+          <a:p>
+            <a:pPr lvl="1"/>
+            <a:endParaRPr lang="en-US" altLang="ja-JP" dirty="0"/>
           </a:p>
         </p:txBody>
       </p:sp>
@@ -8722,83 +8795,10 @@
           </a:p>
         </p:txBody>
       </p:sp>
-      <p:sp>
-        <p:nvSpPr>
-          <p:cNvPr id="3" name="テキスト ボックス 2">
-            <a:extLst>
-              <a:ext uri="{FF2B5EF4-FFF2-40B4-BE49-F238E27FC236}">
-                <a16:creationId xmlns:a16="http://schemas.microsoft.com/office/drawing/2014/main" id="{667B49C2-E67A-42DD-A915-D509CF0C8C99}"/>
-              </a:ext>
-            </a:extLst>
-          </p:cNvPr>
-          <p:cNvSpPr txBox="1"/>
-          <p:nvPr/>
-        </p:nvSpPr>
-        <p:spPr>
-          <a:xfrm>
-            <a:off x="755576" y="1568355"/>
-            <a:ext cx="2214315" cy="1759900"/>
-          </a:xfrm>
-          <a:prstGeom prst="rect">
-            <a:avLst/>
-          </a:prstGeom>
-          <a:noFill/>
-        </p:spPr>
-        <p:txBody>
-          <a:bodyPr wrap="none" lIns="36000" tIns="0" rIns="36000" bIns="36000" rtlCol="0">
-            <a:spAutoFit/>
-          </a:bodyPr>
-          <a:lstStyle/>
-          <a:p>
-            <a:pPr marL="342900" indent="-342900">
-              <a:buFont typeface="+mj-lt"/>
-              <a:buAutoNum type="arabicPeriod"/>
-            </a:pPr>
-            <a:r>
-              <a:rPr lang="ja-JP" altLang="en-US" sz="2800" dirty="0"/>
-              <a:t>考え方</a:t>
-            </a:r>
-            <a:endParaRPr lang="en-US" altLang="ja-JP" sz="2800" dirty="0"/>
-          </a:p>
-          <a:p>
-            <a:pPr marL="342900" indent="-342900">
-              <a:buFont typeface="+mj-lt"/>
-              <a:buAutoNum type="arabicPeriod"/>
-            </a:pPr>
-            <a:r>
-              <a:rPr kumimoji="1" lang="ja-JP" altLang="en-US" sz="2800" dirty="0"/>
-              <a:t>目的関数</a:t>
-            </a:r>
-            <a:endParaRPr kumimoji="1" lang="en-US" altLang="ja-JP" sz="2800" dirty="0"/>
-          </a:p>
-          <a:p>
-            <a:pPr marL="342900" indent="-342900">
-              <a:buFont typeface="+mj-lt"/>
-              <a:buAutoNum type="arabicPeriod"/>
-            </a:pPr>
-            <a:r>
-              <a:rPr lang="ja-JP" altLang="en-US" sz="2800" dirty="0"/>
-              <a:t>最急降下法</a:t>
-            </a:r>
-            <a:endParaRPr lang="en-US" altLang="ja-JP" sz="2800" dirty="0"/>
-          </a:p>
-          <a:p>
-            <a:pPr marL="342900" indent="-342900">
-              <a:buFont typeface="+mj-lt"/>
-              <a:buAutoNum type="arabicPeriod"/>
-            </a:pPr>
-            <a:r>
-              <a:rPr lang="ja-JP" altLang="en-US" sz="2800" dirty="0"/>
-              <a:t>コスト関数</a:t>
-            </a:r>
-            <a:endParaRPr kumimoji="1" lang="ja-JP" altLang="en-US" sz="2800" dirty="0"/>
-          </a:p>
-        </p:txBody>
-      </p:sp>
     </p:spTree>
     <p:extLst>
       <p:ext uri="{BB962C8B-B14F-4D97-AF65-F5344CB8AC3E}">
-        <p14:creationId xmlns:p14="http://schemas.microsoft.com/office/powerpoint/2010/main" val="3303200950"/>
+        <p14:creationId xmlns:p14="http://schemas.microsoft.com/office/powerpoint/2010/main" val="1627899226"/>
       </p:ext>
     </p:extLst>
   </p:cSld>

--- a/oouchi/1.2_LogisticRegression/1.2_RogisticRegression.pptx
+++ b/oouchi/1.2_LogisticRegression/1.2_RogisticRegression.pptx
@@ -222,7 +222,7 @@
           <a:p>
             <a:fld id="{35AF1AB0-152F-4944-8B0B-D6AC80456478}" type="datetimeFigureOut">
               <a:rPr kumimoji="1" lang="ja-JP" altLang="en-US" smtClean="0"/>
-              <a:t>2018/12/7</a:t>
+              <a:t>2018/12/8</a:t>
             </a:fld>
             <a:endParaRPr kumimoji="1" lang="ja-JP" altLang="en-US"/>
           </a:p>
@@ -709,7 +709,7 @@
           <a:p>
             <a:fld id="{9162DFDF-7161-450E-AA25-87B734D9927A}" type="datetime1">
               <a:rPr kumimoji="1" lang="ja-JP" altLang="en-US" smtClean="0"/>
-              <a:t>2018/12/7</a:t>
+              <a:t>2018/12/8</a:t>
             </a:fld>
             <a:endParaRPr kumimoji="1" lang="ja-JP" altLang="en-US"/>
           </a:p>
@@ -941,7 +941,7 @@
           <a:p>
             <a:fld id="{05170B31-FCB0-4503-B8DD-4901361C2F6F}" type="datetime1">
               <a:rPr kumimoji="1" lang="ja-JP" altLang="en-US" smtClean="0"/>
-              <a:t>2018/12/7</a:t>
+              <a:t>2018/12/8</a:t>
             </a:fld>
             <a:endParaRPr kumimoji="1" lang="ja-JP" altLang="en-US"/>
           </a:p>
@@ -1148,7 +1148,7 @@
           <a:p>
             <a:fld id="{A285A42D-9368-4BB8-90BE-0F899494FD93}" type="datetime1">
               <a:rPr kumimoji="1" lang="ja-JP" altLang="en-US" smtClean="0"/>
-              <a:t>2018/12/7</a:t>
+              <a:t>2018/12/8</a:t>
             </a:fld>
             <a:endParaRPr kumimoji="1" lang="ja-JP" altLang="en-US"/>
           </a:p>
@@ -1345,7 +1345,7 @@
           <a:p>
             <a:fld id="{AC56DD09-0C5E-431E-AADA-074A2AD145DD}" type="datetime1">
               <a:rPr kumimoji="1" lang="ja-JP" altLang="en-US" smtClean="0"/>
-              <a:t>2018/12/7</a:t>
+              <a:t>2018/12/8</a:t>
             </a:fld>
             <a:endParaRPr kumimoji="1" lang="ja-JP" altLang="en-US"/>
           </a:p>
@@ -1593,7 +1593,7 @@
           <a:p>
             <a:fld id="{E3F455DD-B8CA-4C30-97FD-952368997C4F}" type="datetime1">
               <a:rPr kumimoji="1" lang="ja-JP" altLang="en-US" smtClean="0"/>
-              <a:t>2018/12/7</a:t>
+              <a:t>2018/12/8</a:t>
             </a:fld>
             <a:endParaRPr kumimoji="1" lang="ja-JP" altLang="en-US"/>
           </a:p>
@@ -1975,7 +1975,7 @@
           <a:p>
             <a:fld id="{6AD42BE7-B330-4BC3-BB4C-EE0029A16A41}" type="datetime1">
               <a:rPr kumimoji="1" lang="ja-JP" altLang="en-US" smtClean="0"/>
-              <a:t>2018/12/7</a:t>
+              <a:t>2018/12/8</a:t>
             </a:fld>
             <a:endParaRPr kumimoji="1" lang="ja-JP" altLang="en-US"/>
           </a:p>
@@ -2505,7 +2505,7 @@
           <a:p>
             <a:fld id="{68A324F7-1AF9-496C-9147-148D735ACB58}" type="datetime1">
               <a:rPr kumimoji="1" lang="ja-JP" altLang="en-US" smtClean="0"/>
-              <a:t>2018/12/7</a:t>
+              <a:t>2018/12/8</a:t>
             </a:fld>
             <a:endParaRPr kumimoji="1" lang="ja-JP" altLang="en-US"/>
           </a:p>
@@ -2653,7 +2653,7 @@
           <a:p>
             <a:fld id="{27AA0BA3-AB01-4609-88A0-55AAC0CC76BD}" type="datetime1">
               <a:rPr kumimoji="1" lang="ja-JP" altLang="en-US" smtClean="0"/>
-              <a:t>2018/12/7</a:t>
+              <a:t>2018/12/8</a:t>
             </a:fld>
             <a:endParaRPr kumimoji="1" lang="ja-JP" altLang="en-US"/>
           </a:p>
@@ -2743,7 +2743,7 @@
           <a:p>
             <a:fld id="{0CFBF5D4-B5CC-4467-B796-C67F515DE3C5}" type="datetime1">
               <a:rPr kumimoji="1" lang="ja-JP" altLang="en-US" smtClean="0"/>
-              <a:t>2018/12/7</a:t>
+              <a:t>2018/12/8</a:t>
             </a:fld>
             <a:endParaRPr kumimoji="1" lang="ja-JP" altLang="en-US"/>
           </a:p>
@@ -3049,7 +3049,7 @@
           <a:p>
             <a:fld id="{A0163980-AAA3-47F9-A262-0D3864F1B223}" type="datetime1">
               <a:rPr kumimoji="1" lang="ja-JP" altLang="en-US" smtClean="0"/>
-              <a:t>2018/12/7</a:t>
+              <a:t>2018/12/8</a:t>
             </a:fld>
             <a:endParaRPr kumimoji="1" lang="ja-JP" altLang="en-US"/>
           </a:p>
@@ -3354,7 +3354,7 @@
           <a:p>
             <a:fld id="{848859B9-DC56-434E-8346-7979ED5DF987}" type="datetime1">
               <a:rPr kumimoji="1" lang="ja-JP" altLang="en-US" smtClean="0"/>
-              <a:t>2018/12/7</a:t>
+              <a:t>2018/12/8</a:t>
             </a:fld>
             <a:endParaRPr kumimoji="1" lang="ja-JP" altLang="en-US"/>
           </a:p>
@@ -3684,7 +3684,7 @@
           <a:p>
             <a:fld id="{8A9F02A4-63CC-4654-A6E7-8D37C032D0CA}" type="datetime1">
               <a:rPr kumimoji="1" lang="ja-JP" altLang="en-US" smtClean="0"/>
-              <a:t>2018/12/7</a:t>
+              <a:t>2018/12/8</a:t>
             </a:fld>
             <a:endParaRPr kumimoji="1" lang="ja-JP" altLang="en-US"/>
           </a:p>
@@ -6519,69 +6519,6 @@
                 <a:srgbClr val="FF0000"/>
               </a:solidFill>
             </a:endParaRPr>
-          </a:p>
-        </p:txBody>
-      </p:sp>
-      <p:sp>
-        <p:nvSpPr>
-          <p:cNvPr id="6" name="四角形: 角を丸くする 5">
-            <a:extLst>
-              <a:ext uri="{FF2B5EF4-FFF2-40B4-BE49-F238E27FC236}">
-                <a16:creationId xmlns:a16="http://schemas.microsoft.com/office/drawing/2014/main" id="{F9B1233C-94A3-4BD9-8743-5E9F193F882D}"/>
-              </a:ext>
-            </a:extLst>
-          </p:cNvPr>
-          <p:cNvSpPr/>
-          <p:nvPr/>
-        </p:nvSpPr>
-        <p:spPr>
-          <a:xfrm>
-            <a:off x="5845950" y="548674"/>
-            <a:ext cx="3213063" cy="990600"/>
-          </a:xfrm>
-          <a:prstGeom prst="roundRect">
-            <a:avLst/>
-          </a:prstGeom>
-        </p:spPr>
-        <p:style>
-          <a:lnRef idx="2">
-            <a:schemeClr val="dk1"/>
-          </a:lnRef>
-          <a:fillRef idx="1">
-            <a:schemeClr val="lt1"/>
-          </a:fillRef>
-          <a:effectRef idx="0">
-            <a:schemeClr val="dk1"/>
-          </a:effectRef>
-          <a:fontRef idx="minor">
-            <a:schemeClr val="dk1"/>
-          </a:fontRef>
-        </p:style>
-        <p:txBody>
-          <a:bodyPr rtlCol="0" anchor="ctr"/>
-          <a:lstStyle/>
-          <a:p>
-            <a:pPr algn="ctr"/>
-            <a:r>
-              <a:rPr kumimoji="1" lang="ja-JP" altLang="en-US" dirty="0"/>
-              <a:t>本ページを削除し、別パターンとして作成する予定（詳細は</a:t>
-            </a:r>
-            <a:r>
-              <a:rPr kumimoji="1" lang="en-US" altLang="ja-JP" dirty="0"/>
-              <a:t>11</a:t>
-            </a:r>
-            <a:r>
-              <a:rPr kumimoji="1" lang="ja-JP" altLang="en-US" dirty="0"/>
-              <a:t>月</a:t>
-            </a:r>
-            <a:r>
-              <a:rPr kumimoji="1" lang="en-US" altLang="ja-JP" dirty="0"/>
-              <a:t>29</a:t>
-            </a:r>
-            <a:r>
-              <a:rPr kumimoji="1" lang="ja-JP" altLang="en-US" dirty="0"/>
-              <a:t>日に確認）</a:t>
-            </a:r>
           </a:p>
         </p:txBody>
       </p:sp>
